--- a/蓝桥杯/蓝桥杯基础班第三课+第四课.pptx
+++ b/蓝桥杯/蓝桥杯基础班第三课+第四课.pptx
@@ -5,7 +5,7 @@
     <p:sldMasterId id="2147483648" r:id="rId1"/>
   </p:sldMasterIdLst>
   <p:notesMasterIdLst>
-    <p:notesMasterId r:id="rId45"/>
+    <p:notesMasterId r:id="rId49"/>
   </p:notesMasterIdLst>
   <p:sldIdLst>
     <p:sldId id="256" r:id="rId3"/>
@@ -40,16 +40,20 @@
     <p:sldId id="820" r:id="rId32"/>
     <p:sldId id="823" r:id="rId33"/>
     <p:sldId id="822" r:id="rId34"/>
-    <p:sldId id="824" r:id="rId35"/>
-    <p:sldId id="827" r:id="rId36"/>
-    <p:sldId id="825" r:id="rId37"/>
-    <p:sldId id="828" r:id="rId38"/>
-    <p:sldId id="826" r:id="rId39"/>
-    <p:sldId id="829" r:id="rId40"/>
-    <p:sldId id="830" r:id="rId41"/>
-    <p:sldId id="835" r:id="rId42"/>
-    <p:sldId id="831" r:id="rId43"/>
-    <p:sldId id="833" r:id="rId44"/>
+    <p:sldId id="839" r:id="rId35"/>
+    <p:sldId id="840" r:id="rId36"/>
+    <p:sldId id="841" r:id="rId37"/>
+    <p:sldId id="824" r:id="rId38"/>
+    <p:sldId id="827" r:id="rId39"/>
+    <p:sldId id="825" r:id="rId40"/>
+    <p:sldId id="828" r:id="rId41"/>
+    <p:sldId id="826" r:id="rId42"/>
+    <p:sldId id="829" r:id="rId43"/>
+    <p:sldId id="830" r:id="rId44"/>
+    <p:sldId id="835" r:id="rId45"/>
+    <p:sldId id="831" r:id="rId46"/>
+    <p:sldId id="833" r:id="rId47"/>
+    <p:sldId id="838" r:id="rId48"/>
   </p:sldIdLst>
   <p:sldSz cx="12192000" cy="6858000"/>
   <p:notesSz cx="6858000" cy="9144000"/>
@@ -25340,29 +25344,7 @@
                 <a:cs typeface="宋体" charset="0"/>
                 <a:sym typeface="+mn-ea"/>
               </a:rPr>
-              <a:t>U00018</a:t>
-            </a:r>
-            <a:r>
-              <a:rPr lang="en-US" altLang="zh-CN">
-                <a:solidFill>
-                  <a:srgbClr val="00B0F0"/>
-                </a:solidFill>
-                <a:latin typeface="Calibri" charset="0"/>
-                <a:cs typeface="宋体" charset="0"/>
-                <a:sym typeface="+mn-ea"/>
-              </a:rPr>
-              <a:t>3</a:t>
-            </a:r>
-            <a:r>
-              <a:rPr lang="zh-CN">
-                <a:solidFill>
-                  <a:srgbClr val="00B0F0"/>
-                </a:solidFill>
-                <a:latin typeface="Calibri" charset="0"/>
-                <a:cs typeface="宋体" charset="0"/>
-                <a:sym typeface="+mn-ea"/>
-              </a:rPr>
-              <a:t> 寻宝石</a:t>
+              <a:t>U000185 开关灯</a:t>
             </a:r>
             <a:endParaRPr lang="zh-CN">
               <a:solidFill>
@@ -25391,12 +25373,12 @@
         </p:spPr>
         <p:txBody>
           <a:bodyPr>
-            <a:normAutofit lnSpcReduction="10000"/>
+            <a:normAutofit lnSpcReduction="20000"/>
           </a:bodyPr>
           <a:p>
             <a:pPr marL="0" algn="l">
               <a:lnSpc>
-                <a:spcPct val="150000"/>
+                <a:spcPct val="100000"/>
               </a:lnSpc>
               <a:buClrTx/>
               <a:buSzTx/>
@@ -25418,7 +25400,7 @@
           <a:p>
             <a:pPr marL="0" indent="457200">
               <a:lnSpc>
-                <a:spcPct val="150000"/>
+                <a:spcPct val="100000"/>
               </a:lnSpc>
               <a:buNone/>
             </a:pPr>
@@ -25429,53 +25411,7 @@
                 <a:cs typeface="宋体" charset="0"/>
                 <a:sym typeface="+mn-ea"/>
               </a:rPr>
-              <a:t>有N（1＜N＜100）个盒子排成一排，每个盒子都放有宝石。请找出3个连续的盒子，使得3个盒子中的宝石数量之和最多</a:t>
-            </a:r>
-            <a:endParaRPr sz="2400">
-              <a:latin typeface="宋体" charset="0"/>
-              <a:ea typeface="宋体" charset="0"/>
-              <a:cs typeface="宋体" charset="0"/>
-              <a:sym typeface="+mn-ea"/>
-            </a:endParaRPr>
-          </a:p>
-          <a:p>
-            <a:pPr marL="0" indent="457200">
-              <a:lnSpc>
-                <a:spcPct val="150000"/>
-              </a:lnSpc>
-              <a:buNone/>
-            </a:pPr>
-            <a:r>
-              <a:rPr sz="2400">
-                <a:latin typeface="宋体" charset="0"/>
-                <a:ea typeface="宋体" charset="0"/>
-                <a:cs typeface="宋体" charset="0"/>
-                <a:sym typeface="+mn-ea"/>
-              </a:rPr>
-              <a:t>例如：N = 5，盒子中的宝石数量依次为6、2、4、5、1。</a:t>
-            </a:r>
-            <a:endParaRPr sz="2400">
-              <a:latin typeface="宋体" charset="0"/>
-              <a:ea typeface="宋体" charset="0"/>
-              <a:cs typeface="宋体" charset="0"/>
-              <a:sym typeface="+mn-ea"/>
-            </a:endParaRPr>
-          </a:p>
-          <a:p>
-            <a:pPr marL="0" indent="457200">
-              <a:lnSpc>
-                <a:spcPct val="150000"/>
-              </a:lnSpc>
-              <a:buNone/>
-            </a:pPr>
-            <a:r>
-              <a:rPr sz="2400">
-                <a:latin typeface="宋体" charset="0"/>
-                <a:ea typeface="宋体" charset="0"/>
-                <a:cs typeface="宋体" charset="0"/>
-                <a:sym typeface="+mn-ea"/>
-              </a:rPr>
-              <a:t>3个连续的盒子共有3组，分别为（6，2，4）、（2，4，5）、（4，5，1），宝石数量之和最多是（6，2，4），宝石数量为12。</a:t>
+              <a:t>一盏台灯的开关可以控制三种灯光状态。初始状态为关闭状态，第一次按下开关为冷光状态，第二次按下开关为暖光状态，第三次按下开关为关闭状态，第四次按下开关继续为冷光状态，以此类推。请计算出按下N次开关后，台灯为何种状态。</a:t>
             </a:r>
             <a:endParaRPr sz="2400">
               <a:latin typeface="宋体" charset="0"/>
@@ -25487,16 +25423,283 @@
           <a:p>
             <a:pPr marL="0" algn="l">
               <a:lnSpc>
-                <a:spcPct val="150000"/>
+                <a:spcPct val="100000"/>
               </a:lnSpc>
               <a:buClrTx/>
               <a:buSzTx/>
               <a:buNone/>
             </a:pPr>
+            <a:r>
+              <a:rPr lang="zh-CN" altLang="en-US" sz="2400" i="1">
+                <a:solidFill>
+                  <a:srgbClr val="00B0F0"/>
+                </a:solidFill>
+                <a:sym typeface="+mn-ea"/>
+              </a:rPr>
+              <a:t>·输入</a:t>
+            </a:r>
+            <a:endParaRPr lang="zh-CN" altLang="en-US" sz="2400" i="1">
+              <a:solidFill>
+                <a:srgbClr val="00B0F0"/>
+              </a:solidFill>
+            </a:endParaRPr>
+          </a:p>
+          <a:p>
+            <a:pPr marL="0" indent="0">
+              <a:lnSpc>
+                <a:spcPct val="100000"/>
+              </a:lnSpc>
+              <a:buNone/>
+            </a:pPr>
+            <a:r>
+              <a:rPr lang="en-US" altLang="zh-CN" sz="2400">
+                <a:latin typeface="宋体" charset="0"/>
+                <a:ea typeface="宋体" charset="0"/>
+              </a:rPr>
+              <a:t>     </a:t>
+            </a:r>
+            <a:r>
+              <a:rPr lang="en-US" altLang="zh-CN" sz="2400">
+                <a:latin typeface="宋体" charset="0"/>
+                <a:ea typeface="宋体" charset="0"/>
+                <a:cs typeface="宋体" charset="0"/>
+              </a:rPr>
+              <a:t>  </a:t>
+            </a:r>
+            <a:r>
+              <a:rPr sz="2400">
+                <a:latin typeface="宋体" charset="0"/>
+                <a:ea typeface="宋体" charset="0"/>
+                <a:cs typeface="宋体" charset="0"/>
+                <a:sym typeface="+mn-ea"/>
+              </a:rPr>
+              <a:t>输入一个正整数N（1&lt;N&lt;1000），表示按下台灯开关的次数（初始状态为关闭状态）</a:t>
+            </a:r>
             <a:endParaRPr sz="2400">
               <a:latin typeface="宋体" charset="0"/>
               <a:ea typeface="宋体" charset="0"/>
               <a:cs typeface="宋体" charset="0"/>
+              <a:sym typeface="+mn-ea"/>
+            </a:endParaRPr>
+          </a:p>
+          <a:p>
+            <a:pPr marL="0" indent="0">
+              <a:lnSpc>
+                <a:spcPct val="100000"/>
+              </a:lnSpc>
+              <a:buNone/>
+            </a:pPr>
+            <a:r>
+              <a:rPr lang="zh-CN" altLang="en-US" sz="2400" i="1">
+                <a:solidFill>
+                  <a:srgbClr val="00B0F0"/>
+                </a:solidFill>
+                <a:sym typeface="+mn-ea"/>
+              </a:rPr>
+              <a:t>·输出</a:t>
+            </a:r>
+            <a:endParaRPr lang="zh-CN" altLang="en-US" sz="2400">
+              <a:solidFill>
+                <a:srgbClr val="00B0F0"/>
+              </a:solidFill>
+              <a:latin typeface="宋体" charset="0"/>
+              <a:ea typeface="宋体" charset="0"/>
+            </a:endParaRPr>
+          </a:p>
+          <a:p>
+            <a:pPr marL="0" indent="457200">
+              <a:lnSpc>
+                <a:spcPct val="100000"/>
+              </a:lnSpc>
+              <a:buNone/>
+            </a:pPr>
+            <a:r>
+              <a:rPr sz="2400">
+                <a:latin typeface="Calibri" charset="0"/>
+                <a:cs typeface="宋体" charset="0"/>
+                <a:sym typeface="+mn-ea"/>
+              </a:rPr>
+              <a:t>输出一个大写字母，当按下台灯开关N次后，灯光为冷光状态则输出大写字母“L”，为暖光状态则输出大写字母“N”，为关闭状态则输出大写字母“G”</a:t>
+            </a:r>
+            <a:endParaRPr sz="2400">
+              <a:latin typeface="Calibri" charset="0"/>
+              <a:cs typeface="宋体" charset="0"/>
+              <a:sym typeface="+mn-ea"/>
+            </a:endParaRPr>
+          </a:p>
+        </p:txBody>
+      </p:sp>
+      <p:sp>
+        <p:nvSpPr>
+          <p:cNvPr id="4" name="文本框 3"/>
+          <p:cNvSpPr txBox="1"/>
+          <p:nvPr/>
+        </p:nvSpPr>
+        <p:spPr>
+          <a:xfrm>
+            <a:off x="654685" y="5042535"/>
+            <a:ext cx="2164080" cy="829945"/>
+          </a:xfrm>
+          <a:prstGeom prst="rect">
+            <a:avLst/>
+          </a:prstGeom>
+          <a:noFill/>
+        </p:spPr>
+        <p:txBody>
+          <a:bodyPr wrap="square" rtlCol="0" anchor="t">
+            <a:spAutoFit/>
+          </a:bodyPr>
+          <a:p>
+            <a:pPr marL="0" indent="0">
+              <a:buNone/>
+            </a:pPr>
+            <a:r>
+              <a:rPr lang="zh-CN" altLang="en-US" sz="2400" i="1">
+                <a:solidFill>
+                  <a:srgbClr val="00B0F0"/>
+                </a:solidFill>
+                <a:sym typeface="+mn-ea"/>
+              </a:rPr>
+              <a:t>·输入样例</a:t>
+            </a:r>
+            <a:r>
+              <a:rPr lang="en-US" altLang="zh-CN" sz="2400" i="1">
+                <a:solidFill>
+                  <a:srgbClr val="00B0F0"/>
+                </a:solidFill>
+                <a:sym typeface="+mn-ea"/>
+              </a:rPr>
+              <a:t> </a:t>
+            </a:r>
+            <a:r>
+              <a:rPr lang="zh-CN" altLang="en-US" sz="2400" i="1">
+                <a:solidFill>
+                  <a:srgbClr val="00B0F0"/>
+                </a:solidFill>
+                <a:sym typeface="+mn-ea"/>
+              </a:rPr>
+              <a:t>：</a:t>
+            </a:r>
+            <a:endParaRPr lang="zh-CN" altLang="en-US" sz="2400" i="1">
+              <a:solidFill>
+                <a:srgbClr val="00B0F0"/>
+              </a:solidFill>
+              <a:sym typeface="+mn-ea"/>
+            </a:endParaRPr>
+          </a:p>
+          <a:p>
+            <a:pPr marL="0" indent="457200">
+              <a:buNone/>
+            </a:pPr>
+            <a:r>
+              <a:rPr lang="en-US" altLang="zh-CN" sz="2400" i="1">
+                <a:solidFill>
+                  <a:schemeClr val="tx1"/>
+                </a:solidFill>
+                <a:latin typeface="宋体" charset="0"/>
+                <a:ea typeface="宋体" charset="0"/>
+                <a:sym typeface="+mn-ea"/>
+              </a:rPr>
+              <a:t> 5</a:t>
+            </a:r>
+            <a:endParaRPr lang="en-US" altLang="zh-CN" sz="2400" i="1">
+              <a:solidFill>
+                <a:schemeClr val="tx1"/>
+              </a:solidFill>
+              <a:latin typeface="宋体" charset="0"/>
+              <a:ea typeface="宋体" charset="0"/>
+              <a:sym typeface="+mn-ea"/>
+            </a:endParaRPr>
+          </a:p>
+        </p:txBody>
+      </p:sp>
+      <p:sp>
+        <p:nvSpPr>
+          <p:cNvPr id="7" name="文本框 6"/>
+          <p:cNvSpPr txBox="1"/>
+          <p:nvPr>
+            <p:custDataLst>
+              <p:tags r:id="rId1"/>
+            </p:custDataLst>
+          </p:nvPr>
+        </p:nvSpPr>
+        <p:spPr>
+          <a:xfrm>
+            <a:off x="3963035" y="5042535"/>
+            <a:ext cx="9225915" cy="829945"/>
+          </a:xfrm>
+          <a:prstGeom prst="rect">
+            <a:avLst/>
+          </a:prstGeom>
+          <a:noFill/>
+        </p:spPr>
+        <p:txBody>
+          <a:bodyPr wrap="square" rtlCol="0" anchor="t">
+            <a:spAutoFit/>
+          </a:bodyPr>
+          <a:p>
+            <a:pPr marL="0" indent="457200" algn="l">
+              <a:buClrTx/>
+              <a:buSzTx/>
+              <a:buNone/>
+            </a:pPr>
+            <a:r>
+              <a:rPr lang="zh-CN" altLang="en-US" sz="2400" i="1">
+                <a:solidFill>
+                  <a:srgbClr val="00B0F0"/>
+                </a:solidFill>
+                <a:sym typeface="+mn-ea"/>
+              </a:rPr>
+              <a:t>·样例输出</a:t>
+            </a:r>
+            <a:r>
+              <a:rPr lang="en-US" altLang="zh-CN" sz="2400" i="1">
+                <a:solidFill>
+                  <a:srgbClr val="00B0F0"/>
+                </a:solidFill>
+                <a:sym typeface="+mn-ea"/>
+              </a:rPr>
+              <a:t> </a:t>
+            </a:r>
+            <a:r>
+              <a:rPr lang="zh-CN" altLang="en-US" sz="2400" i="1">
+                <a:solidFill>
+                  <a:srgbClr val="00B0F0"/>
+                </a:solidFill>
+                <a:sym typeface="+mn-ea"/>
+              </a:rPr>
+              <a:t>：</a:t>
+            </a:r>
+            <a:endParaRPr lang="zh-CN" altLang="en-US" sz="2400" i="1">
+              <a:solidFill>
+                <a:srgbClr val="00B0F0"/>
+              </a:solidFill>
+              <a:sym typeface="+mn-ea"/>
+            </a:endParaRPr>
+          </a:p>
+          <a:p>
+            <a:pPr marL="457200" lvl="1" indent="457200" algn="l">
+              <a:buClrTx/>
+              <a:buSzTx/>
+              <a:buNone/>
+            </a:pPr>
+            <a:r>
+              <a:rPr lang="en-US" altLang="zh-CN" sz="2400" i="1">
+                <a:solidFill>
+                  <a:schemeClr val="tx1"/>
+                </a:solidFill>
+                <a:latin typeface="宋体" charset="0"/>
+                <a:ea typeface="宋体" charset="0"/>
+                <a:sym typeface="+mn-ea"/>
+              </a:rPr>
+              <a:t>N</a:t>
+            </a:r>
+            <a:endParaRPr lang="en-US" altLang="zh-CN" sz="2400" i="1">
+              <a:solidFill>
+                <a:schemeClr val="tx1"/>
+              </a:solidFill>
+              <a:latin typeface="宋体" charset="0"/>
+              <a:ea typeface="宋体" charset="0"/>
               <a:sym typeface="+mn-ea"/>
             </a:endParaRPr>
           </a:p>
@@ -25547,7 +25750,7 @@
               <a:buFontTx/>
             </a:pPr>
             <a:r>
-              <a:rPr lang="zh-CN">
+              <a:rPr>
                 <a:solidFill>
                   <a:srgbClr val="00B0F0"/>
                 </a:solidFill>
@@ -25555,31 +25758,9 @@
                 <a:cs typeface="宋体" charset="0"/>
                 <a:sym typeface="+mn-ea"/>
               </a:rPr>
-              <a:t>U00018</a:t>
-            </a:r>
-            <a:r>
-              <a:rPr lang="en-US" altLang="zh-CN">
-                <a:solidFill>
-                  <a:srgbClr val="00B0F0"/>
-                </a:solidFill>
-                <a:latin typeface="Calibri" charset="0"/>
-                <a:cs typeface="宋体" charset="0"/>
-                <a:sym typeface="+mn-ea"/>
-              </a:rPr>
-              <a:t>3</a:t>
-            </a:r>
-            <a:r>
-              <a:rPr lang="zh-CN">
-                <a:solidFill>
-                  <a:srgbClr val="00B0F0"/>
-                </a:solidFill>
-                <a:latin typeface="Calibri" charset="0"/>
-                <a:cs typeface="宋体" charset="0"/>
-                <a:sym typeface="+mn-ea"/>
-              </a:rPr>
-              <a:t> 寻宝石</a:t>
-            </a:r>
-            <a:endParaRPr lang="zh-CN">
+              <a:t>U000185 开关灯</a:t>
+            </a:r>
+            <a:endParaRPr>
               <a:solidFill>
                 <a:srgbClr val="00B0F0"/>
               </a:solidFill>
@@ -25592,187 +25773,14 @@
       </p:sp>
       <p:sp>
         <p:nvSpPr>
-          <p:cNvPr id="5" name="内容占位符 4"/>
-          <p:cNvSpPr/>
-          <p:nvPr>
-            <p:ph idx="1"/>
-          </p:nvPr>
-        </p:nvSpPr>
-        <p:spPr>
-          <a:xfrm>
-            <a:off x="537210" y="1109345"/>
-            <a:ext cx="10816590" cy="5109845"/>
-          </a:xfrm>
-        </p:spPr>
-        <p:txBody>
-          <a:bodyPr>
-            <a:normAutofit lnSpcReduction="20000"/>
-          </a:bodyPr>
-          <a:p>
-            <a:pPr marL="0" algn="l">
-              <a:lnSpc>
-                <a:spcPct val="150000"/>
-              </a:lnSpc>
-              <a:buClrTx/>
-              <a:buSzTx/>
-              <a:buNone/>
-            </a:pPr>
-            <a:r>
-              <a:rPr lang="zh-CN" altLang="en-US" sz="2400" i="1">
-                <a:solidFill>
-                  <a:srgbClr val="00B0F0"/>
-                </a:solidFill>
-                <a:sym typeface="+mn-ea"/>
-              </a:rPr>
-              <a:t>·输入</a:t>
-            </a:r>
-            <a:endParaRPr lang="zh-CN" altLang="en-US" sz="2400" i="1">
-              <a:solidFill>
-                <a:srgbClr val="00B0F0"/>
-              </a:solidFill>
-            </a:endParaRPr>
-          </a:p>
-          <a:p>
-            <a:pPr marL="0" indent="0">
-              <a:lnSpc>
-                <a:spcPct val="150000"/>
-              </a:lnSpc>
-              <a:buNone/>
-            </a:pPr>
-            <a:r>
-              <a:rPr lang="en-US" altLang="zh-CN" sz="2400">
-                <a:latin typeface="宋体" charset="0"/>
-                <a:ea typeface="宋体" charset="0"/>
-                <a:sym typeface="+mn-ea"/>
-              </a:rPr>
-              <a:t>     </a:t>
-            </a:r>
-            <a:r>
-              <a:rPr lang="en-US" altLang="zh-CN" sz="2400">
-                <a:latin typeface="宋体" charset="0"/>
-                <a:ea typeface="宋体" charset="0"/>
-                <a:cs typeface="宋体" charset="0"/>
-                <a:sym typeface="+mn-ea"/>
-              </a:rPr>
-              <a:t>  </a:t>
-            </a:r>
-            <a:r>
-              <a:rPr sz="2400">
-                <a:latin typeface="宋体" charset="0"/>
-                <a:ea typeface="宋体" charset="0"/>
-                <a:cs typeface="宋体" charset="0"/>
-                <a:sym typeface="+mn-ea"/>
-              </a:rPr>
-              <a:t>第一行输入一个正整数N（1＜N＜100），表示这排盒子的数量</a:t>
-            </a:r>
-            <a:endParaRPr sz="2400">
-              <a:latin typeface="宋体" charset="0"/>
-              <a:ea typeface="宋体" charset="0"/>
-              <a:cs typeface="宋体" charset="0"/>
-              <a:sym typeface="+mn-ea"/>
-            </a:endParaRPr>
-          </a:p>
-          <a:p>
-            <a:pPr marL="0" indent="0">
-              <a:lnSpc>
-                <a:spcPct val="150000"/>
-              </a:lnSpc>
-              <a:buNone/>
-            </a:pPr>
-            <a:r>
-              <a:rPr lang="en-US" sz="2400">
-                <a:latin typeface="宋体" charset="0"/>
-                <a:ea typeface="宋体" charset="0"/>
-                <a:cs typeface="宋体" charset="0"/>
-                <a:sym typeface="+mn-ea"/>
-              </a:rPr>
-              <a:t>       </a:t>
-            </a:r>
-            <a:r>
-              <a:rPr sz="2400">
-                <a:latin typeface="宋体" charset="0"/>
-                <a:ea typeface="宋体" charset="0"/>
-                <a:cs typeface="宋体" charset="0"/>
-                <a:sym typeface="+mn-ea"/>
-              </a:rPr>
-              <a:t>第二行输入N个正整数（1≤正整数＜100），表示盒子中依次放有的宝石数量，正整数之间以一个空格隔开</a:t>
-            </a:r>
-            <a:endParaRPr sz="2400">
-              <a:latin typeface="宋体" charset="0"/>
-              <a:ea typeface="宋体" charset="0"/>
-              <a:cs typeface="宋体" charset="0"/>
-              <a:sym typeface="+mn-ea"/>
-            </a:endParaRPr>
-          </a:p>
-          <a:p>
-            <a:pPr marL="0" indent="0">
-              <a:lnSpc>
-                <a:spcPct val="150000"/>
-              </a:lnSpc>
-              <a:buNone/>
-            </a:pPr>
-            <a:r>
-              <a:rPr lang="zh-CN" altLang="en-US" sz="2400" i="1">
-                <a:solidFill>
-                  <a:srgbClr val="00B0F0"/>
-                </a:solidFill>
-                <a:sym typeface="+mn-ea"/>
-              </a:rPr>
-              <a:t>·输出</a:t>
-            </a:r>
-            <a:endParaRPr lang="zh-CN" altLang="en-US" sz="2400">
-              <a:solidFill>
-                <a:srgbClr val="00B0F0"/>
-              </a:solidFill>
-              <a:latin typeface="宋体" charset="0"/>
-              <a:ea typeface="宋体" charset="0"/>
-            </a:endParaRPr>
-          </a:p>
-          <a:p>
-            <a:pPr marL="0" algn="l">
-              <a:lnSpc>
-                <a:spcPct val="150000"/>
-              </a:lnSpc>
-              <a:buClrTx/>
-              <a:buSzTx/>
-              <a:buNone/>
-            </a:pPr>
-            <a:r>
-              <a:rPr lang="en-US" sz="2400">
-                <a:latin typeface="宋体" charset="0"/>
-                <a:ea typeface="宋体" charset="0"/>
-                <a:cs typeface="宋体" charset="0"/>
-                <a:sym typeface="+mn-ea"/>
-              </a:rPr>
-              <a:t>       </a:t>
-            </a:r>
-            <a:r>
-              <a:rPr sz="2400">
-                <a:latin typeface="宋体" charset="0"/>
-                <a:ea typeface="宋体" charset="0"/>
-                <a:cs typeface="宋体" charset="0"/>
-                <a:sym typeface="+mn-ea"/>
-              </a:rPr>
-              <a:t>输出一个整数，表示3个连续的盒子最多的宝石数量</a:t>
-            </a:r>
-            <a:endParaRPr sz="2400">
-              <a:latin typeface="Calibri" charset="0"/>
-              <a:cs typeface="宋体" charset="0"/>
-              <a:sym typeface="+mn-ea"/>
-            </a:endParaRPr>
-          </a:p>
-        </p:txBody>
-      </p:sp>
-      <p:sp>
-        <p:nvSpPr>
-          <p:cNvPr id="4" name="文本框 3"/>
+          <p:cNvPr id="9" name="文本框 8"/>
           <p:cNvSpPr txBox="1"/>
           <p:nvPr/>
         </p:nvSpPr>
         <p:spPr>
           <a:xfrm>
-            <a:off x="654685" y="4855845"/>
-            <a:ext cx="2164080" cy="1198880"/>
+            <a:off x="2811145" y="2406015"/>
+            <a:ext cx="4064000" cy="460375"/>
           </a:xfrm>
           <a:prstGeom prst="rect">
             <a:avLst/>
@@ -25780,100 +25788,142 @@
           <a:noFill/>
         </p:spPr>
         <p:txBody>
-          <a:bodyPr wrap="square" rtlCol="0" anchor="t">
+          <a:bodyPr wrap="square" rtlCol="0">
             <a:spAutoFit/>
           </a:bodyPr>
           <a:p>
-            <a:pPr marL="0" indent="0">
-              <a:buNone/>
-            </a:pPr>
-            <a:r>
-              <a:rPr lang="zh-CN" altLang="en-US" sz="2400" i="1">
+            <a:r>
+              <a:rPr lang="zh-CN" altLang="en-US" sz="2400">
                 <a:solidFill>
                   <a:srgbClr val="00B0F0"/>
                 </a:solidFill>
-                <a:sym typeface="+mn-ea"/>
-              </a:rPr>
-              <a:t>·输入样例</a:t>
-            </a:r>
-            <a:r>
-              <a:rPr lang="en-US" altLang="zh-CN" sz="2400" i="1">
+              </a:rPr>
+              <a:t>解题思路：</a:t>
+            </a:r>
+            <a:r>
+              <a:rPr lang="en-US" altLang="zh-CN" sz="2400">
                 <a:solidFill>
                   <a:srgbClr val="00B0F0"/>
                 </a:solidFill>
-                <a:sym typeface="+mn-ea"/>
               </a:rPr>
               <a:t> </a:t>
             </a:r>
-            <a:r>
-              <a:rPr lang="zh-CN" altLang="en-US" sz="2400" i="1">
-                <a:solidFill>
-                  <a:srgbClr val="00B0F0"/>
-                </a:solidFill>
-                <a:sym typeface="+mn-ea"/>
-              </a:rPr>
-              <a:t>：</a:t>
-            </a:r>
-            <a:endParaRPr lang="zh-CN" altLang="en-US" sz="2400" i="1">
+            <a:endParaRPr lang="en-US" altLang="zh-CN" sz="2400">
               <a:solidFill>
                 <a:srgbClr val="00B0F0"/>
               </a:solidFill>
-              <a:sym typeface="+mn-ea"/>
-            </a:endParaRPr>
-          </a:p>
-          <a:p>
-            <a:pPr marL="0" indent="457200">
-              <a:buNone/>
-            </a:pPr>
-            <a:r>
-              <a:rPr lang="en-US" altLang="zh-CN" sz="2400" i="1">
-                <a:solidFill>
-                  <a:schemeClr val="tx1"/>
-                </a:solidFill>
-                <a:latin typeface="宋体" charset="0"/>
-                <a:ea typeface="宋体" charset="0"/>
-                <a:sym typeface="+mn-ea"/>
-              </a:rPr>
-              <a:t> 5</a:t>
-            </a:r>
-            <a:endParaRPr lang="en-US" altLang="zh-CN" sz="2400" i="1">
-              <a:solidFill>
-                <a:schemeClr val="tx1"/>
-              </a:solidFill>
-              <a:latin typeface="宋体" charset="0"/>
-              <a:ea typeface="宋体" charset="0"/>
-              <a:sym typeface="+mn-ea"/>
-            </a:endParaRPr>
-          </a:p>
-          <a:p>
-            <a:pPr marL="0" indent="457200">
-              <a:buNone/>
-            </a:pPr>
-            <a:r>
-              <a:rPr lang="en-US" altLang="zh-CN" sz="2400" i="1">
-                <a:solidFill>
-                  <a:schemeClr val="tx1"/>
-                </a:solidFill>
-                <a:latin typeface="宋体" charset="0"/>
-                <a:ea typeface="宋体" charset="0"/>
-                <a:sym typeface="+mn-ea"/>
-              </a:rPr>
-              <a:t>6 2 4 5 1</a:t>
-            </a:r>
-            <a:endParaRPr lang="en-US" altLang="zh-CN" sz="2400" i="1">
-              <a:solidFill>
-                <a:schemeClr val="tx1"/>
-              </a:solidFill>
-              <a:latin typeface="宋体" charset="0"/>
-              <a:ea typeface="宋体" charset="0"/>
-              <a:sym typeface="+mn-ea"/>
             </a:endParaRPr>
           </a:p>
         </p:txBody>
       </p:sp>
       <p:sp>
         <p:nvSpPr>
-          <p:cNvPr id="7" name="文本框 6"/>
+          <p:cNvPr id="10" name="文本框 9"/>
+          <p:cNvSpPr txBox="1"/>
+          <p:nvPr/>
+        </p:nvSpPr>
+        <p:spPr>
+          <a:xfrm>
+            <a:off x="4434840" y="2406015"/>
+            <a:ext cx="5860415" cy="2306955"/>
+          </a:xfrm>
+          <a:prstGeom prst="rect">
+            <a:avLst/>
+          </a:prstGeom>
+          <a:noFill/>
+        </p:spPr>
+        <p:txBody>
+          <a:bodyPr wrap="square" rtlCol="0">
+            <a:spAutoFit/>
+          </a:bodyPr>
+          <a:p>
+            <a:r>
+              <a:rPr lang="en-US" altLang="zh-CN" sz="2400">
+                <a:sym typeface="+mn-ea"/>
+              </a:rPr>
+              <a:t>1. </a:t>
+            </a:r>
+            <a:r>
+              <a:rPr lang="zh-CN" altLang="en-US" sz="2400">
+                <a:sym typeface="+mn-ea"/>
+              </a:rPr>
+              <a:t>定义输入值</a:t>
+            </a:r>
+            <a:r>
+              <a:rPr lang="en-US" altLang="zh-CN" sz="2400">
+                <a:sym typeface="+mn-ea"/>
+              </a:rPr>
+              <a:t> n </a:t>
+            </a:r>
+            <a:r>
+              <a:rPr lang="zh-CN" altLang="en-US" sz="2400">
+                <a:sym typeface="+mn-ea"/>
+              </a:rPr>
+              <a:t>作为按动开关</a:t>
+            </a:r>
+            <a:r>
+              <a:rPr lang="zh-CN" altLang="en-US" sz="2400">
+                <a:sym typeface="+mn-ea"/>
+              </a:rPr>
+              <a:t>次数</a:t>
+            </a:r>
+            <a:endParaRPr lang="zh-CN" altLang="en-US" sz="2400">
+              <a:sym typeface="+mn-ea"/>
+            </a:endParaRPr>
+          </a:p>
+          <a:p>
+            <a:endParaRPr lang="zh-CN" altLang="en-US" sz="2400">
+              <a:sym typeface="+mn-ea"/>
+            </a:endParaRPr>
+          </a:p>
+          <a:p>
+            <a:r>
+              <a:rPr lang="en-US" altLang="zh-CN" sz="2400">
+                <a:sym typeface="+mn-ea"/>
+              </a:rPr>
+              <a:t>2. </a:t>
+            </a:r>
+            <a:r>
+              <a:rPr lang="zh-CN" altLang="en-US" sz="2400">
+                <a:solidFill>
+                  <a:srgbClr val="FF0000"/>
+                </a:solidFill>
+                <a:sym typeface="+mn-ea"/>
+              </a:rPr>
+              <a:t>计算开关状态</a:t>
+            </a:r>
+            <a:endParaRPr lang="zh-CN" altLang="en-US" sz="2400">
+              <a:sym typeface="+mn-ea"/>
+            </a:endParaRPr>
+          </a:p>
+          <a:p>
+            <a:endParaRPr lang="en-US" altLang="zh-CN" sz="2400">
+              <a:sym typeface="+mn-ea"/>
+            </a:endParaRPr>
+          </a:p>
+          <a:p>
+            <a:r>
+              <a:rPr lang="en-US" altLang="zh-CN" sz="2400">
+                <a:sym typeface="+mn-ea"/>
+              </a:rPr>
+              <a:t>3. </a:t>
+            </a:r>
+            <a:r>
+              <a:rPr lang="zh-CN" altLang="en-US" sz="2400">
+                <a:sym typeface="+mn-ea"/>
+              </a:rPr>
+              <a:t>输出结果</a:t>
+            </a:r>
+            <a:endParaRPr lang="en-US" altLang="zh-CN" sz="2400"/>
+          </a:p>
+          <a:p>
+            <a:endParaRPr lang="en-US" altLang="zh-CN" sz="2400"/>
+          </a:p>
+        </p:txBody>
+      </p:sp>
+      <p:sp>
+        <p:nvSpPr>
+          <p:cNvPr id="11" name="文本框 10"/>
           <p:cNvSpPr txBox="1"/>
           <p:nvPr>
             <p:custDataLst>
@@ -25883,8 +25933,8 @@
         </p:nvSpPr>
         <p:spPr>
           <a:xfrm>
-            <a:off x="3963035" y="4855845"/>
-            <a:ext cx="9225915" cy="829945"/>
+            <a:off x="2938145" y="5307965"/>
+            <a:ext cx="6144895" cy="460375"/>
           </a:xfrm>
           <a:prstGeom prst="rect">
             <a:avLst/>
@@ -25892,73 +25942,38 @@
           <a:noFill/>
         </p:spPr>
         <p:txBody>
-          <a:bodyPr wrap="square" rtlCol="0" anchor="t">
+          <a:bodyPr wrap="square" rtlCol="0">
             <a:spAutoFit/>
           </a:bodyPr>
           <a:p>
-            <a:pPr marL="0" indent="457200" algn="l">
-              <a:buClrTx/>
-              <a:buSzTx/>
-              <a:buNone/>
-            </a:pPr>
-            <a:r>
-              <a:rPr lang="zh-CN" altLang="en-US" sz="2400" i="1">
+            <a:r>
+              <a:rPr lang="zh-CN" altLang="en-US" sz="2400">
                 <a:solidFill>
                   <a:srgbClr val="00B0F0"/>
                 </a:solidFill>
-                <a:sym typeface="+mn-ea"/>
-              </a:rPr>
-              <a:t>·样例输出</a:t>
-            </a:r>
-            <a:r>
-              <a:rPr lang="en-US" altLang="zh-CN" sz="2400" i="1">
+              </a:rPr>
+              <a:t>解题要求：</a:t>
+            </a:r>
+            <a:r>
+              <a:rPr lang="zh-CN" altLang="en-US" sz="2400">
+                <a:solidFill>
+                  <a:schemeClr val="tx1"/>
+                </a:solidFill>
+              </a:rPr>
+              <a:t>循环，分支判断</a:t>
+            </a:r>
+            <a:r>
+              <a:rPr lang="en-US" altLang="zh-CN" sz="2400">
                 <a:solidFill>
                   <a:srgbClr val="00B0F0"/>
                 </a:solidFill>
-                <a:sym typeface="+mn-ea"/>
               </a:rPr>
               <a:t> </a:t>
             </a:r>
-            <a:r>
-              <a:rPr lang="zh-CN" altLang="en-US" sz="2400" i="1">
-                <a:solidFill>
-                  <a:srgbClr val="00B0F0"/>
-                </a:solidFill>
-                <a:sym typeface="+mn-ea"/>
-              </a:rPr>
-              <a:t>：</a:t>
-            </a:r>
-            <a:endParaRPr lang="zh-CN" altLang="en-US" sz="2400" i="1">
+            <a:endParaRPr lang="en-US" altLang="zh-CN" sz="2400">
               <a:solidFill>
                 <a:srgbClr val="00B0F0"/>
               </a:solidFill>
-              <a:sym typeface="+mn-ea"/>
-            </a:endParaRPr>
-          </a:p>
-          <a:p>
-            <a:pPr marL="457200" lvl="1" indent="457200" algn="l">
-              <a:buClrTx/>
-              <a:buSzTx/>
-              <a:buNone/>
-            </a:pPr>
-            <a:r>
-              <a:rPr lang="en-US" altLang="zh-CN" sz="2400" i="1">
-                <a:solidFill>
-                  <a:schemeClr val="tx1"/>
-                </a:solidFill>
-                <a:latin typeface="宋体" charset="0"/>
-                <a:ea typeface="宋体" charset="0"/>
-                <a:sym typeface="+mn-ea"/>
-              </a:rPr>
-              <a:t>12</a:t>
-            </a:r>
-            <a:endParaRPr lang="en-US" altLang="zh-CN" sz="2400" i="1">
-              <a:solidFill>
-                <a:schemeClr val="tx1"/>
-              </a:solidFill>
-              <a:latin typeface="宋体" charset="0"/>
-              <a:ea typeface="宋体" charset="0"/>
-              <a:sym typeface="+mn-ea"/>
             </a:endParaRPr>
           </a:p>
         </p:txBody>
@@ -26008,6 +26023,779 @@
               <a:buFontTx/>
             </a:pPr>
             <a:r>
+              <a:rPr>
+                <a:solidFill>
+                  <a:srgbClr val="00B0F0"/>
+                </a:solidFill>
+                <a:latin typeface="Calibri" charset="0"/>
+                <a:cs typeface="宋体" charset="0"/>
+                <a:sym typeface="+mn-ea"/>
+              </a:rPr>
+              <a:t>U000185 开关灯</a:t>
+            </a:r>
+            <a:endParaRPr>
+              <a:solidFill>
+                <a:srgbClr val="00B0F0"/>
+              </a:solidFill>
+              <a:latin typeface="Calibri" charset="0"/>
+              <a:cs typeface="宋体" charset="0"/>
+              <a:sym typeface="+mn-ea"/>
+            </a:endParaRPr>
+          </a:p>
+        </p:txBody>
+      </p:sp>
+      <p:pic>
+        <p:nvPicPr>
+          <p:cNvPr id="7" name="图片 6" descr="截屏2023-12-23 11.08.50"/>
+          <p:cNvPicPr>
+            <a:picLocks noChangeAspect="1"/>
+          </p:cNvPicPr>
+          <p:nvPr/>
+        </p:nvPicPr>
+        <p:blipFill>
+          <a:blip r:embed="rId1"/>
+          <a:stretch>
+            <a:fillRect/>
+          </a:stretch>
+        </p:blipFill>
+        <p:spPr>
+          <a:xfrm>
+            <a:off x="2957830" y="850900"/>
+            <a:ext cx="5916930" cy="5845175"/>
+          </a:xfrm>
+          <a:prstGeom prst="rect">
+            <a:avLst/>
+          </a:prstGeom>
+        </p:spPr>
+      </p:pic>
+    </p:spTree>
+  </p:cSld>
+  <p:clrMapOvr>
+    <a:masterClrMapping/>
+  </p:clrMapOvr>
+  <p:timing>
+    <p:tnLst>
+      <p:par>
+        <p:cTn id="1" dur="indefinite" restart="never" nodeType="tmRoot"/>
+      </p:par>
+    </p:tnLst>
+  </p:timing>
+</p:sld>
+</file>
+
+<file path=ppt/slides/slide36.xml><?xml version="1.0" encoding="utf-8"?>
+<p:sld xmlns:a="http://schemas.openxmlformats.org/drawingml/2006/main" xmlns:r="http://schemas.openxmlformats.org/officeDocument/2006/relationships" xmlns:p="http://schemas.openxmlformats.org/presentationml/2006/main">
+  <p:cSld>
+    <p:spTree>
+      <p:nvGrpSpPr>
+        <p:cNvPr id="1" name=""/>
+        <p:cNvGrpSpPr/>
+        <p:nvPr/>
+      </p:nvGrpSpPr>
+      <p:grpSpPr/>
+      <p:sp>
+        <p:nvSpPr>
+          <p:cNvPr id="2" name="标题 1"/>
+          <p:cNvSpPr>
+            <a:spLocks noGrp="1"/>
+          </p:cNvSpPr>
+          <p:nvPr>
+            <p:ph type="title"/>
+          </p:nvPr>
+        </p:nvSpPr>
+        <p:spPr>
+          <a:xfrm>
+            <a:off x="654685" y="0"/>
+            <a:ext cx="10523220" cy="1233805"/>
+          </a:xfrm>
+        </p:spPr>
+        <p:txBody>
+          <a:bodyPr>
+            <a:normAutofit/>
+          </a:bodyPr>
+          <a:p>
+            <a:pPr algn="l">
+              <a:buClrTx/>
+              <a:buSzTx/>
+              <a:buFontTx/>
+            </a:pPr>
+            <a:r>
+              <a:rPr lang="zh-CN">
+                <a:solidFill>
+                  <a:srgbClr val="00B0F0"/>
+                </a:solidFill>
+                <a:latin typeface="Calibri" charset="0"/>
+                <a:cs typeface="宋体" charset="0"/>
+                <a:sym typeface="+mn-ea"/>
+              </a:rPr>
+              <a:t>U00018</a:t>
+            </a:r>
+            <a:r>
+              <a:rPr lang="en-US" altLang="zh-CN">
+                <a:solidFill>
+                  <a:srgbClr val="00B0F0"/>
+                </a:solidFill>
+                <a:latin typeface="Calibri" charset="0"/>
+                <a:cs typeface="宋体" charset="0"/>
+                <a:sym typeface="+mn-ea"/>
+              </a:rPr>
+              <a:t>3</a:t>
+            </a:r>
+            <a:r>
+              <a:rPr lang="zh-CN">
+                <a:solidFill>
+                  <a:srgbClr val="00B0F0"/>
+                </a:solidFill>
+                <a:latin typeface="Calibri" charset="0"/>
+                <a:cs typeface="宋体" charset="0"/>
+                <a:sym typeface="+mn-ea"/>
+              </a:rPr>
+              <a:t> 寻宝石</a:t>
+            </a:r>
+            <a:endParaRPr lang="zh-CN">
+              <a:solidFill>
+                <a:srgbClr val="00B0F0"/>
+              </a:solidFill>
+              <a:latin typeface="Calibri" charset="0"/>
+              <a:cs typeface="宋体" charset="0"/>
+              <a:sym typeface="+mn-ea"/>
+            </a:endParaRPr>
+          </a:p>
+        </p:txBody>
+      </p:sp>
+      <p:sp>
+        <p:nvSpPr>
+          <p:cNvPr id="5" name="内容占位符 4"/>
+          <p:cNvSpPr/>
+          <p:nvPr>
+            <p:ph idx="1"/>
+          </p:nvPr>
+        </p:nvSpPr>
+        <p:spPr>
+          <a:xfrm>
+            <a:off x="537210" y="1109345"/>
+            <a:ext cx="10816590" cy="5109845"/>
+          </a:xfrm>
+        </p:spPr>
+        <p:txBody>
+          <a:bodyPr>
+            <a:normAutofit lnSpcReduction="10000"/>
+          </a:bodyPr>
+          <a:p>
+            <a:pPr marL="0" algn="l">
+              <a:lnSpc>
+                <a:spcPct val="150000"/>
+              </a:lnSpc>
+              <a:buClrTx/>
+              <a:buSzTx/>
+              <a:buNone/>
+            </a:pPr>
+            <a:r>
+              <a:rPr lang="zh-CN" altLang="en-US" sz="2400" i="1">
+                <a:solidFill>
+                  <a:srgbClr val="00B0F0"/>
+                </a:solidFill>
+              </a:rPr>
+              <a:t>·描述</a:t>
+            </a:r>
+            <a:endParaRPr lang="zh-CN" altLang="en-US" sz="2400">
+              <a:latin typeface="宋体" charset="0"/>
+              <a:ea typeface="宋体" charset="0"/>
+            </a:endParaRPr>
+          </a:p>
+          <a:p>
+            <a:pPr marL="0" indent="457200">
+              <a:lnSpc>
+                <a:spcPct val="150000"/>
+              </a:lnSpc>
+              <a:buNone/>
+            </a:pPr>
+            <a:r>
+              <a:rPr sz="2400">
+                <a:latin typeface="宋体" charset="0"/>
+                <a:ea typeface="宋体" charset="0"/>
+                <a:cs typeface="宋体" charset="0"/>
+                <a:sym typeface="+mn-ea"/>
+              </a:rPr>
+              <a:t>有N（1＜N＜100）个盒子排成一排，每个盒子都放有宝石。请找出3个连续的盒子，使得3个盒子中的宝石数量之和最多</a:t>
+            </a:r>
+            <a:endParaRPr sz="2400">
+              <a:latin typeface="宋体" charset="0"/>
+              <a:ea typeface="宋体" charset="0"/>
+              <a:cs typeface="宋体" charset="0"/>
+              <a:sym typeface="+mn-ea"/>
+            </a:endParaRPr>
+          </a:p>
+          <a:p>
+            <a:pPr marL="0" indent="457200">
+              <a:lnSpc>
+                <a:spcPct val="150000"/>
+              </a:lnSpc>
+              <a:buNone/>
+            </a:pPr>
+            <a:r>
+              <a:rPr sz="2400">
+                <a:latin typeface="宋体" charset="0"/>
+                <a:ea typeface="宋体" charset="0"/>
+                <a:cs typeface="宋体" charset="0"/>
+                <a:sym typeface="+mn-ea"/>
+              </a:rPr>
+              <a:t>例如：N = 5，盒子中的宝石数量依次为6、2、4、5、1。</a:t>
+            </a:r>
+            <a:endParaRPr sz="2400">
+              <a:latin typeface="宋体" charset="0"/>
+              <a:ea typeface="宋体" charset="0"/>
+              <a:cs typeface="宋体" charset="0"/>
+              <a:sym typeface="+mn-ea"/>
+            </a:endParaRPr>
+          </a:p>
+          <a:p>
+            <a:pPr marL="0" indent="457200">
+              <a:lnSpc>
+                <a:spcPct val="150000"/>
+              </a:lnSpc>
+              <a:buNone/>
+            </a:pPr>
+            <a:r>
+              <a:rPr sz="2400">
+                <a:latin typeface="宋体" charset="0"/>
+                <a:ea typeface="宋体" charset="0"/>
+                <a:cs typeface="宋体" charset="0"/>
+                <a:sym typeface="+mn-ea"/>
+              </a:rPr>
+              <a:t>3个连续的盒子共有3组，分别为（6，2，4）、（2，4，5）、（4，5，1），宝石数量之和最多是（6，2，4），宝石数量为12。</a:t>
+            </a:r>
+            <a:endParaRPr sz="2400">
+              <a:latin typeface="宋体" charset="0"/>
+              <a:ea typeface="宋体" charset="0"/>
+              <a:cs typeface="宋体" charset="0"/>
+              <a:sym typeface="+mn-ea"/>
+            </a:endParaRPr>
+          </a:p>
+          <a:p>
+            <a:pPr marL="0" algn="l">
+              <a:lnSpc>
+                <a:spcPct val="150000"/>
+              </a:lnSpc>
+              <a:buClrTx/>
+              <a:buSzTx/>
+              <a:buNone/>
+            </a:pPr>
+            <a:endParaRPr sz="2400">
+              <a:latin typeface="宋体" charset="0"/>
+              <a:ea typeface="宋体" charset="0"/>
+              <a:cs typeface="宋体" charset="0"/>
+              <a:sym typeface="+mn-ea"/>
+            </a:endParaRPr>
+          </a:p>
+        </p:txBody>
+      </p:sp>
+    </p:spTree>
+  </p:cSld>
+  <p:clrMapOvr>
+    <a:masterClrMapping/>
+  </p:clrMapOvr>
+</p:sld>
+</file>
+
+<file path=ppt/slides/slide37.xml><?xml version="1.0" encoding="utf-8"?>
+<p:sld xmlns:a="http://schemas.openxmlformats.org/drawingml/2006/main" xmlns:r="http://schemas.openxmlformats.org/officeDocument/2006/relationships" xmlns:p="http://schemas.openxmlformats.org/presentationml/2006/main">
+  <p:cSld>
+    <p:spTree>
+      <p:nvGrpSpPr>
+        <p:cNvPr id="1" name=""/>
+        <p:cNvGrpSpPr/>
+        <p:nvPr/>
+      </p:nvGrpSpPr>
+      <p:grpSpPr/>
+      <p:sp>
+        <p:nvSpPr>
+          <p:cNvPr id="2" name="标题 1"/>
+          <p:cNvSpPr>
+            <a:spLocks noGrp="1"/>
+          </p:cNvSpPr>
+          <p:nvPr>
+            <p:ph type="title"/>
+          </p:nvPr>
+        </p:nvSpPr>
+        <p:spPr>
+          <a:xfrm>
+            <a:off x="654685" y="0"/>
+            <a:ext cx="10523220" cy="1233805"/>
+          </a:xfrm>
+        </p:spPr>
+        <p:txBody>
+          <a:bodyPr>
+            <a:normAutofit/>
+          </a:bodyPr>
+          <a:p>
+            <a:pPr algn="l">
+              <a:buClrTx/>
+              <a:buSzTx/>
+              <a:buFontTx/>
+            </a:pPr>
+            <a:r>
+              <a:rPr lang="zh-CN">
+                <a:solidFill>
+                  <a:srgbClr val="00B0F0"/>
+                </a:solidFill>
+                <a:latin typeface="Calibri" charset="0"/>
+                <a:cs typeface="宋体" charset="0"/>
+                <a:sym typeface="+mn-ea"/>
+              </a:rPr>
+              <a:t>U00018</a:t>
+            </a:r>
+            <a:r>
+              <a:rPr lang="en-US" altLang="zh-CN">
+                <a:solidFill>
+                  <a:srgbClr val="00B0F0"/>
+                </a:solidFill>
+                <a:latin typeface="Calibri" charset="0"/>
+                <a:cs typeface="宋体" charset="0"/>
+                <a:sym typeface="+mn-ea"/>
+              </a:rPr>
+              <a:t>3</a:t>
+            </a:r>
+            <a:r>
+              <a:rPr lang="zh-CN">
+                <a:solidFill>
+                  <a:srgbClr val="00B0F0"/>
+                </a:solidFill>
+                <a:latin typeface="Calibri" charset="0"/>
+                <a:cs typeface="宋体" charset="0"/>
+                <a:sym typeface="+mn-ea"/>
+              </a:rPr>
+              <a:t> 寻宝石</a:t>
+            </a:r>
+            <a:endParaRPr lang="zh-CN">
+              <a:solidFill>
+                <a:srgbClr val="00B0F0"/>
+              </a:solidFill>
+              <a:latin typeface="Calibri" charset="0"/>
+              <a:cs typeface="宋体" charset="0"/>
+              <a:sym typeface="+mn-ea"/>
+            </a:endParaRPr>
+          </a:p>
+        </p:txBody>
+      </p:sp>
+      <p:sp>
+        <p:nvSpPr>
+          <p:cNvPr id="5" name="内容占位符 4"/>
+          <p:cNvSpPr/>
+          <p:nvPr>
+            <p:ph idx="1"/>
+          </p:nvPr>
+        </p:nvSpPr>
+        <p:spPr>
+          <a:xfrm>
+            <a:off x="537210" y="1109345"/>
+            <a:ext cx="10816590" cy="5109845"/>
+          </a:xfrm>
+        </p:spPr>
+        <p:txBody>
+          <a:bodyPr>
+            <a:normAutofit lnSpcReduction="20000"/>
+          </a:bodyPr>
+          <a:p>
+            <a:pPr marL="0" algn="l">
+              <a:lnSpc>
+                <a:spcPct val="150000"/>
+              </a:lnSpc>
+              <a:buClrTx/>
+              <a:buSzTx/>
+              <a:buNone/>
+            </a:pPr>
+            <a:r>
+              <a:rPr lang="zh-CN" altLang="en-US" sz="2400" i="1">
+                <a:solidFill>
+                  <a:srgbClr val="00B0F0"/>
+                </a:solidFill>
+                <a:sym typeface="+mn-ea"/>
+              </a:rPr>
+              <a:t>·输入</a:t>
+            </a:r>
+            <a:endParaRPr lang="zh-CN" altLang="en-US" sz="2400" i="1">
+              <a:solidFill>
+                <a:srgbClr val="00B0F0"/>
+              </a:solidFill>
+            </a:endParaRPr>
+          </a:p>
+          <a:p>
+            <a:pPr marL="0" indent="0">
+              <a:lnSpc>
+                <a:spcPct val="150000"/>
+              </a:lnSpc>
+              <a:buNone/>
+            </a:pPr>
+            <a:r>
+              <a:rPr lang="en-US" altLang="zh-CN" sz="2400">
+                <a:latin typeface="宋体" charset="0"/>
+                <a:ea typeface="宋体" charset="0"/>
+                <a:sym typeface="+mn-ea"/>
+              </a:rPr>
+              <a:t>     </a:t>
+            </a:r>
+            <a:r>
+              <a:rPr lang="en-US" altLang="zh-CN" sz="2400">
+                <a:latin typeface="宋体" charset="0"/>
+                <a:ea typeface="宋体" charset="0"/>
+                <a:cs typeface="宋体" charset="0"/>
+                <a:sym typeface="+mn-ea"/>
+              </a:rPr>
+              <a:t>  </a:t>
+            </a:r>
+            <a:r>
+              <a:rPr sz="2400">
+                <a:latin typeface="宋体" charset="0"/>
+                <a:ea typeface="宋体" charset="0"/>
+                <a:cs typeface="宋体" charset="0"/>
+                <a:sym typeface="+mn-ea"/>
+              </a:rPr>
+              <a:t>第一行输入一个正整数N（1＜N＜100），表示这排盒子的数量</a:t>
+            </a:r>
+            <a:endParaRPr sz="2400">
+              <a:latin typeface="宋体" charset="0"/>
+              <a:ea typeface="宋体" charset="0"/>
+              <a:cs typeface="宋体" charset="0"/>
+              <a:sym typeface="+mn-ea"/>
+            </a:endParaRPr>
+          </a:p>
+          <a:p>
+            <a:pPr marL="0" indent="0">
+              <a:lnSpc>
+                <a:spcPct val="150000"/>
+              </a:lnSpc>
+              <a:buNone/>
+            </a:pPr>
+            <a:r>
+              <a:rPr lang="en-US" sz="2400">
+                <a:latin typeface="宋体" charset="0"/>
+                <a:ea typeface="宋体" charset="0"/>
+                <a:cs typeface="宋体" charset="0"/>
+                <a:sym typeface="+mn-ea"/>
+              </a:rPr>
+              <a:t>       </a:t>
+            </a:r>
+            <a:r>
+              <a:rPr sz="2400">
+                <a:latin typeface="宋体" charset="0"/>
+                <a:ea typeface="宋体" charset="0"/>
+                <a:cs typeface="宋体" charset="0"/>
+                <a:sym typeface="+mn-ea"/>
+              </a:rPr>
+              <a:t>第二行输入N个正整数（1≤正整数＜100），表示盒子中依次放有的宝石数量，正整数之间以一个空格隔开</a:t>
+            </a:r>
+            <a:endParaRPr sz="2400">
+              <a:latin typeface="宋体" charset="0"/>
+              <a:ea typeface="宋体" charset="0"/>
+              <a:cs typeface="宋体" charset="0"/>
+              <a:sym typeface="+mn-ea"/>
+            </a:endParaRPr>
+          </a:p>
+          <a:p>
+            <a:pPr marL="0" indent="0">
+              <a:lnSpc>
+                <a:spcPct val="150000"/>
+              </a:lnSpc>
+              <a:buNone/>
+            </a:pPr>
+            <a:r>
+              <a:rPr lang="zh-CN" altLang="en-US" sz="2400" i="1">
+                <a:solidFill>
+                  <a:srgbClr val="00B0F0"/>
+                </a:solidFill>
+                <a:sym typeface="+mn-ea"/>
+              </a:rPr>
+              <a:t>·输出</a:t>
+            </a:r>
+            <a:endParaRPr lang="zh-CN" altLang="en-US" sz="2400">
+              <a:solidFill>
+                <a:srgbClr val="00B0F0"/>
+              </a:solidFill>
+              <a:latin typeface="宋体" charset="0"/>
+              <a:ea typeface="宋体" charset="0"/>
+            </a:endParaRPr>
+          </a:p>
+          <a:p>
+            <a:pPr marL="0" algn="l">
+              <a:lnSpc>
+                <a:spcPct val="150000"/>
+              </a:lnSpc>
+              <a:buClrTx/>
+              <a:buSzTx/>
+              <a:buNone/>
+            </a:pPr>
+            <a:r>
+              <a:rPr lang="en-US" sz="2400">
+                <a:latin typeface="宋体" charset="0"/>
+                <a:ea typeface="宋体" charset="0"/>
+                <a:cs typeface="宋体" charset="0"/>
+                <a:sym typeface="+mn-ea"/>
+              </a:rPr>
+              <a:t>       </a:t>
+            </a:r>
+            <a:r>
+              <a:rPr sz="2400">
+                <a:latin typeface="宋体" charset="0"/>
+                <a:ea typeface="宋体" charset="0"/>
+                <a:cs typeface="宋体" charset="0"/>
+                <a:sym typeface="+mn-ea"/>
+              </a:rPr>
+              <a:t>输出一个整数，表示3个连续的盒子最多的宝石数量</a:t>
+            </a:r>
+            <a:endParaRPr sz="2400">
+              <a:latin typeface="Calibri" charset="0"/>
+              <a:cs typeface="宋体" charset="0"/>
+              <a:sym typeface="+mn-ea"/>
+            </a:endParaRPr>
+          </a:p>
+        </p:txBody>
+      </p:sp>
+      <p:sp>
+        <p:nvSpPr>
+          <p:cNvPr id="4" name="文本框 3"/>
+          <p:cNvSpPr txBox="1"/>
+          <p:nvPr/>
+        </p:nvSpPr>
+        <p:spPr>
+          <a:xfrm>
+            <a:off x="654685" y="4855845"/>
+            <a:ext cx="2164080" cy="1198880"/>
+          </a:xfrm>
+          <a:prstGeom prst="rect">
+            <a:avLst/>
+          </a:prstGeom>
+          <a:noFill/>
+        </p:spPr>
+        <p:txBody>
+          <a:bodyPr wrap="square" rtlCol="0" anchor="t">
+            <a:spAutoFit/>
+          </a:bodyPr>
+          <a:p>
+            <a:pPr marL="0" indent="0">
+              <a:buNone/>
+            </a:pPr>
+            <a:r>
+              <a:rPr lang="zh-CN" altLang="en-US" sz="2400" i="1">
+                <a:solidFill>
+                  <a:srgbClr val="00B0F0"/>
+                </a:solidFill>
+                <a:sym typeface="+mn-ea"/>
+              </a:rPr>
+              <a:t>·输入样例</a:t>
+            </a:r>
+            <a:r>
+              <a:rPr lang="en-US" altLang="zh-CN" sz="2400" i="1">
+                <a:solidFill>
+                  <a:srgbClr val="00B0F0"/>
+                </a:solidFill>
+                <a:sym typeface="+mn-ea"/>
+              </a:rPr>
+              <a:t> </a:t>
+            </a:r>
+            <a:r>
+              <a:rPr lang="zh-CN" altLang="en-US" sz="2400" i="1">
+                <a:solidFill>
+                  <a:srgbClr val="00B0F0"/>
+                </a:solidFill>
+                <a:sym typeface="+mn-ea"/>
+              </a:rPr>
+              <a:t>：</a:t>
+            </a:r>
+            <a:endParaRPr lang="zh-CN" altLang="en-US" sz="2400" i="1">
+              <a:solidFill>
+                <a:srgbClr val="00B0F0"/>
+              </a:solidFill>
+              <a:sym typeface="+mn-ea"/>
+            </a:endParaRPr>
+          </a:p>
+          <a:p>
+            <a:pPr marL="0" indent="457200">
+              <a:buNone/>
+            </a:pPr>
+            <a:r>
+              <a:rPr lang="en-US" altLang="zh-CN" sz="2400" i="1">
+                <a:solidFill>
+                  <a:schemeClr val="tx1"/>
+                </a:solidFill>
+                <a:latin typeface="宋体" charset="0"/>
+                <a:ea typeface="宋体" charset="0"/>
+                <a:sym typeface="+mn-ea"/>
+              </a:rPr>
+              <a:t> 5</a:t>
+            </a:r>
+            <a:endParaRPr lang="en-US" altLang="zh-CN" sz="2400" i="1">
+              <a:solidFill>
+                <a:schemeClr val="tx1"/>
+              </a:solidFill>
+              <a:latin typeface="宋体" charset="0"/>
+              <a:ea typeface="宋体" charset="0"/>
+              <a:sym typeface="+mn-ea"/>
+            </a:endParaRPr>
+          </a:p>
+          <a:p>
+            <a:pPr marL="0" indent="457200">
+              <a:buNone/>
+            </a:pPr>
+            <a:r>
+              <a:rPr lang="en-US" altLang="zh-CN" sz="2400" i="1">
+                <a:solidFill>
+                  <a:schemeClr val="tx1"/>
+                </a:solidFill>
+                <a:latin typeface="宋体" charset="0"/>
+                <a:ea typeface="宋体" charset="0"/>
+                <a:sym typeface="+mn-ea"/>
+              </a:rPr>
+              <a:t>6 2 4 5 1</a:t>
+            </a:r>
+            <a:endParaRPr lang="en-US" altLang="zh-CN" sz="2400" i="1">
+              <a:solidFill>
+                <a:schemeClr val="tx1"/>
+              </a:solidFill>
+              <a:latin typeface="宋体" charset="0"/>
+              <a:ea typeface="宋体" charset="0"/>
+              <a:sym typeface="+mn-ea"/>
+            </a:endParaRPr>
+          </a:p>
+        </p:txBody>
+      </p:sp>
+      <p:sp>
+        <p:nvSpPr>
+          <p:cNvPr id="7" name="文本框 6"/>
+          <p:cNvSpPr txBox="1"/>
+          <p:nvPr>
+            <p:custDataLst>
+              <p:tags r:id="rId1"/>
+            </p:custDataLst>
+          </p:nvPr>
+        </p:nvSpPr>
+        <p:spPr>
+          <a:xfrm>
+            <a:off x="3963035" y="4855845"/>
+            <a:ext cx="9225915" cy="829945"/>
+          </a:xfrm>
+          <a:prstGeom prst="rect">
+            <a:avLst/>
+          </a:prstGeom>
+          <a:noFill/>
+        </p:spPr>
+        <p:txBody>
+          <a:bodyPr wrap="square" rtlCol="0" anchor="t">
+            <a:spAutoFit/>
+          </a:bodyPr>
+          <a:p>
+            <a:pPr marL="0" indent="457200" algn="l">
+              <a:buClrTx/>
+              <a:buSzTx/>
+              <a:buNone/>
+            </a:pPr>
+            <a:r>
+              <a:rPr lang="zh-CN" altLang="en-US" sz="2400" i="1">
+                <a:solidFill>
+                  <a:srgbClr val="00B0F0"/>
+                </a:solidFill>
+                <a:sym typeface="+mn-ea"/>
+              </a:rPr>
+              <a:t>·样例输出</a:t>
+            </a:r>
+            <a:r>
+              <a:rPr lang="en-US" altLang="zh-CN" sz="2400" i="1">
+                <a:solidFill>
+                  <a:srgbClr val="00B0F0"/>
+                </a:solidFill>
+                <a:sym typeface="+mn-ea"/>
+              </a:rPr>
+              <a:t> </a:t>
+            </a:r>
+            <a:r>
+              <a:rPr lang="zh-CN" altLang="en-US" sz="2400" i="1">
+                <a:solidFill>
+                  <a:srgbClr val="00B0F0"/>
+                </a:solidFill>
+                <a:sym typeface="+mn-ea"/>
+              </a:rPr>
+              <a:t>：</a:t>
+            </a:r>
+            <a:endParaRPr lang="zh-CN" altLang="en-US" sz="2400" i="1">
+              <a:solidFill>
+                <a:srgbClr val="00B0F0"/>
+              </a:solidFill>
+              <a:sym typeface="+mn-ea"/>
+            </a:endParaRPr>
+          </a:p>
+          <a:p>
+            <a:pPr marL="457200" lvl="1" indent="457200" algn="l">
+              <a:buClrTx/>
+              <a:buSzTx/>
+              <a:buNone/>
+            </a:pPr>
+            <a:r>
+              <a:rPr lang="en-US" altLang="zh-CN" sz="2400" i="1">
+                <a:solidFill>
+                  <a:schemeClr val="tx1"/>
+                </a:solidFill>
+                <a:latin typeface="宋体" charset="0"/>
+                <a:ea typeface="宋体" charset="0"/>
+                <a:sym typeface="+mn-ea"/>
+              </a:rPr>
+              <a:t>12</a:t>
+            </a:r>
+            <a:endParaRPr lang="en-US" altLang="zh-CN" sz="2400" i="1">
+              <a:solidFill>
+                <a:schemeClr val="tx1"/>
+              </a:solidFill>
+              <a:latin typeface="宋体" charset="0"/>
+              <a:ea typeface="宋体" charset="0"/>
+              <a:sym typeface="+mn-ea"/>
+            </a:endParaRPr>
+          </a:p>
+        </p:txBody>
+      </p:sp>
+    </p:spTree>
+  </p:cSld>
+  <p:clrMapOvr>
+    <a:masterClrMapping/>
+  </p:clrMapOvr>
+</p:sld>
+</file>
+
+<file path=ppt/slides/slide38.xml><?xml version="1.0" encoding="utf-8"?>
+<p:sld xmlns:a="http://schemas.openxmlformats.org/drawingml/2006/main" xmlns:r="http://schemas.openxmlformats.org/officeDocument/2006/relationships" xmlns:p="http://schemas.openxmlformats.org/presentationml/2006/main">
+  <p:cSld>
+    <p:spTree>
+      <p:nvGrpSpPr>
+        <p:cNvPr id="1" name=""/>
+        <p:cNvGrpSpPr/>
+        <p:nvPr/>
+      </p:nvGrpSpPr>
+      <p:grpSpPr/>
+      <p:sp>
+        <p:nvSpPr>
+          <p:cNvPr id="2" name="标题 1"/>
+          <p:cNvSpPr>
+            <a:spLocks noGrp="1"/>
+          </p:cNvSpPr>
+          <p:nvPr>
+            <p:ph type="title"/>
+          </p:nvPr>
+        </p:nvSpPr>
+        <p:spPr>
+          <a:xfrm>
+            <a:off x="654685" y="0"/>
+            <a:ext cx="10523220" cy="1233805"/>
+          </a:xfrm>
+        </p:spPr>
+        <p:txBody>
+          <a:bodyPr>
+            <a:normAutofit/>
+          </a:bodyPr>
+          <a:p>
+            <a:pPr algn="l">
+              <a:buClrTx/>
+              <a:buSzTx/>
+              <a:buFontTx/>
+            </a:pPr>
+            <a:r>
               <a:rPr lang="zh-CN">
                 <a:solidFill>
                   <a:srgbClr val="00B0F0"/>
@@ -26304,7 +27092,7 @@
 </p:sld>
 </file>
 
-<file path=ppt/slides/slide36.xml><?xml version="1.0" encoding="utf-8"?>
+<file path=ppt/slides/slide39.xml><?xml version="1.0" encoding="utf-8"?>
 <p:sld xmlns:a="http://schemas.openxmlformats.org/drawingml/2006/main" xmlns:r="http://schemas.openxmlformats.org/officeDocument/2006/relationships" xmlns:p="http://schemas.openxmlformats.org/presentationml/2006/main">
   <p:cSld>
     <p:spTree>
@@ -27321,7 +28109,2299 @@
 </p:sld>
 </file>
 
-<file path=ppt/slides/slide37.xml><?xml version="1.0" encoding="utf-8"?>
+<file path=ppt/slides/slide4.xml><?xml version="1.0" encoding="utf-8"?>
+<p:sld xmlns:a="http://schemas.openxmlformats.org/drawingml/2006/main" xmlns:r="http://schemas.openxmlformats.org/officeDocument/2006/relationships" xmlns:p="http://schemas.openxmlformats.org/presentationml/2006/main">
+  <p:cSld>
+    <p:spTree>
+      <p:nvGrpSpPr>
+        <p:cNvPr id="1" name=""/>
+        <p:cNvGrpSpPr/>
+        <p:nvPr/>
+      </p:nvGrpSpPr>
+      <p:grpSpPr>
+        <a:xfrm>
+          <a:off x="0" y="0"/>
+          <a:ext cx="0" cy="0"/>
+          <a:chOff x="0" y="0"/>
+          <a:chExt cx="0" cy="0"/>
+        </a:xfrm>
+      </p:grpSpPr>
+      <p:sp>
+        <p:nvSpPr>
+          <p:cNvPr id="5" name="文本框 4"/>
+          <p:cNvSpPr txBox="1"/>
+          <p:nvPr/>
+        </p:nvSpPr>
+        <p:spPr>
+          <a:xfrm>
+            <a:off x="507365" y="110490"/>
+            <a:ext cx="10400030" cy="706755"/>
+          </a:xfrm>
+          <a:prstGeom prst="rect">
+            <a:avLst/>
+          </a:prstGeom>
+          <a:noFill/>
+        </p:spPr>
+        <p:txBody>
+          <a:bodyPr wrap="square" rtlCol="0">
+            <a:spAutoFit/>
+          </a:bodyPr>
+          <a:p>
+            <a:r>
+              <a:rPr lang="zh-CN" altLang="en-US" sz="4000" b="1">
+                <a:solidFill>
+                  <a:srgbClr val="FF0000"/>
+                </a:solidFill>
+                <a:latin typeface="宋体" charset="0"/>
+                <a:ea typeface="宋体" charset="0"/>
+              </a:rPr>
+              <a:t>数</a:t>
+            </a:r>
+            <a:r>
+              <a:rPr lang="zh-CN" altLang="en-US" sz="4000" b="1">
+                <a:solidFill>
+                  <a:srgbClr val="FF0000"/>
+                </a:solidFill>
+                <a:latin typeface="宋体" charset="0"/>
+                <a:ea typeface="宋体" charset="0"/>
+              </a:rPr>
+              <a:t>制</a:t>
+            </a:r>
+            <a:endParaRPr lang="zh-CN" altLang="en-US" sz="4000" b="1">
+              <a:solidFill>
+                <a:srgbClr val="FF0000"/>
+              </a:solidFill>
+              <a:latin typeface="宋体" charset="0"/>
+              <a:ea typeface="宋体" charset="0"/>
+            </a:endParaRPr>
+          </a:p>
+        </p:txBody>
+      </p:sp>
+      <p:sp>
+        <p:nvSpPr>
+          <p:cNvPr id="3" name="矩形 3"/>
+          <p:cNvSpPr>
+            <a:spLocks noChangeArrowheads="1"/>
+          </p:cNvSpPr>
+          <p:nvPr/>
+        </p:nvSpPr>
+        <p:spPr bwMode="auto">
+          <a:xfrm>
+            <a:off x="127635" y="594360"/>
+            <a:ext cx="11685270" cy="6055360"/>
+          </a:xfrm>
+          <a:prstGeom prst="rect">
+            <a:avLst/>
+          </a:prstGeom>
+          <a:noFill/>
+          <a:ln>
+            <a:noFill/>
+          </a:ln>
+          <a:extLst>
+            <a:ext uri="{909E8E84-426E-40DD-AFC4-6F175D3DCCD1}">
+              <a14:hiddenFill xmlns:a14="http://schemas.microsoft.com/office/drawing/2010/main">
+                <a:solidFill>
+                  <a:srgbClr val="FFFFFF"/>
+                </a:solidFill>
+              </a14:hiddenFill>
+            </a:ext>
+            <a:ext uri="{91240B29-F687-4F45-9708-019B960494DF}">
+              <a14:hiddenLine xmlns:a14="http://schemas.microsoft.com/office/drawing/2010/main" w="9525">
+                <a:solidFill>
+                  <a:srgbClr val="000000"/>
+                </a:solidFill>
+                <a:miter lim="800000"/>
+                <a:headEnd/>
+                <a:tailEnd/>
+              </a14:hiddenLine>
+            </a:ext>
+          </a:extLst>
+        </p:spPr>
+        <p:txBody>
+          <a:bodyPr wrap="square">
+            <a:noAutofit/>
+          </a:bodyPr>
+          <a:lstStyle>
+            <a:lvl1pPr eaLnBrk="0" hangingPunct="0">
+              <a:spcBef>
+                <a:spcPct val="20000"/>
+              </a:spcBef>
+              <a:buClr>
+                <a:schemeClr val="folHlink"/>
+              </a:buClr>
+              <a:buSzPct val="90000"/>
+              <a:buFont typeface="Wingdings" panose="05000000000000000000" pitchFamily="2" charset="2"/>
+              <a:buChar char="w"/>
+              <a:defRPr sz="3200">
+                <a:solidFill>
+                  <a:schemeClr val="tx1"/>
+                </a:solidFill>
+                <a:latin typeface="Arial" panose="020B0604020202090204" pitchFamily="34" charset="0"/>
+                <a:ea typeface="宋体" pitchFamily="2" charset="-122"/>
+              </a:defRPr>
+            </a:lvl1pPr>
+            <a:lvl2pPr marL="742950" indent="-285750" eaLnBrk="0" hangingPunct="0">
+              <a:spcBef>
+                <a:spcPct val="20000"/>
+              </a:spcBef>
+              <a:buClr>
+                <a:schemeClr val="folHlink"/>
+              </a:buClr>
+              <a:buSzPct val="90000"/>
+              <a:buFont typeface="Wingdings" panose="05000000000000000000" pitchFamily="2" charset="2"/>
+              <a:buChar char="ª"/>
+              <a:defRPr sz="2800">
+                <a:solidFill>
+                  <a:schemeClr val="tx1"/>
+                </a:solidFill>
+                <a:latin typeface="Arial" panose="020B0604020202090204" pitchFamily="34" charset="0"/>
+                <a:ea typeface="宋体" pitchFamily="2" charset="-122"/>
+              </a:defRPr>
+            </a:lvl2pPr>
+            <a:lvl3pPr marL="1143000" indent="-228600" eaLnBrk="0" hangingPunct="0">
+              <a:spcBef>
+                <a:spcPct val="20000"/>
+              </a:spcBef>
+              <a:buClr>
+                <a:schemeClr val="folHlink"/>
+              </a:buClr>
+              <a:buFont typeface="Wingdings" panose="05000000000000000000" pitchFamily="2" charset="2"/>
+              <a:buChar char="w"/>
+              <a:defRPr sz="2400">
+                <a:solidFill>
+                  <a:schemeClr val="tx1"/>
+                </a:solidFill>
+                <a:latin typeface="Arial" panose="020B0604020202090204" pitchFamily="34" charset="0"/>
+                <a:ea typeface="宋体" pitchFamily="2" charset="-122"/>
+              </a:defRPr>
+            </a:lvl3pPr>
+            <a:lvl4pPr marL="1600200" indent="-228600" eaLnBrk="0" hangingPunct="0">
+              <a:spcBef>
+                <a:spcPct val="20000"/>
+              </a:spcBef>
+              <a:buClr>
+                <a:schemeClr val="folHlink"/>
+              </a:buClr>
+              <a:buFont typeface="Wingdings" panose="05000000000000000000" pitchFamily="2" charset="2"/>
+              <a:buChar char="ª"/>
+              <a:defRPr sz="2000">
+                <a:solidFill>
+                  <a:schemeClr val="tx1"/>
+                </a:solidFill>
+                <a:latin typeface="Arial" panose="020B0604020202090204" pitchFamily="34" charset="0"/>
+                <a:ea typeface="宋体" pitchFamily="2" charset="-122"/>
+              </a:defRPr>
+            </a:lvl4pPr>
+            <a:lvl5pPr marL="2057400" indent="-228600" eaLnBrk="0" hangingPunct="0">
+              <a:spcBef>
+                <a:spcPct val="20000"/>
+              </a:spcBef>
+              <a:buClr>
+                <a:schemeClr val="folHlink"/>
+              </a:buClr>
+              <a:buFont typeface="Wingdings" panose="05000000000000000000" pitchFamily="2" charset="2"/>
+              <a:buChar char="w"/>
+              <a:defRPr sz="2000">
+                <a:solidFill>
+                  <a:schemeClr val="tx1"/>
+                </a:solidFill>
+                <a:latin typeface="Arial" panose="020B0604020202090204" pitchFamily="34" charset="0"/>
+                <a:ea typeface="宋体" pitchFamily="2" charset="-122"/>
+              </a:defRPr>
+            </a:lvl5pPr>
+            <a:lvl6pPr marL="2514600" indent="-228600" eaLnBrk="0" fontAlgn="base" hangingPunct="0">
+              <a:spcBef>
+                <a:spcPct val="20000"/>
+              </a:spcBef>
+              <a:spcAft>
+                <a:spcPct val="0"/>
+              </a:spcAft>
+              <a:buClr>
+                <a:schemeClr val="folHlink"/>
+              </a:buClr>
+              <a:buFont typeface="Wingdings" panose="05000000000000000000" pitchFamily="2" charset="2"/>
+              <a:buChar char="w"/>
+              <a:defRPr sz="2000">
+                <a:solidFill>
+                  <a:schemeClr val="tx1"/>
+                </a:solidFill>
+                <a:latin typeface="Arial" panose="020B0604020202090204" pitchFamily="34" charset="0"/>
+                <a:ea typeface="宋体" pitchFamily="2" charset="-122"/>
+              </a:defRPr>
+            </a:lvl6pPr>
+            <a:lvl7pPr marL="2971800" indent="-228600" eaLnBrk="0" fontAlgn="base" hangingPunct="0">
+              <a:spcBef>
+                <a:spcPct val="20000"/>
+              </a:spcBef>
+              <a:spcAft>
+                <a:spcPct val="0"/>
+              </a:spcAft>
+              <a:buClr>
+                <a:schemeClr val="folHlink"/>
+              </a:buClr>
+              <a:buFont typeface="Wingdings" panose="05000000000000000000" pitchFamily="2" charset="2"/>
+              <a:buChar char="w"/>
+              <a:defRPr sz="2000">
+                <a:solidFill>
+                  <a:schemeClr val="tx1"/>
+                </a:solidFill>
+                <a:latin typeface="Arial" panose="020B0604020202090204" pitchFamily="34" charset="0"/>
+                <a:ea typeface="宋体" pitchFamily="2" charset="-122"/>
+              </a:defRPr>
+            </a:lvl7pPr>
+            <a:lvl8pPr marL="3429000" indent="-228600" eaLnBrk="0" fontAlgn="base" hangingPunct="0">
+              <a:spcBef>
+                <a:spcPct val="20000"/>
+              </a:spcBef>
+              <a:spcAft>
+                <a:spcPct val="0"/>
+              </a:spcAft>
+              <a:buClr>
+                <a:schemeClr val="folHlink"/>
+              </a:buClr>
+              <a:buFont typeface="Wingdings" panose="05000000000000000000" pitchFamily="2" charset="2"/>
+              <a:buChar char="w"/>
+              <a:defRPr sz="2000">
+                <a:solidFill>
+                  <a:schemeClr val="tx1"/>
+                </a:solidFill>
+                <a:latin typeface="Arial" panose="020B0604020202090204" pitchFamily="34" charset="0"/>
+                <a:ea typeface="宋体" pitchFamily="2" charset="-122"/>
+              </a:defRPr>
+            </a:lvl8pPr>
+            <a:lvl9pPr marL="3886200" indent="-228600" eaLnBrk="0" fontAlgn="base" hangingPunct="0">
+              <a:spcBef>
+                <a:spcPct val="20000"/>
+              </a:spcBef>
+              <a:spcAft>
+                <a:spcPct val="0"/>
+              </a:spcAft>
+              <a:buClr>
+                <a:schemeClr val="folHlink"/>
+              </a:buClr>
+              <a:buFont typeface="Wingdings" panose="05000000000000000000" pitchFamily="2" charset="2"/>
+              <a:buChar char="w"/>
+              <a:defRPr sz="2000">
+                <a:solidFill>
+                  <a:schemeClr val="tx1"/>
+                </a:solidFill>
+                <a:latin typeface="Arial" panose="020B0604020202090204" pitchFamily="34" charset="0"/>
+                <a:ea typeface="宋体" pitchFamily="2" charset="-122"/>
+              </a:defRPr>
+            </a:lvl9pPr>
+          </a:lstStyle>
+          <a:p>
+            <a:pPr eaLnBrk="1" hangingPunct="1">
+              <a:lnSpc>
+                <a:spcPct val="120000"/>
+              </a:lnSpc>
+              <a:spcBef>
+                <a:spcPct val="0"/>
+              </a:spcBef>
+              <a:buClr>
+                <a:schemeClr val="accent2"/>
+              </a:buClr>
+              <a:buSzPct val="80000"/>
+              <a:buFont typeface="Wingdings" panose="05000000000000000000" pitchFamily="2" charset="2"/>
+              <a:buNone/>
+            </a:pPr>
+            <a:endParaRPr lang="zh-CN" altLang="en-US" sz="2400" dirty="0">
+              <a:solidFill>
+                <a:srgbClr val="FF0000"/>
+              </a:solidFill>
+              <a:ea typeface="黑体" panose="02010609060101010101" pitchFamily="49" charset="-122"/>
+            </a:endParaRPr>
+          </a:p>
+        </p:txBody>
+      </p:sp>
+      <p:graphicFrame>
+        <p:nvGraphicFramePr>
+          <p:cNvPr id="7" name="Group 4"/>
+          <p:cNvGraphicFramePr/>
+          <p:nvPr>
+            <p:custDataLst>
+              <p:tags r:id="rId1"/>
+            </p:custDataLst>
+          </p:nvPr>
+        </p:nvGraphicFramePr>
+        <p:xfrm>
+          <a:off x="617220" y="1994535"/>
+          <a:ext cx="10756265" cy="3797300"/>
+        </p:xfrm>
+        <a:graphic>
+          <a:graphicData uri="http://schemas.openxmlformats.org/drawingml/2006/table">
+            <a:tbl>
+              <a:tblPr/>
+              <a:tblGrid>
+                <a:gridCol w="2122805"/>
+                <a:gridCol w="1981200"/>
+                <a:gridCol w="1219835"/>
+                <a:gridCol w="3879850"/>
+                <a:gridCol w="1552575"/>
+              </a:tblGrid>
+              <a:tr h="1102360">
+                <a:tc>
+                  <a:txBody>
+                    <a:bodyPr/>
+                    <a:p>
+                      <a:pPr marL="342900" marR="0" lvl="0" indent="-342900" algn="ctr" defTabSz="914400" rtl="0" eaLnBrk="1" fontAlgn="ctr" latinLnBrk="0" hangingPunct="1">
+                        <a:lnSpc>
+                          <a:spcPct val="100000"/>
+                        </a:lnSpc>
+                        <a:spcBef>
+                          <a:spcPct val="0"/>
+                        </a:spcBef>
+                        <a:spcAft>
+                          <a:spcPct val="0"/>
+                        </a:spcAft>
+                        <a:buClrTx/>
+                        <a:buSzTx/>
+                        <a:buFontTx/>
+                        <a:buNone/>
+                      </a:pPr>
+                      <a:endParaRPr kumimoji="0" lang="en-US" altLang="zh-CN" sz="2400" b="1" i="0" u="none" strike="noStrike" cap="none" normalizeH="0" baseline="0">
+                        <a:ln>
+                          <a:noFill/>
+                        </a:ln>
+                        <a:solidFill>
+                          <a:schemeClr val="tx1"/>
+                        </a:solidFill>
+                        <a:effectLst/>
+                        <a:latin typeface="Arial" panose="020B0604020202090204" pitchFamily="34" charset="0"/>
+                        <a:ea typeface="黑体" panose="02010609060101010101" pitchFamily="49" charset="-122"/>
+                        <a:cs typeface="Arial" panose="020B0604020202090204" pitchFamily="34" charset="0"/>
+                      </a:endParaRPr>
+                    </a:p>
+                    <a:p>
+                      <a:pPr marL="342900" marR="0" lvl="0" indent="-342900" algn="ctr" defTabSz="914400" rtl="0" eaLnBrk="1" fontAlgn="ctr" latinLnBrk="0" hangingPunct="1">
+                        <a:lnSpc>
+                          <a:spcPct val="100000"/>
+                        </a:lnSpc>
+                        <a:spcBef>
+                          <a:spcPct val="0"/>
+                        </a:spcBef>
+                        <a:spcAft>
+                          <a:spcPct val="0"/>
+                        </a:spcAft>
+                        <a:buClrTx/>
+                        <a:buSzTx/>
+                        <a:buFontTx/>
+                        <a:buNone/>
+                      </a:pPr>
+                      <a:r>
+                        <a:rPr kumimoji="0" lang="zh-CN" altLang="en-US" sz="2400" b="1" i="0" u="none" strike="noStrike" cap="none" normalizeH="0" baseline="0">
+                          <a:ln>
+                            <a:noFill/>
+                          </a:ln>
+                          <a:solidFill>
+                            <a:schemeClr val="tx1"/>
+                          </a:solidFill>
+                          <a:effectLst/>
+                          <a:latin typeface="Arial" panose="020B0604020202090204" pitchFamily="34" charset="0"/>
+                          <a:ea typeface="黑体" panose="02010609060101010101" pitchFamily="49" charset="-122"/>
+                          <a:cs typeface="Arial" panose="020B0604020202090204" pitchFamily="34" charset="0"/>
+                        </a:rPr>
+                        <a:t>进位制</a:t>
+                      </a:r>
+                      <a:endParaRPr kumimoji="0" lang="zh-CN" altLang="en-US" sz="2400" b="1" i="0" u="none" strike="noStrike" cap="none" normalizeH="0" baseline="0">
+                        <a:ln>
+                          <a:noFill/>
+                        </a:ln>
+                        <a:solidFill>
+                          <a:schemeClr val="tx1"/>
+                        </a:solidFill>
+                        <a:effectLst/>
+                        <a:latin typeface="Arial" panose="020B0604020202090204" pitchFamily="34" charset="0"/>
+                        <a:ea typeface="宋体" pitchFamily="2" charset="-122"/>
+                        <a:cs typeface="Arial" panose="020B0604020202090204" pitchFamily="34" charset="0"/>
+                      </a:endParaRPr>
+                    </a:p>
+                  </a:txBody>
+                  <a:tcPr marL="0" marR="0" marT="0" marB="0" horzOverflow="overflow">
+                    <a:lnL w="12700" cap="flat" cmpd="sng" algn="ctr">
+                      <a:solidFill>
+                        <a:srgbClr val="000000"/>
+                      </a:solidFill>
+                      <a:prstDash val="solid"/>
+                      <a:round/>
+                      <a:headEnd type="none" w="med" len="med"/>
+                      <a:tailEnd type="none" w="med" len="med"/>
+                    </a:lnL>
+                    <a:lnR w="12700" cap="flat" cmpd="sng" algn="ctr">
+                      <a:solidFill>
+                        <a:srgbClr val="000000"/>
+                      </a:solidFill>
+                      <a:prstDash val="solid"/>
+                      <a:round/>
+                      <a:headEnd type="none" w="med" len="med"/>
+                      <a:tailEnd type="none" w="med" len="med"/>
+                    </a:lnR>
+                    <a:lnT w="12700" cap="flat" cmpd="sng" algn="ctr">
+                      <a:solidFill>
+                        <a:srgbClr val="000000"/>
+                      </a:solidFill>
+                      <a:prstDash val="solid"/>
+                      <a:round/>
+                      <a:headEnd type="none" w="med" len="med"/>
+                      <a:tailEnd type="none" w="med" len="med"/>
+                    </a:lnT>
+                    <a:lnB w="12700" cap="flat" cmpd="sng" algn="ctr">
+                      <a:solidFill>
+                        <a:srgbClr val="000000"/>
+                      </a:solidFill>
+                      <a:prstDash val="solid"/>
+                      <a:round/>
+                      <a:headEnd type="none" w="med" len="med"/>
+                      <a:tailEnd type="none" w="med" len="med"/>
+                    </a:lnB>
+                    <a:lnTlToBr>
+                      <a:noFill/>
+                    </a:lnTlToBr>
+                    <a:lnBlToTr>
+                      <a:noFill/>
+                    </a:lnBlToTr>
+                    <a:solidFill>
+                      <a:schemeClr val="accent5">
+                        <a:lumMod val="20000"/>
+                        <a:lumOff val="80000"/>
+                      </a:schemeClr>
+                    </a:solidFill>
+                  </a:tcPr>
+                </a:tc>
+                <a:tc>
+                  <a:txBody>
+                    <a:bodyPr/>
+                    <a:p>
+                      <a:pPr marL="342900" marR="0" lvl="0" indent="-342900" algn="ctr" defTabSz="914400" rtl="0" eaLnBrk="1" fontAlgn="ctr" latinLnBrk="0" hangingPunct="1">
+                        <a:lnSpc>
+                          <a:spcPct val="100000"/>
+                        </a:lnSpc>
+                        <a:spcBef>
+                          <a:spcPct val="0"/>
+                        </a:spcBef>
+                        <a:spcAft>
+                          <a:spcPct val="0"/>
+                        </a:spcAft>
+                        <a:buClrTx/>
+                        <a:buSzTx/>
+                        <a:buFontTx/>
+                        <a:buNone/>
+                      </a:pPr>
+                      <a:endParaRPr kumimoji="0" lang="en-US" altLang="zh-CN" sz="2400" b="1" i="0" u="none" strike="noStrike" cap="none" normalizeH="0" baseline="0">
+                        <a:ln>
+                          <a:noFill/>
+                        </a:ln>
+                        <a:solidFill>
+                          <a:schemeClr val="tx1"/>
+                        </a:solidFill>
+                        <a:effectLst/>
+                        <a:latin typeface="Arial" panose="020B0604020202090204" pitchFamily="34" charset="0"/>
+                        <a:ea typeface="黑体" panose="02010609060101010101" pitchFamily="49" charset="-122"/>
+                        <a:cs typeface="Arial" panose="020B0604020202090204" pitchFamily="34" charset="0"/>
+                      </a:endParaRPr>
+                    </a:p>
+                    <a:p>
+                      <a:pPr marL="342900" marR="0" lvl="0" indent="-342900" algn="ctr" defTabSz="914400" rtl="0" eaLnBrk="1" fontAlgn="ctr" latinLnBrk="0" hangingPunct="1">
+                        <a:lnSpc>
+                          <a:spcPct val="100000"/>
+                        </a:lnSpc>
+                        <a:spcBef>
+                          <a:spcPct val="0"/>
+                        </a:spcBef>
+                        <a:spcAft>
+                          <a:spcPct val="0"/>
+                        </a:spcAft>
+                        <a:buClrTx/>
+                        <a:buSzTx/>
+                        <a:buFontTx/>
+                        <a:buNone/>
+                      </a:pPr>
+                      <a:r>
+                        <a:rPr kumimoji="0" lang="zh-CN" altLang="en-US" sz="2400" b="1" i="0" u="none" strike="noStrike" cap="none" normalizeH="0" baseline="0">
+                          <a:ln>
+                            <a:noFill/>
+                          </a:ln>
+                          <a:solidFill>
+                            <a:schemeClr val="tx1"/>
+                          </a:solidFill>
+                          <a:effectLst/>
+                          <a:latin typeface="Arial" panose="020B0604020202090204" pitchFamily="34" charset="0"/>
+                          <a:ea typeface="黑体" panose="02010609060101010101" pitchFamily="49" charset="-122"/>
+                          <a:cs typeface="Arial" panose="020B0604020202090204" pitchFamily="34" charset="0"/>
+                        </a:rPr>
+                        <a:t>计数规则</a:t>
+                      </a:r>
+                      <a:endParaRPr kumimoji="0" lang="zh-CN" altLang="en-US" sz="2400" b="1" i="0" u="none" strike="noStrike" cap="none" normalizeH="0" baseline="0">
+                        <a:ln>
+                          <a:noFill/>
+                        </a:ln>
+                        <a:solidFill>
+                          <a:schemeClr val="tx1"/>
+                        </a:solidFill>
+                        <a:effectLst/>
+                        <a:latin typeface="Arial" panose="020B0604020202090204" pitchFamily="34" charset="0"/>
+                        <a:ea typeface="宋体" pitchFamily="2" charset="-122"/>
+                        <a:cs typeface="Arial" panose="020B0604020202090204" pitchFamily="34" charset="0"/>
+                      </a:endParaRPr>
+                    </a:p>
+                  </a:txBody>
+                  <a:tcPr marL="0" marR="0" marT="0" marB="0" horzOverflow="overflow">
+                    <a:lnL w="12700" cap="flat" cmpd="sng" algn="ctr">
+                      <a:solidFill>
+                        <a:srgbClr val="000000"/>
+                      </a:solidFill>
+                      <a:prstDash val="solid"/>
+                      <a:round/>
+                      <a:headEnd type="none" w="med" len="med"/>
+                      <a:tailEnd type="none" w="med" len="med"/>
+                    </a:lnL>
+                    <a:lnR w="12700" cap="flat" cmpd="sng" algn="ctr">
+                      <a:solidFill>
+                        <a:srgbClr val="000000"/>
+                      </a:solidFill>
+                      <a:prstDash val="solid"/>
+                      <a:round/>
+                      <a:headEnd type="none" w="med" len="med"/>
+                      <a:tailEnd type="none" w="med" len="med"/>
+                    </a:lnR>
+                    <a:lnT w="12700" cap="flat" cmpd="sng" algn="ctr">
+                      <a:solidFill>
+                        <a:srgbClr val="000000"/>
+                      </a:solidFill>
+                      <a:prstDash val="solid"/>
+                      <a:round/>
+                      <a:headEnd type="none" w="med" len="med"/>
+                      <a:tailEnd type="none" w="med" len="med"/>
+                    </a:lnT>
+                    <a:lnB w="12700" cap="flat" cmpd="sng" algn="ctr">
+                      <a:solidFill>
+                        <a:srgbClr val="000000"/>
+                      </a:solidFill>
+                      <a:prstDash val="solid"/>
+                      <a:round/>
+                      <a:headEnd type="none" w="med" len="med"/>
+                      <a:tailEnd type="none" w="med" len="med"/>
+                    </a:lnB>
+                    <a:lnTlToBr>
+                      <a:noFill/>
+                    </a:lnTlToBr>
+                    <a:lnBlToTr>
+                      <a:noFill/>
+                    </a:lnBlToTr>
+                    <a:solidFill>
+                      <a:schemeClr val="accent5">
+                        <a:lumMod val="20000"/>
+                        <a:lumOff val="80000"/>
+                      </a:schemeClr>
+                    </a:solidFill>
+                  </a:tcPr>
+                </a:tc>
+                <a:tc>
+                  <a:txBody>
+                    <a:bodyPr/>
+                    <a:p>
+                      <a:pPr marL="342900" marR="0" lvl="0" indent="-342900" algn="ctr" defTabSz="914400" rtl="0" eaLnBrk="1" fontAlgn="ctr" latinLnBrk="0" hangingPunct="1">
+                        <a:lnSpc>
+                          <a:spcPct val="100000"/>
+                        </a:lnSpc>
+                        <a:spcBef>
+                          <a:spcPct val="0"/>
+                        </a:spcBef>
+                        <a:spcAft>
+                          <a:spcPct val="0"/>
+                        </a:spcAft>
+                        <a:buClrTx/>
+                        <a:buSzTx/>
+                        <a:buFontTx/>
+                        <a:buNone/>
+                      </a:pPr>
+                      <a:endParaRPr kumimoji="0" lang="en-US" altLang="zh-CN" sz="2400" b="1" i="0" u="none" strike="noStrike" cap="none" normalizeH="0" baseline="0">
+                        <a:ln>
+                          <a:noFill/>
+                        </a:ln>
+                        <a:solidFill>
+                          <a:schemeClr val="tx1"/>
+                        </a:solidFill>
+                        <a:effectLst/>
+                        <a:latin typeface="Arial" panose="020B0604020202090204" pitchFamily="34" charset="0"/>
+                        <a:ea typeface="黑体" panose="02010609060101010101" pitchFamily="49" charset="-122"/>
+                        <a:cs typeface="Arial" panose="020B0604020202090204" pitchFamily="34" charset="0"/>
+                      </a:endParaRPr>
+                    </a:p>
+                    <a:p>
+                      <a:pPr marL="342900" marR="0" lvl="0" indent="-342900" algn="ctr" defTabSz="914400" rtl="0" eaLnBrk="1" fontAlgn="ctr" latinLnBrk="0" hangingPunct="1">
+                        <a:lnSpc>
+                          <a:spcPct val="100000"/>
+                        </a:lnSpc>
+                        <a:spcBef>
+                          <a:spcPct val="0"/>
+                        </a:spcBef>
+                        <a:spcAft>
+                          <a:spcPct val="0"/>
+                        </a:spcAft>
+                        <a:buClrTx/>
+                        <a:buSzTx/>
+                        <a:buFontTx/>
+                        <a:buNone/>
+                      </a:pPr>
+                      <a:r>
+                        <a:rPr kumimoji="0" lang="zh-CN" altLang="en-US" sz="2400" b="1" i="0" u="none" strike="noStrike" cap="none" normalizeH="0" baseline="0">
+                          <a:ln>
+                            <a:noFill/>
+                          </a:ln>
+                          <a:solidFill>
+                            <a:schemeClr val="tx1"/>
+                          </a:solidFill>
+                          <a:effectLst/>
+                          <a:latin typeface="Arial" panose="020B0604020202090204" pitchFamily="34" charset="0"/>
+                          <a:ea typeface="黑体" panose="02010609060101010101" pitchFamily="49" charset="-122"/>
+                          <a:cs typeface="Arial" panose="020B0604020202090204" pitchFamily="34" charset="0"/>
+                        </a:rPr>
+                        <a:t>基数</a:t>
+                      </a:r>
+                      <a:endParaRPr kumimoji="0" lang="zh-CN" altLang="en-US" sz="2400" b="1" i="0" u="none" strike="noStrike" cap="none" normalizeH="0" baseline="0">
+                        <a:ln>
+                          <a:noFill/>
+                        </a:ln>
+                        <a:solidFill>
+                          <a:schemeClr val="tx1"/>
+                        </a:solidFill>
+                        <a:effectLst/>
+                        <a:latin typeface="Arial" panose="020B0604020202090204" pitchFamily="34" charset="0"/>
+                        <a:ea typeface="宋体" pitchFamily="2" charset="-122"/>
+                        <a:cs typeface="Arial" panose="020B0604020202090204" pitchFamily="34" charset="0"/>
+                      </a:endParaRPr>
+                    </a:p>
+                  </a:txBody>
+                  <a:tcPr marL="0" marR="0" marT="0" marB="0" horzOverflow="overflow">
+                    <a:lnL w="12700" cap="flat" cmpd="sng" algn="ctr">
+                      <a:solidFill>
+                        <a:srgbClr val="000000"/>
+                      </a:solidFill>
+                      <a:prstDash val="solid"/>
+                      <a:round/>
+                      <a:headEnd type="none" w="med" len="med"/>
+                      <a:tailEnd type="none" w="med" len="med"/>
+                    </a:lnL>
+                    <a:lnR w="12700" cap="flat" cmpd="sng" algn="ctr">
+                      <a:solidFill>
+                        <a:srgbClr val="000000"/>
+                      </a:solidFill>
+                      <a:prstDash val="solid"/>
+                      <a:round/>
+                      <a:headEnd type="none" w="med" len="med"/>
+                      <a:tailEnd type="none" w="med" len="med"/>
+                    </a:lnR>
+                    <a:lnT w="12700" cap="flat" cmpd="sng" algn="ctr">
+                      <a:solidFill>
+                        <a:srgbClr val="000000"/>
+                      </a:solidFill>
+                      <a:prstDash val="solid"/>
+                      <a:round/>
+                      <a:headEnd type="none" w="med" len="med"/>
+                      <a:tailEnd type="none" w="med" len="med"/>
+                    </a:lnT>
+                    <a:lnB w="12700" cap="flat" cmpd="sng" algn="ctr">
+                      <a:solidFill>
+                        <a:srgbClr val="000000"/>
+                      </a:solidFill>
+                      <a:prstDash val="solid"/>
+                      <a:round/>
+                      <a:headEnd type="none" w="med" len="med"/>
+                      <a:tailEnd type="none" w="med" len="med"/>
+                    </a:lnB>
+                    <a:lnTlToBr>
+                      <a:noFill/>
+                    </a:lnTlToBr>
+                    <a:lnBlToTr>
+                      <a:noFill/>
+                    </a:lnBlToTr>
+                    <a:solidFill>
+                      <a:schemeClr val="accent5">
+                        <a:lumMod val="20000"/>
+                        <a:lumOff val="80000"/>
+                      </a:schemeClr>
+                    </a:solidFill>
+                  </a:tcPr>
+                </a:tc>
+                <a:tc>
+                  <a:txBody>
+                    <a:bodyPr/>
+                    <a:p>
+                      <a:pPr marL="342900" marR="0" lvl="0" indent="-342900" algn="ctr" defTabSz="914400" rtl="0" eaLnBrk="1" fontAlgn="ctr" latinLnBrk="0" hangingPunct="1">
+                        <a:lnSpc>
+                          <a:spcPct val="100000"/>
+                        </a:lnSpc>
+                        <a:spcBef>
+                          <a:spcPct val="0"/>
+                        </a:spcBef>
+                        <a:spcAft>
+                          <a:spcPct val="0"/>
+                        </a:spcAft>
+                        <a:buClrTx/>
+                        <a:buSzTx/>
+                        <a:buFontTx/>
+                        <a:buNone/>
+                      </a:pPr>
+                      <a:endParaRPr kumimoji="0" lang="en-US" altLang="zh-CN" sz="2400" b="1" i="0" u="none" strike="noStrike" cap="none" normalizeH="0" baseline="0">
+                        <a:ln>
+                          <a:noFill/>
+                        </a:ln>
+                        <a:solidFill>
+                          <a:schemeClr val="tx1"/>
+                        </a:solidFill>
+                        <a:effectLst/>
+                        <a:latin typeface="Arial" panose="020B0604020202090204" pitchFamily="34" charset="0"/>
+                        <a:ea typeface="黑体" panose="02010609060101010101" pitchFamily="49" charset="-122"/>
+                        <a:cs typeface="Arial" panose="020B0604020202090204" pitchFamily="34" charset="0"/>
+                      </a:endParaRPr>
+                    </a:p>
+                    <a:p>
+                      <a:pPr marL="342900" marR="0" lvl="0" indent="-342900" algn="ctr" defTabSz="914400" rtl="0" eaLnBrk="1" fontAlgn="ctr" latinLnBrk="0" hangingPunct="1">
+                        <a:lnSpc>
+                          <a:spcPct val="100000"/>
+                        </a:lnSpc>
+                        <a:spcBef>
+                          <a:spcPct val="0"/>
+                        </a:spcBef>
+                        <a:spcAft>
+                          <a:spcPct val="0"/>
+                        </a:spcAft>
+                        <a:buClrTx/>
+                        <a:buSzTx/>
+                        <a:buFontTx/>
+                        <a:buNone/>
+                      </a:pPr>
+                      <a:r>
+                        <a:rPr kumimoji="0" lang="zh-CN" altLang="en-US" sz="2400" b="1" i="0" u="none" strike="noStrike" cap="none" normalizeH="0" baseline="0">
+                          <a:ln>
+                            <a:noFill/>
+                          </a:ln>
+                          <a:solidFill>
+                            <a:schemeClr val="tx1"/>
+                          </a:solidFill>
+                          <a:effectLst/>
+                          <a:latin typeface="Arial" panose="020B0604020202090204" pitchFamily="34" charset="0"/>
+                          <a:ea typeface="黑体" panose="02010609060101010101" pitchFamily="49" charset="-122"/>
+                          <a:cs typeface="Arial" panose="020B0604020202090204" pitchFamily="34" charset="0"/>
+                        </a:rPr>
+                        <a:t>可用数符</a:t>
+                      </a:r>
+                      <a:endParaRPr kumimoji="0" lang="zh-CN" altLang="en-US" sz="2400" b="1" i="0" u="none" strike="noStrike" cap="none" normalizeH="0" baseline="0">
+                        <a:ln>
+                          <a:noFill/>
+                        </a:ln>
+                        <a:solidFill>
+                          <a:schemeClr val="tx1"/>
+                        </a:solidFill>
+                        <a:effectLst/>
+                        <a:latin typeface="Arial" panose="020B0604020202090204" pitchFamily="34" charset="0"/>
+                        <a:ea typeface="宋体" pitchFamily="2" charset="-122"/>
+                        <a:cs typeface="Arial" panose="020B0604020202090204" pitchFamily="34" charset="0"/>
+                      </a:endParaRPr>
+                    </a:p>
+                  </a:txBody>
+                  <a:tcPr marL="0" marR="0" marT="0" marB="0" horzOverflow="overflow">
+                    <a:lnL w="12700" cap="flat" cmpd="sng" algn="ctr">
+                      <a:solidFill>
+                        <a:srgbClr val="000000"/>
+                      </a:solidFill>
+                      <a:prstDash val="solid"/>
+                      <a:round/>
+                      <a:headEnd type="none" w="med" len="med"/>
+                      <a:tailEnd type="none" w="med" len="med"/>
+                    </a:lnL>
+                    <a:lnR w="12700" cap="flat" cmpd="sng" algn="ctr">
+                      <a:solidFill>
+                        <a:srgbClr val="000000"/>
+                      </a:solidFill>
+                      <a:prstDash val="solid"/>
+                      <a:round/>
+                      <a:headEnd type="none" w="med" len="med"/>
+                      <a:tailEnd type="none" w="med" len="med"/>
+                    </a:lnR>
+                    <a:lnT w="12700" cap="flat" cmpd="sng" algn="ctr">
+                      <a:solidFill>
+                        <a:srgbClr val="000000"/>
+                      </a:solidFill>
+                      <a:prstDash val="solid"/>
+                      <a:round/>
+                      <a:headEnd type="none" w="med" len="med"/>
+                      <a:tailEnd type="none" w="med" len="med"/>
+                    </a:lnT>
+                    <a:lnB w="12700" cap="flat" cmpd="sng" algn="ctr">
+                      <a:solidFill>
+                        <a:srgbClr val="000000"/>
+                      </a:solidFill>
+                      <a:prstDash val="solid"/>
+                      <a:round/>
+                      <a:headEnd type="none" w="med" len="med"/>
+                      <a:tailEnd type="none" w="med" len="med"/>
+                    </a:lnB>
+                    <a:lnTlToBr>
+                      <a:noFill/>
+                    </a:lnTlToBr>
+                    <a:lnBlToTr>
+                      <a:noFill/>
+                    </a:lnBlToTr>
+                    <a:solidFill>
+                      <a:schemeClr val="accent5">
+                        <a:lumMod val="20000"/>
+                        <a:lumOff val="80000"/>
+                      </a:schemeClr>
+                    </a:solidFill>
+                  </a:tcPr>
+                </a:tc>
+                <a:tc>
+                  <a:txBody>
+                    <a:bodyPr/>
+                    <a:p>
+                      <a:pPr marL="342900" marR="0" lvl="0" indent="-342900" algn="ctr" defTabSz="914400" rtl="0" eaLnBrk="1" fontAlgn="ctr" latinLnBrk="0" hangingPunct="1">
+                        <a:lnSpc>
+                          <a:spcPct val="100000"/>
+                        </a:lnSpc>
+                        <a:spcBef>
+                          <a:spcPct val="0"/>
+                        </a:spcBef>
+                        <a:spcAft>
+                          <a:spcPct val="0"/>
+                        </a:spcAft>
+                        <a:buClrTx/>
+                        <a:buSzTx/>
+                        <a:buFontTx/>
+                        <a:buNone/>
+                      </a:pPr>
+                      <a:endParaRPr kumimoji="0" lang="en-US" altLang="zh-CN" sz="2400" b="1" i="0" u="none" strike="noStrike" cap="none" normalizeH="0" baseline="0">
+                        <a:ln>
+                          <a:noFill/>
+                        </a:ln>
+                        <a:solidFill>
+                          <a:schemeClr val="tx1"/>
+                        </a:solidFill>
+                        <a:effectLst/>
+                        <a:latin typeface="Arial" panose="020B0604020202090204" pitchFamily="34" charset="0"/>
+                        <a:ea typeface="黑体" panose="02010609060101010101" pitchFamily="49" charset="-122"/>
+                        <a:cs typeface="Arial" panose="020B0604020202090204" pitchFamily="34" charset="0"/>
+                      </a:endParaRPr>
+                    </a:p>
+                    <a:p>
+                      <a:pPr marL="342900" marR="0" lvl="0" indent="-342900" algn="ctr" defTabSz="914400" rtl="0" eaLnBrk="1" fontAlgn="ctr" latinLnBrk="0" hangingPunct="1">
+                        <a:lnSpc>
+                          <a:spcPct val="100000"/>
+                        </a:lnSpc>
+                        <a:spcBef>
+                          <a:spcPct val="0"/>
+                        </a:spcBef>
+                        <a:spcAft>
+                          <a:spcPct val="0"/>
+                        </a:spcAft>
+                        <a:buClrTx/>
+                        <a:buSzTx/>
+                        <a:buFontTx/>
+                        <a:buNone/>
+                      </a:pPr>
+                      <a:r>
+                        <a:rPr kumimoji="0" lang="zh-CN" altLang="en-US" sz="2400" b="1" i="0" u="none" strike="noStrike" cap="none" normalizeH="0" baseline="0">
+                          <a:ln>
+                            <a:noFill/>
+                          </a:ln>
+                          <a:solidFill>
+                            <a:schemeClr val="tx1"/>
+                          </a:solidFill>
+                          <a:effectLst/>
+                          <a:latin typeface="Arial" panose="020B0604020202090204" pitchFamily="34" charset="0"/>
+                          <a:ea typeface="黑体" panose="02010609060101010101" pitchFamily="49" charset="-122"/>
+                          <a:cs typeface="Arial" panose="020B0604020202090204" pitchFamily="34" charset="0"/>
+                        </a:rPr>
+                        <a:t>后缀字符标识</a:t>
+                      </a:r>
+                      <a:endParaRPr kumimoji="0" lang="zh-CN" altLang="en-US" sz="2400" b="1" i="0" u="none" strike="noStrike" cap="none" normalizeH="0" baseline="0">
+                        <a:ln>
+                          <a:noFill/>
+                        </a:ln>
+                        <a:solidFill>
+                          <a:schemeClr val="tx1"/>
+                        </a:solidFill>
+                        <a:effectLst/>
+                        <a:latin typeface="Arial" panose="020B0604020202090204" pitchFamily="34" charset="0"/>
+                        <a:ea typeface="宋体" pitchFamily="2" charset="-122"/>
+                        <a:cs typeface="Arial" panose="020B0604020202090204" pitchFamily="34" charset="0"/>
+                      </a:endParaRPr>
+                    </a:p>
+                  </a:txBody>
+                  <a:tcPr marL="0" marR="0" marT="0" marB="0" horzOverflow="overflow">
+                    <a:lnL w="12700" cap="flat" cmpd="sng" algn="ctr">
+                      <a:solidFill>
+                        <a:srgbClr val="000000"/>
+                      </a:solidFill>
+                      <a:prstDash val="solid"/>
+                      <a:round/>
+                      <a:headEnd type="none" w="med" len="med"/>
+                      <a:tailEnd type="none" w="med" len="med"/>
+                    </a:lnL>
+                    <a:lnR w="12700" cap="flat" cmpd="sng" algn="ctr">
+                      <a:solidFill>
+                        <a:srgbClr val="000000"/>
+                      </a:solidFill>
+                      <a:prstDash val="solid"/>
+                      <a:round/>
+                      <a:headEnd type="none" w="med" len="med"/>
+                      <a:tailEnd type="none" w="med" len="med"/>
+                    </a:lnR>
+                    <a:lnT w="12700" cap="flat" cmpd="sng" algn="ctr">
+                      <a:solidFill>
+                        <a:srgbClr val="000000"/>
+                      </a:solidFill>
+                      <a:prstDash val="solid"/>
+                      <a:round/>
+                      <a:headEnd type="none" w="med" len="med"/>
+                      <a:tailEnd type="none" w="med" len="med"/>
+                    </a:lnT>
+                    <a:lnB w="12700" cap="flat" cmpd="sng" algn="ctr">
+                      <a:solidFill>
+                        <a:srgbClr val="000000"/>
+                      </a:solidFill>
+                      <a:prstDash val="solid"/>
+                      <a:round/>
+                      <a:headEnd type="none" w="med" len="med"/>
+                      <a:tailEnd type="none" w="med" len="med"/>
+                    </a:lnB>
+                    <a:lnTlToBr>
+                      <a:noFill/>
+                    </a:lnTlToBr>
+                    <a:lnBlToTr>
+                      <a:noFill/>
+                    </a:lnBlToTr>
+                    <a:solidFill>
+                      <a:schemeClr val="accent5">
+                        <a:lumMod val="20000"/>
+                        <a:lumOff val="80000"/>
+                      </a:schemeClr>
+                    </a:solidFill>
+                  </a:tcPr>
+                </a:tc>
+              </a:tr>
+              <a:tr h="2694940">
+                <a:tc>
+                  <a:txBody>
+                    <a:bodyPr/>
+                    <a:p>
+                      <a:pPr marL="342900" marR="0" lvl="0" indent="-76200" algn="l" defTabSz="914400" rtl="0" eaLnBrk="1" fontAlgn="base" latinLnBrk="0" hangingPunct="1">
+                        <a:lnSpc>
+                          <a:spcPct val="100000"/>
+                        </a:lnSpc>
+                        <a:spcBef>
+                          <a:spcPct val="0"/>
+                        </a:spcBef>
+                        <a:spcAft>
+                          <a:spcPct val="0"/>
+                        </a:spcAft>
+                        <a:buClrTx/>
+                        <a:buSzTx/>
+                        <a:buFontTx/>
+                        <a:buNone/>
+                      </a:pPr>
+                      <a:r>
+                        <a:rPr kumimoji="0" lang="zh-CN" altLang="en-US" sz="2700" b="1" i="0" u="none" strike="noStrike" cap="none" normalizeH="0" baseline="0">
+                          <a:ln>
+                            <a:noFill/>
+                          </a:ln>
+                          <a:solidFill>
+                            <a:schemeClr val="tx1"/>
+                          </a:solidFill>
+                          <a:effectLst/>
+                          <a:latin typeface="Times New Roman" panose="02020503050405090304" pitchFamily="18" charset="0"/>
+                          <a:ea typeface="宋体" pitchFamily="2" charset="-122"/>
+                        </a:rPr>
+                        <a:t>二进制</a:t>
+                      </a:r>
+                      <a:endParaRPr kumimoji="0" lang="zh-CN" altLang="en-US" sz="2700" b="1" i="0" u="none" strike="noStrike" cap="none" normalizeH="0" baseline="0">
+                        <a:ln>
+                          <a:noFill/>
+                        </a:ln>
+                        <a:solidFill>
+                          <a:schemeClr val="tx1"/>
+                        </a:solidFill>
+                        <a:effectLst/>
+                        <a:latin typeface="Times New Roman" panose="02020503050405090304" pitchFamily="18" charset="0"/>
+                        <a:ea typeface="华文行楷" panose="02010800040101010101" pitchFamily="2" charset="-122"/>
+                        <a:cs typeface="Times New Roman" panose="02020503050405090304" pitchFamily="18" charset="0"/>
+                      </a:endParaRPr>
+                    </a:p>
+                    <a:p>
+                      <a:pPr marL="342900" marR="0" lvl="0" indent="-76200" algn="l" defTabSz="914400" rtl="0" eaLnBrk="0" fontAlgn="base" latinLnBrk="0" hangingPunct="0">
+                        <a:lnSpc>
+                          <a:spcPct val="100000"/>
+                        </a:lnSpc>
+                        <a:spcBef>
+                          <a:spcPct val="0"/>
+                        </a:spcBef>
+                        <a:spcAft>
+                          <a:spcPct val="0"/>
+                        </a:spcAft>
+                        <a:buClrTx/>
+                        <a:buSzTx/>
+                        <a:buFontTx/>
+                        <a:buNone/>
+                      </a:pPr>
+                      <a:r>
+                        <a:rPr kumimoji="0" lang="zh-CN" altLang="en-US" sz="2700" b="1" i="0" u="none" strike="noStrike" cap="none" normalizeH="0" baseline="0">
+                          <a:ln>
+                            <a:noFill/>
+                          </a:ln>
+                          <a:solidFill>
+                            <a:schemeClr val="tx1"/>
+                          </a:solidFill>
+                          <a:effectLst/>
+                          <a:latin typeface="Times New Roman" panose="02020503050405090304" pitchFamily="18" charset="0"/>
+                          <a:ea typeface="宋体" pitchFamily="2" charset="-122"/>
+                        </a:rPr>
+                        <a:t>八进制</a:t>
+                      </a:r>
+                      <a:endParaRPr kumimoji="0" lang="zh-CN" altLang="en-US" sz="2700" b="1" i="0" u="none" strike="noStrike" cap="none" normalizeH="0" baseline="0">
+                        <a:ln>
+                          <a:noFill/>
+                        </a:ln>
+                        <a:solidFill>
+                          <a:schemeClr val="tx1"/>
+                        </a:solidFill>
+                        <a:effectLst/>
+                        <a:latin typeface="Times New Roman" panose="02020503050405090304" pitchFamily="18" charset="0"/>
+                        <a:ea typeface="华文行楷" panose="02010800040101010101" pitchFamily="2" charset="-122"/>
+                        <a:cs typeface="Times New Roman" panose="02020503050405090304" pitchFamily="18" charset="0"/>
+                      </a:endParaRPr>
+                    </a:p>
+                    <a:p>
+                      <a:pPr marL="342900" marR="0" lvl="0" indent="-76200" algn="l" defTabSz="914400" rtl="0" eaLnBrk="0" fontAlgn="base" latinLnBrk="0" hangingPunct="0">
+                        <a:lnSpc>
+                          <a:spcPct val="100000"/>
+                        </a:lnSpc>
+                        <a:spcBef>
+                          <a:spcPct val="0"/>
+                        </a:spcBef>
+                        <a:spcAft>
+                          <a:spcPct val="0"/>
+                        </a:spcAft>
+                        <a:buClrTx/>
+                        <a:buSzTx/>
+                        <a:buFontTx/>
+                        <a:buNone/>
+                      </a:pPr>
+                      <a:r>
+                        <a:rPr kumimoji="0" lang="zh-CN" altLang="en-US" sz="2700" b="1" i="0" u="none" strike="noStrike" cap="none" normalizeH="0" baseline="0">
+                          <a:ln>
+                            <a:noFill/>
+                          </a:ln>
+                          <a:solidFill>
+                            <a:schemeClr val="tx1"/>
+                          </a:solidFill>
+                          <a:effectLst/>
+                          <a:latin typeface="Times New Roman" panose="02020503050405090304" pitchFamily="18" charset="0"/>
+                          <a:ea typeface="宋体" pitchFamily="2" charset="-122"/>
+                        </a:rPr>
+                        <a:t>十进制</a:t>
+                      </a:r>
+                      <a:endParaRPr kumimoji="0" lang="zh-CN" altLang="en-US" sz="2700" b="1" i="0" u="none" strike="noStrike" cap="none" normalizeH="0" baseline="0">
+                        <a:ln>
+                          <a:noFill/>
+                        </a:ln>
+                        <a:solidFill>
+                          <a:schemeClr val="tx1"/>
+                        </a:solidFill>
+                        <a:effectLst/>
+                        <a:latin typeface="Times New Roman" panose="02020503050405090304" pitchFamily="18" charset="0"/>
+                        <a:ea typeface="华文行楷" panose="02010800040101010101" pitchFamily="2" charset="-122"/>
+                        <a:cs typeface="Times New Roman" panose="02020503050405090304" pitchFamily="18" charset="0"/>
+                      </a:endParaRPr>
+                    </a:p>
+                    <a:p>
+                      <a:pPr marL="342900" marR="0" lvl="0" indent="-76200" algn="l" defTabSz="914400" rtl="0" eaLnBrk="0" fontAlgn="base" latinLnBrk="0" hangingPunct="0">
+                        <a:lnSpc>
+                          <a:spcPct val="100000"/>
+                        </a:lnSpc>
+                        <a:spcBef>
+                          <a:spcPct val="0"/>
+                        </a:spcBef>
+                        <a:spcAft>
+                          <a:spcPct val="0"/>
+                        </a:spcAft>
+                        <a:buClrTx/>
+                        <a:buSzTx/>
+                        <a:buFontTx/>
+                        <a:buNone/>
+                      </a:pPr>
+                      <a:r>
+                        <a:rPr kumimoji="0" lang="zh-CN" altLang="en-US" sz="2700" b="1" i="0" u="none" strike="noStrike" cap="none" normalizeH="0" baseline="0">
+                          <a:ln>
+                            <a:noFill/>
+                          </a:ln>
+                          <a:solidFill>
+                            <a:schemeClr val="tx1"/>
+                          </a:solidFill>
+                          <a:effectLst/>
+                          <a:latin typeface="Times New Roman" panose="02020503050405090304" pitchFamily="18" charset="0"/>
+                          <a:ea typeface="宋体" pitchFamily="2" charset="-122"/>
+                        </a:rPr>
+                        <a:t>十六进制</a:t>
+                      </a:r>
+                      <a:endParaRPr kumimoji="0" lang="zh-CN" altLang="en-US" sz="2700" b="1" i="0" u="none" strike="noStrike" cap="none" normalizeH="0" baseline="0">
+                        <a:ln>
+                          <a:noFill/>
+                        </a:ln>
+                        <a:solidFill>
+                          <a:schemeClr val="tx1"/>
+                        </a:solidFill>
+                        <a:effectLst/>
+                        <a:latin typeface="Arial" panose="020B0604020202090204" pitchFamily="34" charset="0"/>
+                        <a:ea typeface="宋体" pitchFamily="2" charset="-122"/>
+                      </a:endParaRPr>
+                    </a:p>
+                  </a:txBody>
+                  <a:tcPr marL="0" marR="0" marT="0" marB="0" horzOverflow="overflow">
+                    <a:lnL w="12700" cap="flat" cmpd="sng" algn="ctr">
+                      <a:solidFill>
+                        <a:srgbClr val="000000"/>
+                      </a:solidFill>
+                      <a:prstDash val="solid"/>
+                      <a:round/>
+                      <a:headEnd type="none" w="med" len="med"/>
+                      <a:tailEnd type="none" w="med" len="med"/>
+                    </a:lnL>
+                    <a:lnR w="12700" cap="flat" cmpd="sng" algn="ctr">
+                      <a:solidFill>
+                        <a:srgbClr val="000000"/>
+                      </a:solidFill>
+                      <a:prstDash val="solid"/>
+                      <a:round/>
+                      <a:headEnd type="none" w="med" len="med"/>
+                      <a:tailEnd type="none" w="med" len="med"/>
+                    </a:lnR>
+                    <a:lnT w="12700" cap="flat" cmpd="sng" algn="ctr">
+                      <a:solidFill>
+                        <a:srgbClr val="000000"/>
+                      </a:solidFill>
+                      <a:prstDash val="solid"/>
+                      <a:round/>
+                      <a:headEnd type="none" w="med" len="med"/>
+                      <a:tailEnd type="none" w="med" len="med"/>
+                    </a:lnT>
+                    <a:lnB w="12700" cap="flat" cmpd="sng" algn="ctr">
+                      <a:solidFill>
+                        <a:srgbClr val="000000"/>
+                      </a:solidFill>
+                      <a:prstDash val="solid"/>
+                      <a:round/>
+                      <a:headEnd type="none" w="med" len="med"/>
+                      <a:tailEnd type="none" w="med" len="med"/>
+                    </a:lnB>
+                    <a:lnTlToBr>
+                      <a:noFill/>
+                    </a:lnTlToBr>
+                    <a:lnBlToTr>
+                      <a:noFill/>
+                    </a:lnBlToTr>
+                    <a:solidFill>
+                      <a:schemeClr val="accent5">
+                        <a:lumMod val="20000"/>
+                        <a:lumOff val="80000"/>
+                      </a:schemeClr>
+                    </a:solidFill>
+                  </a:tcPr>
+                </a:tc>
+                <a:tc>
+                  <a:txBody>
+                    <a:bodyPr/>
+                    <a:p>
+                      <a:pPr marL="342900" marR="0" lvl="0" indent="-76200" algn="l" defTabSz="914400" rtl="0" eaLnBrk="1" fontAlgn="base" latinLnBrk="0" hangingPunct="1">
+                        <a:lnSpc>
+                          <a:spcPct val="100000"/>
+                        </a:lnSpc>
+                        <a:spcBef>
+                          <a:spcPct val="0"/>
+                        </a:spcBef>
+                        <a:spcAft>
+                          <a:spcPct val="0"/>
+                        </a:spcAft>
+                        <a:buClrTx/>
+                        <a:buSzTx/>
+                        <a:buFontTx/>
+                        <a:buNone/>
+                      </a:pPr>
+                      <a:r>
+                        <a:rPr kumimoji="0" lang="zh-CN" altLang="en-US" sz="2700" b="1" i="0" u="none" strike="noStrike" cap="none" normalizeH="0" baseline="0">
+                          <a:ln>
+                            <a:noFill/>
+                          </a:ln>
+                          <a:solidFill>
+                            <a:schemeClr val="tx1"/>
+                          </a:solidFill>
+                          <a:effectLst/>
+                          <a:latin typeface="Times New Roman" panose="02020503050405090304" pitchFamily="18" charset="0"/>
+                          <a:ea typeface="宋体" pitchFamily="2" charset="-122"/>
+                        </a:rPr>
+                        <a:t>逢</a:t>
+                      </a:r>
+                      <a:r>
+                        <a:rPr kumimoji="0" lang="en-US" altLang="zh-CN" sz="2700" b="1" i="0" u="none" strike="noStrike" cap="none" normalizeH="0" baseline="0">
+                          <a:ln>
+                            <a:noFill/>
+                          </a:ln>
+                          <a:solidFill>
+                            <a:schemeClr val="tx1"/>
+                          </a:solidFill>
+                          <a:effectLst/>
+                          <a:latin typeface="Times New Roman" panose="02020503050405090304" pitchFamily="18" charset="0"/>
+                          <a:ea typeface="宋体" pitchFamily="2" charset="-122"/>
+                        </a:rPr>
+                        <a:t>2</a:t>
+                      </a:r>
+                      <a:r>
+                        <a:rPr kumimoji="0" lang="zh-CN" altLang="en-US" sz="2700" b="1" i="0" u="none" strike="noStrike" cap="none" normalizeH="0" baseline="0">
+                          <a:ln>
+                            <a:noFill/>
+                          </a:ln>
+                          <a:solidFill>
+                            <a:schemeClr val="tx1"/>
+                          </a:solidFill>
+                          <a:effectLst/>
+                          <a:latin typeface="Times New Roman" panose="02020503050405090304" pitchFamily="18" charset="0"/>
+                          <a:ea typeface="宋体" pitchFamily="2" charset="-122"/>
+                        </a:rPr>
+                        <a:t>进</a:t>
+                      </a:r>
+                      <a:r>
+                        <a:rPr kumimoji="0" lang="en-US" altLang="zh-CN" sz="2700" b="1" i="0" u="none" strike="noStrike" cap="none" normalizeH="0" baseline="0">
+                          <a:ln>
+                            <a:noFill/>
+                          </a:ln>
+                          <a:solidFill>
+                            <a:schemeClr val="tx1"/>
+                          </a:solidFill>
+                          <a:effectLst/>
+                          <a:latin typeface="Times New Roman" panose="02020503050405090304" pitchFamily="18" charset="0"/>
+                          <a:ea typeface="宋体" pitchFamily="2" charset="-122"/>
+                        </a:rPr>
+                        <a:t>1</a:t>
+                      </a:r>
+                      <a:endParaRPr kumimoji="0" lang="en-US" altLang="zh-CN" sz="2700" b="1" i="0" u="none" strike="noStrike" cap="none" normalizeH="0" baseline="0">
+                        <a:ln>
+                          <a:noFill/>
+                        </a:ln>
+                        <a:solidFill>
+                          <a:schemeClr val="tx1"/>
+                        </a:solidFill>
+                        <a:effectLst/>
+                        <a:latin typeface="Arial" panose="020B0604020202090204" pitchFamily="34" charset="0"/>
+                        <a:ea typeface="华文行楷" panose="02010800040101010101" pitchFamily="2" charset="-122"/>
+                        <a:cs typeface="Times New Roman" panose="02020503050405090304" pitchFamily="18" charset="0"/>
+                      </a:endParaRPr>
+                    </a:p>
+                    <a:p>
+                      <a:pPr marL="342900" marR="0" lvl="0" indent="-76200" algn="l" defTabSz="914400" rtl="0" eaLnBrk="0" fontAlgn="base" latinLnBrk="0" hangingPunct="0">
+                        <a:lnSpc>
+                          <a:spcPct val="100000"/>
+                        </a:lnSpc>
+                        <a:spcBef>
+                          <a:spcPct val="0"/>
+                        </a:spcBef>
+                        <a:spcAft>
+                          <a:spcPct val="0"/>
+                        </a:spcAft>
+                        <a:buClrTx/>
+                        <a:buSzTx/>
+                        <a:buFontTx/>
+                        <a:buNone/>
+                      </a:pPr>
+                      <a:r>
+                        <a:rPr kumimoji="0" lang="zh-CN" altLang="en-US" sz="2700" b="1" i="0" u="none" strike="noStrike" cap="none" normalizeH="0" baseline="0">
+                          <a:ln>
+                            <a:noFill/>
+                          </a:ln>
+                          <a:solidFill>
+                            <a:schemeClr val="tx1"/>
+                          </a:solidFill>
+                          <a:effectLst/>
+                          <a:latin typeface="Times New Roman" panose="02020503050405090304" pitchFamily="18" charset="0"/>
+                          <a:ea typeface="宋体" pitchFamily="2" charset="-122"/>
+                        </a:rPr>
+                        <a:t>逢</a:t>
+                      </a:r>
+                      <a:r>
+                        <a:rPr kumimoji="0" lang="en-US" altLang="zh-CN" sz="2700" b="1" i="0" u="none" strike="noStrike" cap="none" normalizeH="0" baseline="0">
+                          <a:ln>
+                            <a:noFill/>
+                          </a:ln>
+                          <a:solidFill>
+                            <a:schemeClr val="tx1"/>
+                          </a:solidFill>
+                          <a:effectLst/>
+                          <a:latin typeface="Times New Roman" panose="02020503050405090304" pitchFamily="18" charset="0"/>
+                          <a:ea typeface="宋体" pitchFamily="2" charset="-122"/>
+                        </a:rPr>
+                        <a:t>8</a:t>
+                      </a:r>
+                      <a:r>
+                        <a:rPr kumimoji="0" lang="zh-CN" altLang="en-US" sz="2700" b="1" i="0" u="none" strike="noStrike" cap="none" normalizeH="0" baseline="0">
+                          <a:ln>
+                            <a:noFill/>
+                          </a:ln>
+                          <a:solidFill>
+                            <a:schemeClr val="tx1"/>
+                          </a:solidFill>
+                          <a:effectLst/>
+                          <a:latin typeface="Times New Roman" panose="02020503050405090304" pitchFamily="18" charset="0"/>
+                          <a:ea typeface="宋体" pitchFamily="2" charset="-122"/>
+                        </a:rPr>
+                        <a:t>进</a:t>
+                      </a:r>
+                      <a:r>
+                        <a:rPr kumimoji="0" lang="en-US" altLang="zh-CN" sz="2700" b="1" i="0" u="none" strike="noStrike" cap="none" normalizeH="0" baseline="0">
+                          <a:ln>
+                            <a:noFill/>
+                          </a:ln>
+                          <a:solidFill>
+                            <a:schemeClr val="tx1"/>
+                          </a:solidFill>
+                          <a:effectLst/>
+                          <a:latin typeface="Times New Roman" panose="02020503050405090304" pitchFamily="18" charset="0"/>
+                          <a:ea typeface="宋体" pitchFamily="2" charset="-122"/>
+                        </a:rPr>
+                        <a:t>1</a:t>
+                      </a:r>
+                      <a:endParaRPr kumimoji="0" lang="en-US" altLang="zh-CN" sz="2700" b="1" i="0" u="none" strike="noStrike" cap="none" normalizeH="0" baseline="0">
+                        <a:ln>
+                          <a:noFill/>
+                        </a:ln>
+                        <a:solidFill>
+                          <a:schemeClr val="tx1"/>
+                        </a:solidFill>
+                        <a:effectLst/>
+                        <a:latin typeface="Arial" panose="020B0604020202090204" pitchFamily="34" charset="0"/>
+                        <a:ea typeface="华文行楷" panose="02010800040101010101" pitchFamily="2" charset="-122"/>
+                        <a:cs typeface="Times New Roman" panose="02020503050405090304" pitchFamily="18" charset="0"/>
+                      </a:endParaRPr>
+                    </a:p>
+                    <a:p>
+                      <a:pPr marL="342900" marR="0" lvl="0" indent="-76200" algn="l" defTabSz="914400" rtl="0" eaLnBrk="0" fontAlgn="base" latinLnBrk="0" hangingPunct="0">
+                        <a:lnSpc>
+                          <a:spcPct val="100000"/>
+                        </a:lnSpc>
+                        <a:spcBef>
+                          <a:spcPct val="0"/>
+                        </a:spcBef>
+                        <a:spcAft>
+                          <a:spcPct val="0"/>
+                        </a:spcAft>
+                        <a:buClrTx/>
+                        <a:buSzTx/>
+                        <a:buFontTx/>
+                        <a:buNone/>
+                      </a:pPr>
+                      <a:r>
+                        <a:rPr kumimoji="0" lang="zh-CN" altLang="en-US" sz="2700" b="1" i="0" u="none" strike="noStrike" cap="none" normalizeH="0" baseline="0">
+                          <a:ln>
+                            <a:noFill/>
+                          </a:ln>
+                          <a:solidFill>
+                            <a:schemeClr val="tx1"/>
+                          </a:solidFill>
+                          <a:effectLst/>
+                          <a:latin typeface="Times New Roman" panose="02020503050405090304" pitchFamily="18" charset="0"/>
+                          <a:ea typeface="宋体" pitchFamily="2" charset="-122"/>
+                        </a:rPr>
+                        <a:t>逢</a:t>
+                      </a:r>
+                      <a:r>
+                        <a:rPr kumimoji="0" lang="en-US" altLang="zh-CN" sz="2700" b="1" i="0" u="none" strike="noStrike" cap="none" normalizeH="0" baseline="0">
+                          <a:ln>
+                            <a:noFill/>
+                          </a:ln>
+                          <a:solidFill>
+                            <a:schemeClr val="tx1"/>
+                          </a:solidFill>
+                          <a:effectLst/>
+                          <a:latin typeface="Times New Roman" panose="02020503050405090304" pitchFamily="18" charset="0"/>
+                          <a:ea typeface="宋体" pitchFamily="2" charset="-122"/>
+                        </a:rPr>
+                        <a:t>10</a:t>
+                      </a:r>
+                      <a:r>
+                        <a:rPr kumimoji="0" lang="zh-CN" altLang="en-US" sz="2700" b="1" i="0" u="none" strike="noStrike" cap="none" normalizeH="0" baseline="0">
+                          <a:ln>
+                            <a:noFill/>
+                          </a:ln>
+                          <a:solidFill>
+                            <a:schemeClr val="tx1"/>
+                          </a:solidFill>
+                          <a:effectLst/>
+                          <a:latin typeface="Times New Roman" panose="02020503050405090304" pitchFamily="18" charset="0"/>
+                          <a:ea typeface="宋体" pitchFamily="2" charset="-122"/>
+                        </a:rPr>
+                        <a:t>进</a:t>
+                      </a:r>
+                      <a:r>
+                        <a:rPr kumimoji="0" lang="en-US" altLang="zh-CN" sz="2700" b="1" i="0" u="none" strike="noStrike" cap="none" normalizeH="0" baseline="0">
+                          <a:ln>
+                            <a:noFill/>
+                          </a:ln>
+                          <a:solidFill>
+                            <a:schemeClr val="tx1"/>
+                          </a:solidFill>
+                          <a:effectLst/>
+                          <a:latin typeface="Times New Roman" panose="02020503050405090304" pitchFamily="18" charset="0"/>
+                          <a:ea typeface="宋体" pitchFamily="2" charset="-122"/>
+                        </a:rPr>
+                        <a:t>1</a:t>
+                      </a:r>
+                      <a:endParaRPr kumimoji="0" lang="en-US" altLang="zh-CN" sz="2700" b="1" i="0" u="none" strike="noStrike" cap="none" normalizeH="0" baseline="0">
+                        <a:ln>
+                          <a:noFill/>
+                        </a:ln>
+                        <a:solidFill>
+                          <a:schemeClr val="tx1"/>
+                        </a:solidFill>
+                        <a:effectLst/>
+                        <a:latin typeface="Arial" panose="020B0604020202090204" pitchFamily="34" charset="0"/>
+                        <a:ea typeface="华文行楷" panose="02010800040101010101" pitchFamily="2" charset="-122"/>
+                        <a:cs typeface="Times New Roman" panose="02020503050405090304" pitchFamily="18" charset="0"/>
+                      </a:endParaRPr>
+                    </a:p>
+                    <a:p>
+                      <a:pPr marL="342900" marR="0" lvl="0" indent="-76200" algn="l" defTabSz="914400" rtl="0" eaLnBrk="0" fontAlgn="base" latinLnBrk="0" hangingPunct="0">
+                        <a:lnSpc>
+                          <a:spcPct val="100000"/>
+                        </a:lnSpc>
+                        <a:spcBef>
+                          <a:spcPct val="0"/>
+                        </a:spcBef>
+                        <a:spcAft>
+                          <a:spcPct val="0"/>
+                        </a:spcAft>
+                        <a:buClrTx/>
+                        <a:buSzTx/>
+                        <a:buFontTx/>
+                        <a:buNone/>
+                      </a:pPr>
+                      <a:r>
+                        <a:rPr kumimoji="0" lang="zh-CN" altLang="en-US" sz="2700" b="1" i="0" u="none" strike="noStrike" cap="none" normalizeH="0" baseline="0">
+                          <a:ln>
+                            <a:noFill/>
+                          </a:ln>
+                          <a:solidFill>
+                            <a:schemeClr val="tx1"/>
+                          </a:solidFill>
+                          <a:effectLst/>
+                          <a:latin typeface="Times New Roman" panose="02020503050405090304" pitchFamily="18" charset="0"/>
+                          <a:ea typeface="宋体" pitchFamily="2" charset="-122"/>
+                        </a:rPr>
+                        <a:t>逢</a:t>
+                      </a:r>
+                      <a:r>
+                        <a:rPr kumimoji="0" lang="en-US" altLang="zh-CN" sz="2700" b="1" i="0" u="none" strike="noStrike" cap="none" normalizeH="0" baseline="0">
+                          <a:ln>
+                            <a:noFill/>
+                          </a:ln>
+                          <a:solidFill>
+                            <a:schemeClr val="tx1"/>
+                          </a:solidFill>
+                          <a:effectLst/>
+                          <a:latin typeface="Times New Roman" panose="02020503050405090304" pitchFamily="18" charset="0"/>
+                          <a:ea typeface="宋体" pitchFamily="2" charset="-122"/>
+                        </a:rPr>
+                        <a:t>16</a:t>
+                      </a:r>
+                      <a:r>
+                        <a:rPr kumimoji="0" lang="zh-CN" altLang="en-US" sz="2700" b="1" i="0" u="none" strike="noStrike" cap="none" normalizeH="0" baseline="0">
+                          <a:ln>
+                            <a:noFill/>
+                          </a:ln>
+                          <a:solidFill>
+                            <a:schemeClr val="tx1"/>
+                          </a:solidFill>
+                          <a:effectLst/>
+                          <a:latin typeface="Times New Roman" panose="02020503050405090304" pitchFamily="18" charset="0"/>
+                          <a:ea typeface="宋体" pitchFamily="2" charset="-122"/>
+                        </a:rPr>
+                        <a:t>进</a:t>
+                      </a:r>
+                      <a:r>
+                        <a:rPr kumimoji="0" lang="en-US" altLang="zh-CN" sz="2700" b="1" i="0" u="none" strike="noStrike" cap="none" normalizeH="0" baseline="0">
+                          <a:ln>
+                            <a:noFill/>
+                          </a:ln>
+                          <a:solidFill>
+                            <a:schemeClr val="tx1"/>
+                          </a:solidFill>
+                          <a:effectLst/>
+                          <a:latin typeface="Times New Roman" panose="02020503050405090304" pitchFamily="18" charset="0"/>
+                          <a:ea typeface="宋体" pitchFamily="2" charset="-122"/>
+                        </a:rPr>
+                        <a:t>1</a:t>
+                      </a:r>
+                      <a:endParaRPr kumimoji="0" lang="en-US" altLang="zh-CN" sz="2700" b="1" i="0" u="none" strike="noStrike" cap="none" normalizeH="0" baseline="0">
+                        <a:ln>
+                          <a:noFill/>
+                        </a:ln>
+                        <a:solidFill>
+                          <a:schemeClr val="tx1"/>
+                        </a:solidFill>
+                        <a:effectLst/>
+                        <a:latin typeface="Arial" panose="020B0604020202090204" pitchFamily="34" charset="0"/>
+                        <a:ea typeface="宋体" pitchFamily="2" charset="-122"/>
+                      </a:endParaRPr>
+                    </a:p>
+                  </a:txBody>
+                  <a:tcPr marL="0" marR="0" marT="0" marB="0" horzOverflow="overflow">
+                    <a:lnL w="12700" cap="flat" cmpd="sng" algn="ctr">
+                      <a:solidFill>
+                        <a:srgbClr val="000000"/>
+                      </a:solidFill>
+                      <a:prstDash val="solid"/>
+                      <a:round/>
+                      <a:headEnd type="none" w="med" len="med"/>
+                      <a:tailEnd type="none" w="med" len="med"/>
+                    </a:lnL>
+                    <a:lnR w="12700" cap="flat" cmpd="sng" algn="ctr">
+                      <a:solidFill>
+                        <a:srgbClr val="000000"/>
+                      </a:solidFill>
+                      <a:prstDash val="solid"/>
+                      <a:round/>
+                      <a:headEnd type="none" w="med" len="med"/>
+                      <a:tailEnd type="none" w="med" len="med"/>
+                    </a:lnR>
+                    <a:lnT w="12700" cap="flat" cmpd="sng" algn="ctr">
+                      <a:solidFill>
+                        <a:srgbClr val="000000"/>
+                      </a:solidFill>
+                      <a:prstDash val="solid"/>
+                      <a:round/>
+                      <a:headEnd type="none" w="med" len="med"/>
+                      <a:tailEnd type="none" w="med" len="med"/>
+                    </a:lnT>
+                    <a:lnB w="12700" cap="flat" cmpd="sng" algn="ctr">
+                      <a:solidFill>
+                        <a:srgbClr val="000000"/>
+                      </a:solidFill>
+                      <a:prstDash val="solid"/>
+                      <a:round/>
+                      <a:headEnd type="none" w="med" len="med"/>
+                      <a:tailEnd type="none" w="med" len="med"/>
+                    </a:lnB>
+                    <a:lnTlToBr>
+                      <a:noFill/>
+                    </a:lnTlToBr>
+                    <a:lnBlToTr>
+                      <a:noFill/>
+                    </a:lnBlToTr>
+                    <a:solidFill>
+                      <a:schemeClr val="accent5">
+                        <a:lumMod val="20000"/>
+                        <a:lumOff val="80000"/>
+                      </a:schemeClr>
+                    </a:solidFill>
+                  </a:tcPr>
+                </a:tc>
+                <a:tc>
+                  <a:txBody>
+                    <a:bodyPr/>
+                    <a:p>
+                      <a:pPr marL="342900" marR="0" lvl="0" indent="-76200" algn="l" defTabSz="914400" rtl="0" eaLnBrk="1" fontAlgn="base" latinLnBrk="0" hangingPunct="1">
+                        <a:lnSpc>
+                          <a:spcPct val="100000"/>
+                        </a:lnSpc>
+                        <a:spcBef>
+                          <a:spcPct val="0"/>
+                        </a:spcBef>
+                        <a:spcAft>
+                          <a:spcPct val="0"/>
+                        </a:spcAft>
+                        <a:buClrTx/>
+                        <a:buSzTx/>
+                        <a:buFontTx/>
+                        <a:buNone/>
+                      </a:pPr>
+                      <a:r>
+                        <a:rPr kumimoji="0" lang="en-US" altLang="zh-CN" sz="2700" b="1" i="0" u="none" strike="noStrike" cap="none" normalizeH="0" baseline="0">
+                          <a:ln>
+                            <a:noFill/>
+                          </a:ln>
+                          <a:solidFill>
+                            <a:schemeClr val="tx1"/>
+                          </a:solidFill>
+                          <a:effectLst/>
+                          <a:latin typeface="Arial" panose="020B0604020202090204" pitchFamily="34" charset="0"/>
+                          <a:ea typeface="宋体" pitchFamily="2" charset="-122"/>
+                        </a:rPr>
+                        <a:t>2</a:t>
+                      </a:r>
+                      <a:endParaRPr kumimoji="0" lang="en-US" altLang="zh-CN" sz="2700" b="1" i="0" u="none" strike="noStrike" cap="none" normalizeH="0" baseline="0">
+                        <a:ln>
+                          <a:noFill/>
+                        </a:ln>
+                        <a:solidFill>
+                          <a:schemeClr val="tx1"/>
+                        </a:solidFill>
+                        <a:effectLst/>
+                        <a:latin typeface="Arial" panose="020B0604020202090204" pitchFamily="34" charset="0"/>
+                        <a:ea typeface="华文行楷" panose="02010800040101010101" pitchFamily="2" charset="-122"/>
+                        <a:cs typeface="Times New Roman" panose="02020503050405090304" pitchFamily="18" charset="0"/>
+                      </a:endParaRPr>
+                    </a:p>
+                    <a:p>
+                      <a:pPr marL="342900" marR="0" lvl="0" indent="-76200" algn="l" defTabSz="914400" rtl="0" eaLnBrk="0" fontAlgn="base" latinLnBrk="0" hangingPunct="0">
+                        <a:lnSpc>
+                          <a:spcPct val="100000"/>
+                        </a:lnSpc>
+                        <a:spcBef>
+                          <a:spcPct val="0"/>
+                        </a:spcBef>
+                        <a:spcAft>
+                          <a:spcPct val="0"/>
+                        </a:spcAft>
+                        <a:buClrTx/>
+                        <a:buSzTx/>
+                        <a:buFontTx/>
+                        <a:buNone/>
+                      </a:pPr>
+                      <a:r>
+                        <a:rPr kumimoji="0" lang="en-US" altLang="zh-CN" sz="2700" b="1" i="0" u="none" strike="noStrike" cap="none" normalizeH="0" baseline="0">
+                          <a:ln>
+                            <a:noFill/>
+                          </a:ln>
+                          <a:solidFill>
+                            <a:schemeClr val="tx1"/>
+                          </a:solidFill>
+                          <a:effectLst/>
+                          <a:latin typeface="Arial" panose="020B0604020202090204" pitchFamily="34" charset="0"/>
+                          <a:ea typeface="宋体" pitchFamily="2" charset="-122"/>
+                        </a:rPr>
+                        <a:t>8</a:t>
+                      </a:r>
+                      <a:endParaRPr kumimoji="0" lang="en-US" altLang="zh-CN" sz="2700" b="1" i="0" u="none" strike="noStrike" cap="none" normalizeH="0" baseline="0">
+                        <a:ln>
+                          <a:noFill/>
+                        </a:ln>
+                        <a:solidFill>
+                          <a:schemeClr val="tx1"/>
+                        </a:solidFill>
+                        <a:effectLst/>
+                        <a:latin typeface="Arial" panose="020B0604020202090204" pitchFamily="34" charset="0"/>
+                        <a:ea typeface="华文行楷" panose="02010800040101010101" pitchFamily="2" charset="-122"/>
+                        <a:cs typeface="Times New Roman" panose="02020503050405090304" pitchFamily="18" charset="0"/>
+                      </a:endParaRPr>
+                    </a:p>
+                    <a:p>
+                      <a:pPr marL="342900" marR="0" lvl="0" indent="-76200" algn="l" defTabSz="914400" rtl="0" eaLnBrk="0" fontAlgn="base" latinLnBrk="0" hangingPunct="0">
+                        <a:lnSpc>
+                          <a:spcPct val="100000"/>
+                        </a:lnSpc>
+                        <a:spcBef>
+                          <a:spcPct val="0"/>
+                        </a:spcBef>
+                        <a:spcAft>
+                          <a:spcPct val="0"/>
+                        </a:spcAft>
+                        <a:buClrTx/>
+                        <a:buSzTx/>
+                        <a:buFontTx/>
+                        <a:buNone/>
+                      </a:pPr>
+                      <a:r>
+                        <a:rPr kumimoji="0" lang="en-US" altLang="zh-CN" sz="2700" b="1" i="0" u="none" strike="noStrike" cap="none" normalizeH="0" baseline="0">
+                          <a:ln>
+                            <a:noFill/>
+                          </a:ln>
+                          <a:solidFill>
+                            <a:schemeClr val="tx1"/>
+                          </a:solidFill>
+                          <a:effectLst/>
+                          <a:latin typeface="Arial" panose="020B0604020202090204" pitchFamily="34" charset="0"/>
+                          <a:ea typeface="宋体" pitchFamily="2" charset="-122"/>
+                        </a:rPr>
+                        <a:t>10</a:t>
+                      </a:r>
+                      <a:endParaRPr kumimoji="0" lang="en-US" altLang="zh-CN" sz="2700" b="1" i="0" u="none" strike="noStrike" cap="none" normalizeH="0" baseline="0">
+                        <a:ln>
+                          <a:noFill/>
+                        </a:ln>
+                        <a:solidFill>
+                          <a:schemeClr val="tx1"/>
+                        </a:solidFill>
+                        <a:effectLst/>
+                        <a:latin typeface="Arial" panose="020B0604020202090204" pitchFamily="34" charset="0"/>
+                        <a:ea typeface="华文行楷" panose="02010800040101010101" pitchFamily="2" charset="-122"/>
+                        <a:cs typeface="Times New Roman" panose="02020503050405090304" pitchFamily="18" charset="0"/>
+                      </a:endParaRPr>
+                    </a:p>
+                    <a:p>
+                      <a:pPr marL="342900" marR="0" lvl="0" indent="-76200" algn="l" defTabSz="914400" rtl="0" eaLnBrk="0" fontAlgn="base" latinLnBrk="0" hangingPunct="0">
+                        <a:lnSpc>
+                          <a:spcPct val="100000"/>
+                        </a:lnSpc>
+                        <a:spcBef>
+                          <a:spcPct val="0"/>
+                        </a:spcBef>
+                        <a:spcAft>
+                          <a:spcPct val="0"/>
+                        </a:spcAft>
+                        <a:buClrTx/>
+                        <a:buSzTx/>
+                        <a:buFontTx/>
+                        <a:buNone/>
+                      </a:pPr>
+                      <a:r>
+                        <a:rPr kumimoji="0" lang="en-US" altLang="zh-CN" sz="2700" b="1" i="0" u="none" strike="noStrike" cap="none" normalizeH="0" baseline="0">
+                          <a:ln>
+                            <a:noFill/>
+                          </a:ln>
+                          <a:solidFill>
+                            <a:schemeClr val="tx1"/>
+                          </a:solidFill>
+                          <a:effectLst/>
+                          <a:latin typeface="Arial" panose="020B0604020202090204" pitchFamily="34" charset="0"/>
+                          <a:ea typeface="宋体" pitchFamily="2" charset="-122"/>
+                        </a:rPr>
+                        <a:t>16</a:t>
+                      </a:r>
+                      <a:endParaRPr kumimoji="0" lang="en-US" altLang="zh-CN" sz="2700" b="1" i="0" u="none" strike="noStrike" cap="none" normalizeH="0" baseline="0">
+                        <a:ln>
+                          <a:noFill/>
+                        </a:ln>
+                        <a:solidFill>
+                          <a:schemeClr val="tx1"/>
+                        </a:solidFill>
+                        <a:effectLst/>
+                        <a:latin typeface="Arial" panose="020B0604020202090204" pitchFamily="34" charset="0"/>
+                        <a:ea typeface="宋体" pitchFamily="2" charset="-122"/>
+                      </a:endParaRPr>
+                    </a:p>
+                  </a:txBody>
+                  <a:tcPr marL="0" marR="0" marT="0" marB="0" horzOverflow="overflow">
+                    <a:lnL w="12700" cap="flat" cmpd="sng" algn="ctr">
+                      <a:solidFill>
+                        <a:srgbClr val="000000"/>
+                      </a:solidFill>
+                      <a:prstDash val="solid"/>
+                      <a:round/>
+                      <a:headEnd type="none" w="med" len="med"/>
+                      <a:tailEnd type="none" w="med" len="med"/>
+                    </a:lnL>
+                    <a:lnR w="12700" cap="flat" cmpd="sng" algn="ctr">
+                      <a:solidFill>
+                        <a:srgbClr val="000000"/>
+                      </a:solidFill>
+                      <a:prstDash val="solid"/>
+                      <a:round/>
+                      <a:headEnd type="none" w="med" len="med"/>
+                      <a:tailEnd type="none" w="med" len="med"/>
+                    </a:lnR>
+                    <a:lnT w="12700" cap="flat" cmpd="sng" algn="ctr">
+                      <a:solidFill>
+                        <a:srgbClr val="000000"/>
+                      </a:solidFill>
+                      <a:prstDash val="solid"/>
+                      <a:round/>
+                      <a:headEnd type="none" w="med" len="med"/>
+                      <a:tailEnd type="none" w="med" len="med"/>
+                    </a:lnT>
+                    <a:lnB w="12700" cap="flat" cmpd="sng" algn="ctr">
+                      <a:solidFill>
+                        <a:srgbClr val="000000"/>
+                      </a:solidFill>
+                      <a:prstDash val="solid"/>
+                      <a:round/>
+                      <a:headEnd type="none" w="med" len="med"/>
+                      <a:tailEnd type="none" w="med" len="med"/>
+                    </a:lnB>
+                    <a:lnTlToBr>
+                      <a:noFill/>
+                    </a:lnTlToBr>
+                    <a:lnBlToTr>
+                      <a:noFill/>
+                    </a:lnBlToTr>
+                    <a:solidFill>
+                      <a:schemeClr val="accent5">
+                        <a:lumMod val="20000"/>
+                        <a:lumOff val="80000"/>
+                      </a:schemeClr>
+                    </a:solidFill>
+                  </a:tcPr>
+                </a:tc>
+                <a:tc>
+                  <a:txBody>
+                    <a:bodyPr/>
+                    <a:p>
+                      <a:pPr marL="342900" marR="0" lvl="0" indent="-76200" algn="l" defTabSz="914400" rtl="0" eaLnBrk="1" fontAlgn="base" latinLnBrk="0" hangingPunct="1">
+                        <a:lnSpc>
+                          <a:spcPct val="100000"/>
+                        </a:lnSpc>
+                        <a:spcBef>
+                          <a:spcPct val="0"/>
+                        </a:spcBef>
+                        <a:spcAft>
+                          <a:spcPct val="0"/>
+                        </a:spcAft>
+                        <a:buClrTx/>
+                        <a:buSzTx/>
+                        <a:buFontTx/>
+                        <a:buNone/>
+                      </a:pPr>
+                      <a:r>
+                        <a:rPr kumimoji="0" lang="en-US" altLang="zh-CN" sz="2700" b="1" i="0" u="none" strike="noStrike" cap="none" normalizeH="0" baseline="0">
+                          <a:ln>
+                            <a:noFill/>
+                          </a:ln>
+                          <a:solidFill>
+                            <a:schemeClr val="tx1"/>
+                          </a:solidFill>
+                          <a:effectLst/>
+                          <a:latin typeface="Arial" panose="020B0604020202090204" pitchFamily="34" charset="0"/>
+                          <a:ea typeface="宋体" pitchFamily="2" charset="-122"/>
+                        </a:rPr>
+                        <a:t>0,1</a:t>
+                      </a:r>
+                      <a:endParaRPr kumimoji="0" lang="en-US" altLang="zh-CN" sz="2700" b="1" i="0" u="none" strike="noStrike" cap="none" normalizeH="0" baseline="0">
+                        <a:ln>
+                          <a:noFill/>
+                        </a:ln>
+                        <a:solidFill>
+                          <a:schemeClr val="tx1"/>
+                        </a:solidFill>
+                        <a:effectLst/>
+                        <a:latin typeface="Arial" panose="020B0604020202090204" pitchFamily="34" charset="0"/>
+                        <a:ea typeface="华文行楷" panose="02010800040101010101" pitchFamily="2" charset="-122"/>
+                        <a:cs typeface="Times New Roman" panose="02020503050405090304" pitchFamily="18" charset="0"/>
+                      </a:endParaRPr>
+                    </a:p>
+                    <a:p>
+                      <a:pPr marL="342900" marR="0" lvl="0" indent="-76200" algn="l" defTabSz="914400" rtl="0" eaLnBrk="0" fontAlgn="base" latinLnBrk="0" hangingPunct="0">
+                        <a:lnSpc>
+                          <a:spcPct val="100000"/>
+                        </a:lnSpc>
+                        <a:spcBef>
+                          <a:spcPct val="0"/>
+                        </a:spcBef>
+                        <a:spcAft>
+                          <a:spcPct val="0"/>
+                        </a:spcAft>
+                        <a:buClrTx/>
+                        <a:buSzTx/>
+                        <a:buFontTx/>
+                        <a:buNone/>
+                      </a:pPr>
+                      <a:r>
+                        <a:rPr kumimoji="0" lang="en-US" altLang="zh-CN" sz="2700" b="1" i="0" u="none" strike="noStrike" cap="none" normalizeH="0" baseline="0">
+                          <a:ln>
+                            <a:noFill/>
+                          </a:ln>
+                          <a:solidFill>
+                            <a:schemeClr val="tx1"/>
+                          </a:solidFill>
+                          <a:effectLst/>
+                          <a:latin typeface="Arial" panose="020B0604020202090204" pitchFamily="34" charset="0"/>
+                          <a:ea typeface="宋体" pitchFamily="2" charset="-122"/>
+                        </a:rPr>
+                        <a:t>0,1,…,7</a:t>
+                      </a:r>
+                      <a:endParaRPr kumimoji="0" lang="en-US" altLang="zh-CN" sz="2700" b="1" i="0" u="none" strike="noStrike" cap="none" normalizeH="0" baseline="0">
+                        <a:ln>
+                          <a:noFill/>
+                        </a:ln>
+                        <a:solidFill>
+                          <a:schemeClr val="tx1"/>
+                        </a:solidFill>
+                        <a:effectLst/>
+                        <a:latin typeface="Arial" panose="020B0604020202090204" pitchFamily="34" charset="0"/>
+                        <a:ea typeface="华文行楷" panose="02010800040101010101" pitchFamily="2" charset="-122"/>
+                        <a:cs typeface="Times New Roman" panose="02020503050405090304" pitchFamily="18" charset="0"/>
+                      </a:endParaRPr>
+                    </a:p>
+                    <a:p>
+                      <a:pPr marL="342900" marR="0" lvl="0" indent="-76200" algn="l" defTabSz="914400" rtl="0" eaLnBrk="0" fontAlgn="base" latinLnBrk="0" hangingPunct="0">
+                        <a:lnSpc>
+                          <a:spcPct val="100000"/>
+                        </a:lnSpc>
+                        <a:spcBef>
+                          <a:spcPct val="0"/>
+                        </a:spcBef>
+                        <a:spcAft>
+                          <a:spcPct val="0"/>
+                        </a:spcAft>
+                        <a:buClrTx/>
+                        <a:buSzTx/>
+                        <a:buFontTx/>
+                        <a:buNone/>
+                      </a:pPr>
+                      <a:r>
+                        <a:rPr kumimoji="0" lang="en-US" altLang="zh-CN" sz="2700" b="1" i="0" u="none" strike="noStrike" cap="none" normalizeH="0" baseline="0">
+                          <a:ln>
+                            <a:noFill/>
+                          </a:ln>
+                          <a:solidFill>
+                            <a:schemeClr val="tx1"/>
+                          </a:solidFill>
+                          <a:effectLst/>
+                          <a:latin typeface="Arial" panose="020B0604020202090204" pitchFamily="34" charset="0"/>
+                          <a:ea typeface="宋体" pitchFamily="2" charset="-122"/>
+                        </a:rPr>
+                        <a:t>0,1,…,9</a:t>
+                      </a:r>
+                      <a:endParaRPr kumimoji="0" lang="en-US" altLang="zh-CN" sz="2700" b="1" i="0" u="none" strike="noStrike" cap="none" normalizeH="0" baseline="0">
+                        <a:ln>
+                          <a:noFill/>
+                        </a:ln>
+                        <a:solidFill>
+                          <a:schemeClr val="tx1"/>
+                        </a:solidFill>
+                        <a:effectLst/>
+                        <a:latin typeface="Arial" panose="020B0604020202090204" pitchFamily="34" charset="0"/>
+                        <a:ea typeface="华文行楷" panose="02010800040101010101" pitchFamily="2" charset="-122"/>
+                        <a:cs typeface="Times New Roman" panose="02020503050405090304" pitchFamily="18" charset="0"/>
+                      </a:endParaRPr>
+                    </a:p>
+                    <a:p>
+                      <a:pPr marL="342900" marR="0" lvl="0" indent="-76200" algn="l" defTabSz="914400" rtl="0" eaLnBrk="0" fontAlgn="base" latinLnBrk="0" hangingPunct="0">
+                        <a:lnSpc>
+                          <a:spcPct val="100000"/>
+                        </a:lnSpc>
+                        <a:spcBef>
+                          <a:spcPct val="0"/>
+                        </a:spcBef>
+                        <a:spcAft>
+                          <a:spcPct val="0"/>
+                        </a:spcAft>
+                        <a:buClrTx/>
+                        <a:buSzTx/>
+                        <a:buFontTx/>
+                        <a:buNone/>
+                      </a:pPr>
+                      <a:r>
+                        <a:rPr kumimoji="0" lang="en-US" altLang="zh-CN" sz="2700" b="1" i="0" u="none" strike="noStrike" cap="none" normalizeH="0" baseline="0">
+                          <a:ln>
+                            <a:noFill/>
+                          </a:ln>
+                          <a:solidFill>
+                            <a:schemeClr val="tx1"/>
+                          </a:solidFill>
+                          <a:effectLst/>
+                          <a:latin typeface="Arial" panose="020B0604020202090204" pitchFamily="34" charset="0"/>
+                          <a:ea typeface="宋体" pitchFamily="2" charset="-122"/>
+                        </a:rPr>
+                        <a:t>0,1,…,9,A,B,C,D,E,F</a:t>
+                      </a:r>
+                      <a:endParaRPr kumimoji="0" lang="en-US" altLang="zh-CN" sz="2700" b="1" i="0" u="none" strike="noStrike" cap="none" normalizeH="0" baseline="0">
+                        <a:ln>
+                          <a:noFill/>
+                        </a:ln>
+                        <a:solidFill>
+                          <a:schemeClr val="tx1"/>
+                        </a:solidFill>
+                        <a:effectLst/>
+                        <a:latin typeface="Arial" panose="020B0604020202090204" pitchFamily="34" charset="0"/>
+                        <a:ea typeface="宋体" pitchFamily="2" charset="-122"/>
+                      </a:endParaRPr>
+                    </a:p>
+                  </a:txBody>
+                  <a:tcPr marL="0" marR="0" marT="0" marB="0" horzOverflow="overflow">
+                    <a:lnL w="12700" cap="flat" cmpd="sng" algn="ctr">
+                      <a:solidFill>
+                        <a:srgbClr val="000000"/>
+                      </a:solidFill>
+                      <a:prstDash val="solid"/>
+                      <a:round/>
+                      <a:headEnd type="none" w="med" len="med"/>
+                      <a:tailEnd type="none" w="med" len="med"/>
+                    </a:lnL>
+                    <a:lnR w="12700" cap="flat" cmpd="sng" algn="ctr">
+                      <a:solidFill>
+                        <a:srgbClr val="000000"/>
+                      </a:solidFill>
+                      <a:prstDash val="solid"/>
+                      <a:round/>
+                      <a:headEnd type="none" w="med" len="med"/>
+                      <a:tailEnd type="none" w="med" len="med"/>
+                    </a:lnR>
+                    <a:lnT w="12700" cap="flat" cmpd="sng" algn="ctr">
+                      <a:solidFill>
+                        <a:srgbClr val="000000"/>
+                      </a:solidFill>
+                      <a:prstDash val="solid"/>
+                      <a:round/>
+                      <a:headEnd type="none" w="med" len="med"/>
+                      <a:tailEnd type="none" w="med" len="med"/>
+                    </a:lnT>
+                    <a:lnB w="12700" cap="flat" cmpd="sng" algn="ctr">
+                      <a:solidFill>
+                        <a:srgbClr val="000000"/>
+                      </a:solidFill>
+                      <a:prstDash val="solid"/>
+                      <a:round/>
+                      <a:headEnd type="none" w="med" len="med"/>
+                      <a:tailEnd type="none" w="med" len="med"/>
+                    </a:lnB>
+                    <a:lnTlToBr>
+                      <a:noFill/>
+                    </a:lnTlToBr>
+                    <a:lnBlToTr>
+                      <a:noFill/>
+                    </a:lnBlToTr>
+                    <a:solidFill>
+                      <a:schemeClr val="accent5">
+                        <a:lumMod val="20000"/>
+                        <a:lumOff val="80000"/>
+                      </a:schemeClr>
+                    </a:solidFill>
+                  </a:tcPr>
+                </a:tc>
+                <a:tc>
+                  <a:txBody>
+                    <a:bodyPr/>
+                    <a:p>
+                      <a:pPr marL="342900" marR="0" lvl="0" indent="-76200" algn="l" defTabSz="914400" rtl="0" eaLnBrk="1" fontAlgn="base" latinLnBrk="0" hangingPunct="1">
+                        <a:lnSpc>
+                          <a:spcPct val="100000"/>
+                        </a:lnSpc>
+                        <a:spcBef>
+                          <a:spcPct val="0"/>
+                        </a:spcBef>
+                        <a:spcAft>
+                          <a:spcPct val="0"/>
+                        </a:spcAft>
+                        <a:buClrTx/>
+                        <a:buSzTx/>
+                        <a:buFontTx/>
+                        <a:buNone/>
+                      </a:pPr>
+                      <a:r>
+                        <a:rPr kumimoji="0" lang="en-US" altLang="zh-CN" sz="2700" b="1" i="0" u="none" strike="noStrike" cap="none" normalizeH="0" baseline="0">
+                          <a:ln>
+                            <a:noFill/>
+                          </a:ln>
+                          <a:solidFill>
+                            <a:schemeClr val="tx1"/>
+                          </a:solidFill>
+                          <a:effectLst/>
+                          <a:latin typeface="Arial" panose="020B0604020202090204" pitchFamily="34" charset="0"/>
+                          <a:ea typeface="宋体" pitchFamily="2" charset="-122"/>
+                        </a:rPr>
+                        <a:t>B</a:t>
+                      </a:r>
+                      <a:endParaRPr kumimoji="0" lang="en-US" altLang="zh-CN" sz="2700" b="1" i="0" u="none" strike="noStrike" cap="none" normalizeH="0" baseline="0">
+                        <a:ln>
+                          <a:noFill/>
+                        </a:ln>
+                        <a:solidFill>
+                          <a:schemeClr val="tx1"/>
+                        </a:solidFill>
+                        <a:effectLst/>
+                        <a:latin typeface="Arial" panose="020B0604020202090204" pitchFamily="34" charset="0"/>
+                        <a:ea typeface="华文行楷" panose="02010800040101010101" pitchFamily="2" charset="-122"/>
+                        <a:cs typeface="Times New Roman" panose="02020503050405090304" pitchFamily="18" charset="0"/>
+                      </a:endParaRPr>
+                    </a:p>
+                    <a:p>
+                      <a:pPr marL="342900" marR="0" lvl="0" indent="-76200" algn="l" defTabSz="914400" rtl="0" eaLnBrk="0" fontAlgn="base" latinLnBrk="0" hangingPunct="0">
+                        <a:lnSpc>
+                          <a:spcPct val="100000"/>
+                        </a:lnSpc>
+                        <a:spcBef>
+                          <a:spcPct val="0"/>
+                        </a:spcBef>
+                        <a:spcAft>
+                          <a:spcPct val="0"/>
+                        </a:spcAft>
+                        <a:buClrTx/>
+                        <a:buSzTx/>
+                        <a:buFontTx/>
+                        <a:buNone/>
+                      </a:pPr>
+                      <a:r>
+                        <a:rPr kumimoji="0" lang="en-US" altLang="zh-CN" sz="2700" b="1" i="0" u="none" strike="noStrike" cap="none" normalizeH="0" baseline="0">
+                          <a:ln>
+                            <a:noFill/>
+                          </a:ln>
+                          <a:solidFill>
+                            <a:schemeClr val="tx1"/>
+                          </a:solidFill>
+                          <a:effectLst/>
+                          <a:latin typeface="Arial" panose="020B0604020202090204" pitchFamily="34" charset="0"/>
+                          <a:ea typeface="华文行楷" panose="02010800040101010101" pitchFamily="2" charset="-122"/>
+                          <a:cs typeface="Times New Roman" panose="02020503050405090304" pitchFamily="18" charset="0"/>
+                        </a:rPr>
+                        <a:t>O</a:t>
+                      </a:r>
+                      <a:endParaRPr kumimoji="0" lang="en-US" altLang="zh-CN" sz="2700" b="1" i="0" u="none" strike="noStrike" cap="none" normalizeH="0" baseline="0">
+                        <a:ln>
+                          <a:noFill/>
+                        </a:ln>
+                        <a:solidFill>
+                          <a:schemeClr val="tx1"/>
+                        </a:solidFill>
+                        <a:effectLst/>
+                        <a:latin typeface="Arial" panose="020B0604020202090204" pitchFamily="34" charset="0"/>
+                        <a:ea typeface="华文行楷" panose="02010800040101010101" pitchFamily="2" charset="-122"/>
+                        <a:cs typeface="Times New Roman" panose="02020503050405090304" pitchFamily="18" charset="0"/>
+                      </a:endParaRPr>
+                    </a:p>
+                    <a:p>
+                      <a:pPr marL="342900" marR="0" lvl="0" indent="-76200" algn="l" defTabSz="914400" rtl="0" eaLnBrk="0" fontAlgn="base" latinLnBrk="0" hangingPunct="0">
+                        <a:lnSpc>
+                          <a:spcPct val="100000"/>
+                        </a:lnSpc>
+                        <a:spcBef>
+                          <a:spcPct val="0"/>
+                        </a:spcBef>
+                        <a:spcAft>
+                          <a:spcPct val="0"/>
+                        </a:spcAft>
+                        <a:buClrTx/>
+                        <a:buSzTx/>
+                        <a:buFontTx/>
+                        <a:buNone/>
+                      </a:pPr>
+                      <a:r>
+                        <a:rPr kumimoji="0" lang="en-US" altLang="zh-CN" sz="2700" b="1" i="0" u="none" strike="noStrike" cap="none" normalizeH="0" baseline="0">
+                          <a:ln>
+                            <a:noFill/>
+                          </a:ln>
+                          <a:solidFill>
+                            <a:schemeClr val="tx1"/>
+                          </a:solidFill>
+                          <a:effectLst/>
+                          <a:latin typeface="Arial" panose="020B0604020202090204" pitchFamily="34" charset="0"/>
+                          <a:ea typeface="宋体" pitchFamily="2" charset="-122"/>
+                        </a:rPr>
+                        <a:t>D</a:t>
+                      </a:r>
+                      <a:endParaRPr kumimoji="0" lang="en-US" altLang="zh-CN" sz="2700" b="1" i="0" u="none" strike="noStrike" cap="none" normalizeH="0" baseline="0">
+                        <a:ln>
+                          <a:noFill/>
+                        </a:ln>
+                        <a:solidFill>
+                          <a:schemeClr val="tx1"/>
+                        </a:solidFill>
+                        <a:effectLst/>
+                        <a:latin typeface="Arial" panose="020B0604020202090204" pitchFamily="34" charset="0"/>
+                        <a:ea typeface="华文行楷" panose="02010800040101010101" pitchFamily="2" charset="-122"/>
+                        <a:cs typeface="Times New Roman" panose="02020503050405090304" pitchFamily="18" charset="0"/>
+                      </a:endParaRPr>
+                    </a:p>
+                    <a:p>
+                      <a:pPr marL="342900" marR="0" lvl="0" indent="-76200" algn="l" defTabSz="914400" rtl="0" eaLnBrk="0" fontAlgn="base" latinLnBrk="0" hangingPunct="0">
+                        <a:lnSpc>
+                          <a:spcPct val="100000"/>
+                        </a:lnSpc>
+                        <a:spcBef>
+                          <a:spcPct val="0"/>
+                        </a:spcBef>
+                        <a:spcAft>
+                          <a:spcPct val="0"/>
+                        </a:spcAft>
+                        <a:buClrTx/>
+                        <a:buSzTx/>
+                        <a:buFontTx/>
+                        <a:buNone/>
+                      </a:pPr>
+                      <a:r>
+                        <a:rPr kumimoji="0" lang="en-US" altLang="zh-CN" sz="2700" b="1" i="0" u="none" strike="noStrike" cap="none" normalizeH="0" baseline="0">
+                          <a:ln>
+                            <a:noFill/>
+                          </a:ln>
+                          <a:solidFill>
+                            <a:schemeClr val="tx1"/>
+                          </a:solidFill>
+                          <a:effectLst/>
+                          <a:latin typeface="Arial" panose="020B0604020202090204" pitchFamily="34" charset="0"/>
+                          <a:ea typeface="宋体" pitchFamily="2" charset="-122"/>
+                        </a:rPr>
+                        <a:t>H</a:t>
+                      </a:r>
+                      <a:endParaRPr kumimoji="0" lang="en-US" altLang="zh-CN" sz="2700" b="1" i="0" u="none" strike="noStrike" cap="none" normalizeH="0" baseline="0">
+                        <a:ln>
+                          <a:noFill/>
+                        </a:ln>
+                        <a:solidFill>
+                          <a:schemeClr val="tx1"/>
+                        </a:solidFill>
+                        <a:effectLst/>
+                        <a:latin typeface="Arial" panose="020B0604020202090204" pitchFamily="34" charset="0"/>
+                        <a:ea typeface="宋体" pitchFamily="2" charset="-122"/>
+                      </a:endParaRPr>
+                    </a:p>
+                  </a:txBody>
+                  <a:tcPr marL="0" marR="0" marT="0" marB="0" horzOverflow="overflow">
+                    <a:lnL w="12700" cap="flat" cmpd="sng" algn="ctr">
+                      <a:solidFill>
+                        <a:srgbClr val="000000"/>
+                      </a:solidFill>
+                      <a:prstDash val="solid"/>
+                      <a:round/>
+                      <a:headEnd type="none" w="med" len="med"/>
+                      <a:tailEnd type="none" w="med" len="med"/>
+                    </a:lnL>
+                    <a:lnR w="12700" cap="flat" cmpd="sng" algn="ctr">
+                      <a:solidFill>
+                        <a:srgbClr val="000000"/>
+                      </a:solidFill>
+                      <a:prstDash val="solid"/>
+                      <a:round/>
+                      <a:headEnd type="none" w="med" len="med"/>
+                      <a:tailEnd type="none" w="med" len="med"/>
+                    </a:lnR>
+                    <a:lnT w="12700" cap="flat" cmpd="sng" algn="ctr">
+                      <a:solidFill>
+                        <a:srgbClr val="000000"/>
+                      </a:solidFill>
+                      <a:prstDash val="solid"/>
+                      <a:round/>
+                      <a:headEnd type="none" w="med" len="med"/>
+                      <a:tailEnd type="none" w="med" len="med"/>
+                    </a:lnT>
+                    <a:lnB w="12700" cap="flat" cmpd="sng" algn="ctr">
+                      <a:solidFill>
+                        <a:srgbClr val="000000"/>
+                      </a:solidFill>
+                      <a:prstDash val="solid"/>
+                      <a:round/>
+                      <a:headEnd type="none" w="med" len="med"/>
+                      <a:tailEnd type="none" w="med" len="med"/>
+                    </a:lnB>
+                    <a:lnTlToBr>
+                      <a:noFill/>
+                    </a:lnTlToBr>
+                    <a:lnBlToTr>
+                      <a:noFill/>
+                    </a:lnBlToTr>
+                    <a:solidFill>
+                      <a:schemeClr val="accent5">
+                        <a:lumMod val="20000"/>
+                        <a:lumOff val="80000"/>
+                      </a:schemeClr>
+                    </a:solidFill>
+                  </a:tcPr>
+                </a:tc>
+              </a:tr>
+            </a:tbl>
+          </a:graphicData>
+        </a:graphic>
+      </p:graphicFrame>
+    </p:spTree>
+  </p:cSld>
+  <p:clrMapOvr>
+    <a:masterClrMapping/>
+  </p:clrMapOvr>
+  <p:timing>
+    <p:tnLst>
+      <p:par>
+        <p:cTn id="1" dur="indefinite" restart="never" nodeType="tmRoot"/>
+      </p:par>
+    </p:tnLst>
+  </p:timing>
+</p:sld>
+</file>
+
+<file path=ppt/slides/slide40.xml><?xml version="1.0" encoding="utf-8"?>
 <p:sld xmlns:a="http://schemas.openxmlformats.org/drawingml/2006/main" xmlns:r="http://schemas.openxmlformats.org/officeDocument/2006/relationships" xmlns:p="http://schemas.openxmlformats.org/presentationml/2006/main">
   <p:cSld>
     <p:spTree>
@@ -27713,7 +30793,7 @@
 </p:sld>
 </file>
 
-<file path=ppt/slides/slide38.xml><?xml version="1.0" encoding="utf-8"?>
+<file path=ppt/slides/slide41.xml><?xml version="1.0" encoding="utf-8"?>
 <p:sld xmlns:a="http://schemas.openxmlformats.org/drawingml/2006/main" xmlns:r="http://schemas.openxmlformats.org/officeDocument/2006/relationships" xmlns:p="http://schemas.openxmlformats.org/presentationml/2006/main">
   <p:cSld>
     <p:spTree>
@@ -28268,7 +31348,7 @@
 </p:sld>
 </file>
 
-<file path=ppt/slides/slide39.xml><?xml version="1.0" encoding="utf-8"?>
+<file path=ppt/slides/slide42.xml><?xml version="1.0" encoding="utf-8"?>
 <p:sld xmlns:a="http://schemas.openxmlformats.org/drawingml/2006/main" xmlns:r="http://schemas.openxmlformats.org/officeDocument/2006/relationships" xmlns:p="http://schemas.openxmlformats.org/presentationml/2006/main">
   <p:cSld>
     <p:spTree>
@@ -28627,2299 +31707,7 @@
 </p:sld>
 </file>
 
-<file path=ppt/slides/slide4.xml><?xml version="1.0" encoding="utf-8"?>
-<p:sld xmlns:a="http://schemas.openxmlformats.org/drawingml/2006/main" xmlns:r="http://schemas.openxmlformats.org/officeDocument/2006/relationships" xmlns:p="http://schemas.openxmlformats.org/presentationml/2006/main">
-  <p:cSld>
-    <p:spTree>
-      <p:nvGrpSpPr>
-        <p:cNvPr id="1" name=""/>
-        <p:cNvGrpSpPr/>
-        <p:nvPr/>
-      </p:nvGrpSpPr>
-      <p:grpSpPr>
-        <a:xfrm>
-          <a:off x="0" y="0"/>
-          <a:ext cx="0" cy="0"/>
-          <a:chOff x="0" y="0"/>
-          <a:chExt cx="0" cy="0"/>
-        </a:xfrm>
-      </p:grpSpPr>
-      <p:sp>
-        <p:nvSpPr>
-          <p:cNvPr id="5" name="文本框 4"/>
-          <p:cNvSpPr txBox="1"/>
-          <p:nvPr/>
-        </p:nvSpPr>
-        <p:spPr>
-          <a:xfrm>
-            <a:off x="507365" y="110490"/>
-            <a:ext cx="10400030" cy="706755"/>
-          </a:xfrm>
-          <a:prstGeom prst="rect">
-            <a:avLst/>
-          </a:prstGeom>
-          <a:noFill/>
-        </p:spPr>
-        <p:txBody>
-          <a:bodyPr wrap="square" rtlCol="0">
-            <a:spAutoFit/>
-          </a:bodyPr>
-          <a:p>
-            <a:r>
-              <a:rPr lang="zh-CN" altLang="en-US" sz="4000" b="1">
-                <a:solidFill>
-                  <a:srgbClr val="FF0000"/>
-                </a:solidFill>
-                <a:latin typeface="宋体" charset="0"/>
-                <a:ea typeface="宋体" charset="0"/>
-              </a:rPr>
-              <a:t>数</a:t>
-            </a:r>
-            <a:r>
-              <a:rPr lang="zh-CN" altLang="en-US" sz="4000" b="1">
-                <a:solidFill>
-                  <a:srgbClr val="FF0000"/>
-                </a:solidFill>
-                <a:latin typeface="宋体" charset="0"/>
-                <a:ea typeface="宋体" charset="0"/>
-              </a:rPr>
-              <a:t>制</a:t>
-            </a:r>
-            <a:endParaRPr lang="zh-CN" altLang="en-US" sz="4000" b="1">
-              <a:solidFill>
-                <a:srgbClr val="FF0000"/>
-              </a:solidFill>
-              <a:latin typeface="宋体" charset="0"/>
-              <a:ea typeface="宋体" charset="0"/>
-            </a:endParaRPr>
-          </a:p>
-        </p:txBody>
-      </p:sp>
-      <p:sp>
-        <p:nvSpPr>
-          <p:cNvPr id="3" name="矩形 3"/>
-          <p:cNvSpPr>
-            <a:spLocks noChangeArrowheads="1"/>
-          </p:cNvSpPr>
-          <p:nvPr/>
-        </p:nvSpPr>
-        <p:spPr bwMode="auto">
-          <a:xfrm>
-            <a:off x="127635" y="594360"/>
-            <a:ext cx="11685270" cy="6055360"/>
-          </a:xfrm>
-          <a:prstGeom prst="rect">
-            <a:avLst/>
-          </a:prstGeom>
-          <a:noFill/>
-          <a:ln>
-            <a:noFill/>
-          </a:ln>
-          <a:extLst>
-            <a:ext uri="{909E8E84-426E-40DD-AFC4-6F175D3DCCD1}">
-              <a14:hiddenFill xmlns:a14="http://schemas.microsoft.com/office/drawing/2010/main">
-                <a:solidFill>
-                  <a:srgbClr val="FFFFFF"/>
-                </a:solidFill>
-              </a14:hiddenFill>
-            </a:ext>
-            <a:ext uri="{91240B29-F687-4F45-9708-019B960494DF}">
-              <a14:hiddenLine xmlns:a14="http://schemas.microsoft.com/office/drawing/2010/main" w="9525">
-                <a:solidFill>
-                  <a:srgbClr val="000000"/>
-                </a:solidFill>
-                <a:miter lim="800000"/>
-                <a:headEnd/>
-                <a:tailEnd/>
-              </a14:hiddenLine>
-            </a:ext>
-          </a:extLst>
-        </p:spPr>
-        <p:txBody>
-          <a:bodyPr wrap="square">
-            <a:noAutofit/>
-          </a:bodyPr>
-          <a:lstStyle>
-            <a:lvl1pPr eaLnBrk="0" hangingPunct="0">
-              <a:spcBef>
-                <a:spcPct val="20000"/>
-              </a:spcBef>
-              <a:buClr>
-                <a:schemeClr val="folHlink"/>
-              </a:buClr>
-              <a:buSzPct val="90000"/>
-              <a:buFont typeface="Wingdings" panose="05000000000000000000" pitchFamily="2" charset="2"/>
-              <a:buChar char="w"/>
-              <a:defRPr sz="3200">
-                <a:solidFill>
-                  <a:schemeClr val="tx1"/>
-                </a:solidFill>
-                <a:latin typeface="Arial" panose="020B0604020202090204" pitchFamily="34" charset="0"/>
-                <a:ea typeface="宋体" pitchFamily="2" charset="-122"/>
-              </a:defRPr>
-            </a:lvl1pPr>
-            <a:lvl2pPr marL="742950" indent="-285750" eaLnBrk="0" hangingPunct="0">
-              <a:spcBef>
-                <a:spcPct val="20000"/>
-              </a:spcBef>
-              <a:buClr>
-                <a:schemeClr val="folHlink"/>
-              </a:buClr>
-              <a:buSzPct val="90000"/>
-              <a:buFont typeface="Wingdings" panose="05000000000000000000" pitchFamily="2" charset="2"/>
-              <a:buChar char="ª"/>
-              <a:defRPr sz="2800">
-                <a:solidFill>
-                  <a:schemeClr val="tx1"/>
-                </a:solidFill>
-                <a:latin typeface="Arial" panose="020B0604020202090204" pitchFamily="34" charset="0"/>
-                <a:ea typeface="宋体" pitchFamily="2" charset="-122"/>
-              </a:defRPr>
-            </a:lvl2pPr>
-            <a:lvl3pPr marL="1143000" indent="-228600" eaLnBrk="0" hangingPunct="0">
-              <a:spcBef>
-                <a:spcPct val="20000"/>
-              </a:spcBef>
-              <a:buClr>
-                <a:schemeClr val="folHlink"/>
-              </a:buClr>
-              <a:buFont typeface="Wingdings" panose="05000000000000000000" pitchFamily="2" charset="2"/>
-              <a:buChar char="w"/>
-              <a:defRPr sz="2400">
-                <a:solidFill>
-                  <a:schemeClr val="tx1"/>
-                </a:solidFill>
-                <a:latin typeface="Arial" panose="020B0604020202090204" pitchFamily="34" charset="0"/>
-                <a:ea typeface="宋体" pitchFamily="2" charset="-122"/>
-              </a:defRPr>
-            </a:lvl3pPr>
-            <a:lvl4pPr marL="1600200" indent="-228600" eaLnBrk="0" hangingPunct="0">
-              <a:spcBef>
-                <a:spcPct val="20000"/>
-              </a:spcBef>
-              <a:buClr>
-                <a:schemeClr val="folHlink"/>
-              </a:buClr>
-              <a:buFont typeface="Wingdings" panose="05000000000000000000" pitchFamily="2" charset="2"/>
-              <a:buChar char="ª"/>
-              <a:defRPr sz="2000">
-                <a:solidFill>
-                  <a:schemeClr val="tx1"/>
-                </a:solidFill>
-                <a:latin typeface="Arial" panose="020B0604020202090204" pitchFamily="34" charset="0"/>
-                <a:ea typeface="宋体" pitchFamily="2" charset="-122"/>
-              </a:defRPr>
-            </a:lvl4pPr>
-            <a:lvl5pPr marL="2057400" indent="-228600" eaLnBrk="0" hangingPunct="0">
-              <a:spcBef>
-                <a:spcPct val="20000"/>
-              </a:spcBef>
-              <a:buClr>
-                <a:schemeClr val="folHlink"/>
-              </a:buClr>
-              <a:buFont typeface="Wingdings" panose="05000000000000000000" pitchFamily="2" charset="2"/>
-              <a:buChar char="w"/>
-              <a:defRPr sz="2000">
-                <a:solidFill>
-                  <a:schemeClr val="tx1"/>
-                </a:solidFill>
-                <a:latin typeface="Arial" panose="020B0604020202090204" pitchFamily="34" charset="0"/>
-                <a:ea typeface="宋体" pitchFamily="2" charset="-122"/>
-              </a:defRPr>
-            </a:lvl5pPr>
-            <a:lvl6pPr marL="2514600" indent="-228600" eaLnBrk="0" fontAlgn="base" hangingPunct="0">
-              <a:spcBef>
-                <a:spcPct val="20000"/>
-              </a:spcBef>
-              <a:spcAft>
-                <a:spcPct val="0"/>
-              </a:spcAft>
-              <a:buClr>
-                <a:schemeClr val="folHlink"/>
-              </a:buClr>
-              <a:buFont typeface="Wingdings" panose="05000000000000000000" pitchFamily="2" charset="2"/>
-              <a:buChar char="w"/>
-              <a:defRPr sz="2000">
-                <a:solidFill>
-                  <a:schemeClr val="tx1"/>
-                </a:solidFill>
-                <a:latin typeface="Arial" panose="020B0604020202090204" pitchFamily="34" charset="0"/>
-                <a:ea typeface="宋体" pitchFamily="2" charset="-122"/>
-              </a:defRPr>
-            </a:lvl6pPr>
-            <a:lvl7pPr marL="2971800" indent="-228600" eaLnBrk="0" fontAlgn="base" hangingPunct="0">
-              <a:spcBef>
-                <a:spcPct val="20000"/>
-              </a:spcBef>
-              <a:spcAft>
-                <a:spcPct val="0"/>
-              </a:spcAft>
-              <a:buClr>
-                <a:schemeClr val="folHlink"/>
-              </a:buClr>
-              <a:buFont typeface="Wingdings" panose="05000000000000000000" pitchFamily="2" charset="2"/>
-              <a:buChar char="w"/>
-              <a:defRPr sz="2000">
-                <a:solidFill>
-                  <a:schemeClr val="tx1"/>
-                </a:solidFill>
-                <a:latin typeface="Arial" panose="020B0604020202090204" pitchFamily="34" charset="0"/>
-                <a:ea typeface="宋体" pitchFamily="2" charset="-122"/>
-              </a:defRPr>
-            </a:lvl7pPr>
-            <a:lvl8pPr marL="3429000" indent="-228600" eaLnBrk="0" fontAlgn="base" hangingPunct="0">
-              <a:spcBef>
-                <a:spcPct val="20000"/>
-              </a:spcBef>
-              <a:spcAft>
-                <a:spcPct val="0"/>
-              </a:spcAft>
-              <a:buClr>
-                <a:schemeClr val="folHlink"/>
-              </a:buClr>
-              <a:buFont typeface="Wingdings" panose="05000000000000000000" pitchFamily="2" charset="2"/>
-              <a:buChar char="w"/>
-              <a:defRPr sz="2000">
-                <a:solidFill>
-                  <a:schemeClr val="tx1"/>
-                </a:solidFill>
-                <a:latin typeface="Arial" panose="020B0604020202090204" pitchFamily="34" charset="0"/>
-                <a:ea typeface="宋体" pitchFamily="2" charset="-122"/>
-              </a:defRPr>
-            </a:lvl8pPr>
-            <a:lvl9pPr marL="3886200" indent="-228600" eaLnBrk="0" fontAlgn="base" hangingPunct="0">
-              <a:spcBef>
-                <a:spcPct val="20000"/>
-              </a:spcBef>
-              <a:spcAft>
-                <a:spcPct val="0"/>
-              </a:spcAft>
-              <a:buClr>
-                <a:schemeClr val="folHlink"/>
-              </a:buClr>
-              <a:buFont typeface="Wingdings" panose="05000000000000000000" pitchFamily="2" charset="2"/>
-              <a:buChar char="w"/>
-              <a:defRPr sz="2000">
-                <a:solidFill>
-                  <a:schemeClr val="tx1"/>
-                </a:solidFill>
-                <a:latin typeface="Arial" panose="020B0604020202090204" pitchFamily="34" charset="0"/>
-                <a:ea typeface="宋体" pitchFamily="2" charset="-122"/>
-              </a:defRPr>
-            </a:lvl9pPr>
-          </a:lstStyle>
-          <a:p>
-            <a:pPr eaLnBrk="1" hangingPunct="1">
-              <a:lnSpc>
-                <a:spcPct val="120000"/>
-              </a:lnSpc>
-              <a:spcBef>
-                <a:spcPct val="0"/>
-              </a:spcBef>
-              <a:buClr>
-                <a:schemeClr val="accent2"/>
-              </a:buClr>
-              <a:buSzPct val="80000"/>
-              <a:buFont typeface="Wingdings" panose="05000000000000000000" pitchFamily="2" charset="2"/>
-              <a:buNone/>
-            </a:pPr>
-            <a:endParaRPr lang="zh-CN" altLang="en-US" sz="2400" dirty="0">
-              <a:solidFill>
-                <a:srgbClr val="FF0000"/>
-              </a:solidFill>
-              <a:ea typeface="黑体" panose="02010609060101010101" pitchFamily="49" charset="-122"/>
-            </a:endParaRPr>
-          </a:p>
-        </p:txBody>
-      </p:sp>
-      <p:graphicFrame>
-        <p:nvGraphicFramePr>
-          <p:cNvPr id="7" name="Group 4"/>
-          <p:cNvGraphicFramePr/>
-          <p:nvPr>
-            <p:custDataLst>
-              <p:tags r:id="rId1"/>
-            </p:custDataLst>
-          </p:nvPr>
-        </p:nvGraphicFramePr>
-        <p:xfrm>
-          <a:off x="617220" y="1994535"/>
-          <a:ext cx="10756265" cy="3797300"/>
-        </p:xfrm>
-        <a:graphic>
-          <a:graphicData uri="http://schemas.openxmlformats.org/drawingml/2006/table">
-            <a:tbl>
-              <a:tblPr/>
-              <a:tblGrid>
-                <a:gridCol w="2122805"/>
-                <a:gridCol w="1981200"/>
-                <a:gridCol w="1219835"/>
-                <a:gridCol w="3879850"/>
-                <a:gridCol w="1552575"/>
-              </a:tblGrid>
-              <a:tr h="1102360">
-                <a:tc>
-                  <a:txBody>
-                    <a:bodyPr/>
-                    <a:p>
-                      <a:pPr marL="342900" marR="0" lvl="0" indent="-342900" algn="ctr" defTabSz="914400" rtl="0" eaLnBrk="1" fontAlgn="ctr" latinLnBrk="0" hangingPunct="1">
-                        <a:lnSpc>
-                          <a:spcPct val="100000"/>
-                        </a:lnSpc>
-                        <a:spcBef>
-                          <a:spcPct val="0"/>
-                        </a:spcBef>
-                        <a:spcAft>
-                          <a:spcPct val="0"/>
-                        </a:spcAft>
-                        <a:buClrTx/>
-                        <a:buSzTx/>
-                        <a:buFontTx/>
-                        <a:buNone/>
-                      </a:pPr>
-                      <a:endParaRPr kumimoji="0" lang="en-US" altLang="zh-CN" sz="2400" b="1" i="0" u="none" strike="noStrike" cap="none" normalizeH="0" baseline="0">
-                        <a:ln>
-                          <a:noFill/>
-                        </a:ln>
-                        <a:solidFill>
-                          <a:schemeClr val="tx1"/>
-                        </a:solidFill>
-                        <a:effectLst/>
-                        <a:latin typeface="Arial" panose="020B0604020202090204" pitchFamily="34" charset="0"/>
-                        <a:ea typeface="黑体" panose="02010609060101010101" pitchFamily="49" charset="-122"/>
-                        <a:cs typeface="Arial" panose="020B0604020202090204" pitchFamily="34" charset="0"/>
-                      </a:endParaRPr>
-                    </a:p>
-                    <a:p>
-                      <a:pPr marL="342900" marR="0" lvl="0" indent="-342900" algn="ctr" defTabSz="914400" rtl="0" eaLnBrk="1" fontAlgn="ctr" latinLnBrk="0" hangingPunct="1">
-                        <a:lnSpc>
-                          <a:spcPct val="100000"/>
-                        </a:lnSpc>
-                        <a:spcBef>
-                          <a:spcPct val="0"/>
-                        </a:spcBef>
-                        <a:spcAft>
-                          <a:spcPct val="0"/>
-                        </a:spcAft>
-                        <a:buClrTx/>
-                        <a:buSzTx/>
-                        <a:buFontTx/>
-                        <a:buNone/>
-                      </a:pPr>
-                      <a:r>
-                        <a:rPr kumimoji="0" lang="zh-CN" altLang="en-US" sz="2400" b="1" i="0" u="none" strike="noStrike" cap="none" normalizeH="0" baseline="0">
-                          <a:ln>
-                            <a:noFill/>
-                          </a:ln>
-                          <a:solidFill>
-                            <a:schemeClr val="tx1"/>
-                          </a:solidFill>
-                          <a:effectLst/>
-                          <a:latin typeface="Arial" panose="020B0604020202090204" pitchFamily="34" charset="0"/>
-                          <a:ea typeface="黑体" panose="02010609060101010101" pitchFamily="49" charset="-122"/>
-                          <a:cs typeface="Arial" panose="020B0604020202090204" pitchFamily="34" charset="0"/>
-                        </a:rPr>
-                        <a:t>进位制</a:t>
-                      </a:r>
-                      <a:endParaRPr kumimoji="0" lang="zh-CN" altLang="en-US" sz="2400" b="1" i="0" u="none" strike="noStrike" cap="none" normalizeH="0" baseline="0">
-                        <a:ln>
-                          <a:noFill/>
-                        </a:ln>
-                        <a:solidFill>
-                          <a:schemeClr val="tx1"/>
-                        </a:solidFill>
-                        <a:effectLst/>
-                        <a:latin typeface="Arial" panose="020B0604020202090204" pitchFamily="34" charset="0"/>
-                        <a:ea typeface="宋体" pitchFamily="2" charset="-122"/>
-                        <a:cs typeface="Arial" panose="020B0604020202090204" pitchFamily="34" charset="0"/>
-                      </a:endParaRPr>
-                    </a:p>
-                  </a:txBody>
-                  <a:tcPr marL="0" marR="0" marT="0" marB="0" horzOverflow="overflow">
-                    <a:lnL w="12700" cap="flat" cmpd="sng" algn="ctr">
-                      <a:solidFill>
-                        <a:srgbClr val="000000"/>
-                      </a:solidFill>
-                      <a:prstDash val="solid"/>
-                      <a:round/>
-                      <a:headEnd type="none" w="med" len="med"/>
-                      <a:tailEnd type="none" w="med" len="med"/>
-                    </a:lnL>
-                    <a:lnR w="12700" cap="flat" cmpd="sng" algn="ctr">
-                      <a:solidFill>
-                        <a:srgbClr val="000000"/>
-                      </a:solidFill>
-                      <a:prstDash val="solid"/>
-                      <a:round/>
-                      <a:headEnd type="none" w="med" len="med"/>
-                      <a:tailEnd type="none" w="med" len="med"/>
-                    </a:lnR>
-                    <a:lnT w="12700" cap="flat" cmpd="sng" algn="ctr">
-                      <a:solidFill>
-                        <a:srgbClr val="000000"/>
-                      </a:solidFill>
-                      <a:prstDash val="solid"/>
-                      <a:round/>
-                      <a:headEnd type="none" w="med" len="med"/>
-                      <a:tailEnd type="none" w="med" len="med"/>
-                    </a:lnT>
-                    <a:lnB w="12700" cap="flat" cmpd="sng" algn="ctr">
-                      <a:solidFill>
-                        <a:srgbClr val="000000"/>
-                      </a:solidFill>
-                      <a:prstDash val="solid"/>
-                      <a:round/>
-                      <a:headEnd type="none" w="med" len="med"/>
-                      <a:tailEnd type="none" w="med" len="med"/>
-                    </a:lnB>
-                    <a:lnTlToBr>
-                      <a:noFill/>
-                    </a:lnTlToBr>
-                    <a:lnBlToTr>
-                      <a:noFill/>
-                    </a:lnBlToTr>
-                    <a:solidFill>
-                      <a:schemeClr val="accent5">
-                        <a:lumMod val="20000"/>
-                        <a:lumOff val="80000"/>
-                      </a:schemeClr>
-                    </a:solidFill>
-                  </a:tcPr>
-                </a:tc>
-                <a:tc>
-                  <a:txBody>
-                    <a:bodyPr/>
-                    <a:p>
-                      <a:pPr marL="342900" marR="0" lvl="0" indent="-342900" algn="ctr" defTabSz="914400" rtl="0" eaLnBrk="1" fontAlgn="ctr" latinLnBrk="0" hangingPunct="1">
-                        <a:lnSpc>
-                          <a:spcPct val="100000"/>
-                        </a:lnSpc>
-                        <a:spcBef>
-                          <a:spcPct val="0"/>
-                        </a:spcBef>
-                        <a:spcAft>
-                          <a:spcPct val="0"/>
-                        </a:spcAft>
-                        <a:buClrTx/>
-                        <a:buSzTx/>
-                        <a:buFontTx/>
-                        <a:buNone/>
-                      </a:pPr>
-                      <a:endParaRPr kumimoji="0" lang="en-US" altLang="zh-CN" sz="2400" b="1" i="0" u="none" strike="noStrike" cap="none" normalizeH="0" baseline="0">
-                        <a:ln>
-                          <a:noFill/>
-                        </a:ln>
-                        <a:solidFill>
-                          <a:schemeClr val="tx1"/>
-                        </a:solidFill>
-                        <a:effectLst/>
-                        <a:latin typeface="Arial" panose="020B0604020202090204" pitchFamily="34" charset="0"/>
-                        <a:ea typeface="黑体" panose="02010609060101010101" pitchFamily="49" charset="-122"/>
-                        <a:cs typeface="Arial" panose="020B0604020202090204" pitchFamily="34" charset="0"/>
-                      </a:endParaRPr>
-                    </a:p>
-                    <a:p>
-                      <a:pPr marL="342900" marR="0" lvl="0" indent="-342900" algn="ctr" defTabSz="914400" rtl="0" eaLnBrk="1" fontAlgn="ctr" latinLnBrk="0" hangingPunct="1">
-                        <a:lnSpc>
-                          <a:spcPct val="100000"/>
-                        </a:lnSpc>
-                        <a:spcBef>
-                          <a:spcPct val="0"/>
-                        </a:spcBef>
-                        <a:spcAft>
-                          <a:spcPct val="0"/>
-                        </a:spcAft>
-                        <a:buClrTx/>
-                        <a:buSzTx/>
-                        <a:buFontTx/>
-                        <a:buNone/>
-                      </a:pPr>
-                      <a:r>
-                        <a:rPr kumimoji="0" lang="zh-CN" altLang="en-US" sz="2400" b="1" i="0" u="none" strike="noStrike" cap="none" normalizeH="0" baseline="0">
-                          <a:ln>
-                            <a:noFill/>
-                          </a:ln>
-                          <a:solidFill>
-                            <a:schemeClr val="tx1"/>
-                          </a:solidFill>
-                          <a:effectLst/>
-                          <a:latin typeface="Arial" panose="020B0604020202090204" pitchFamily="34" charset="0"/>
-                          <a:ea typeface="黑体" panose="02010609060101010101" pitchFamily="49" charset="-122"/>
-                          <a:cs typeface="Arial" panose="020B0604020202090204" pitchFamily="34" charset="0"/>
-                        </a:rPr>
-                        <a:t>计数规则</a:t>
-                      </a:r>
-                      <a:endParaRPr kumimoji="0" lang="zh-CN" altLang="en-US" sz="2400" b="1" i="0" u="none" strike="noStrike" cap="none" normalizeH="0" baseline="0">
-                        <a:ln>
-                          <a:noFill/>
-                        </a:ln>
-                        <a:solidFill>
-                          <a:schemeClr val="tx1"/>
-                        </a:solidFill>
-                        <a:effectLst/>
-                        <a:latin typeface="Arial" panose="020B0604020202090204" pitchFamily="34" charset="0"/>
-                        <a:ea typeface="宋体" pitchFamily="2" charset="-122"/>
-                        <a:cs typeface="Arial" panose="020B0604020202090204" pitchFamily="34" charset="0"/>
-                      </a:endParaRPr>
-                    </a:p>
-                  </a:txBody>
-                  <a:tcPr marL="0" marR="0" marT="0" marB="0" horzOverflow="overflow">
-                    <a:lnL w="12700" cap="flat" cmpd="sng" algn="ctr">
-                      <a:solidFill>
-                        <a:srgbClr val="000000"/>
-                      </a:solidFill>
-                      <a:prstDash val="solid"/>
-                      <a:round/>
-                      <a:headEnd type="none" w="med" len="med"/>
-                      <a:tailEnd type="none" w="med" len="med"/>
-                    </a:lnL>
-                    <a:lnR w="12700" cap="flat" cmpd="sng" algn="ctr">
-                      <a:solidFill>
-                        <a:srgbClr val="000000"/>
-                      </a:solidFill>
-                      <a:prstDash val="solid"/>
-                      <a:round/>
-                      <a:headEnd type="none" w="med" len="med"/>
-                      <a:tailEnd type="none" w="med" len="med"/>
-                    </a:lnR>
-                    <a:lnT w="12700" cap="flat" cmpd="sng" algn="ctr">
-                      <a:solidFill>
-                        <a:srgbClr val="000000"/>
-                      </a:solidFill>
-                      <a:prstDash val="solid"/>
-                      <a:round/>
-                      <a:headEnd type="none" w="med" len="med"/>
-                      <a:tailEnd type="none" w="med" len="med"/>
-                    </a:lnT>
-                    <a:lnB w="12700" cap="flat" cmpd="sng" algn="ctr">
-                      <a:solidFill>
-                        <a:srgbClr val="000000"/>
-                      </a:solidFill>
-                      <a:prstDash val="solid"/>
-                      <a:round/>
-                      <a:headEnd type="none" w="med" len="med"/>
-                      <a:tailEnd type="none" w="med" len="med"/>
-                    </a:lnB>
-                    <a:lnTlToBr>
-                      <a:noFill/>
-                    </a:lnTlToBr>
-                    <a:lnBlToTr>
-                      <a:noFill/>
-                    </a:lnBlToTr>
-                    <a:solidFill>
-                      <a:schemeClr val="accent5">
-                        <a:lumMod val="20000"/>
-                        <a:lumOff val="80000"/>
-                      </a:schemeClr>
-                    </a:solidFill>
-                  </a:tcPr>
-                </a:tc>
-                <a:tc>
-                  <a:txBody>
-                    <a:bodyPr/>
-                    <a:p>
-                      <a:pPr marL="342900" marR="0" lvl="0" indent="-342900" algn="ctr" defTabSz="914400" rtl="0" eaLnBrk="1" fontAlgn="ctr" latinLnBrk="0" hangingPunct="1">
-                        <a:lnSpc>
-                          <a:spcPct val="100000"/>
-                        </a:lnSpc>
-                        <a:spcBef>
-                          <a:spcPct val="0"/>
-                        </a:spcBef>
-                        <a:spcAft>
-                          <a:spcPct val="0"/>
-                        </a:spcAft>
-                        <a:buClrTx/>
-                        <a:buSzTx/>
-                        <a:buFontTx/>
-                        <a:buNone/>
-                      </a:pPr>
-                      <a:endParaRPr kumimoji="0" lang="en-US" altLang="zh-CN" sz="2400" b="1" i="0" u="none" strike="noStrike" cap="none" normalizeH="0" baseline="0">
-                        <a:ln>
-                          <a:noFill/>
-                        </a:ln>
-                        <a:solidFill>
-                          <a:schemeClr val="tx1"/>
-                        </a:solidFill>
-                        <a:effectLst/>
-                        <a:latin typeface="Arial" panose="020B0604020202090204" pitchFamily="34" charset="0"/>
-                        <a:ea typeface="黑体" panose="02010609060101010101" pitchFamily="49" charset="-122"/>
-                        <a:cs typeface="Arial" panose="020B0604020202090204" pitchFamily="34" charset="0"/>
-                      </a:endParaRPr>
-                    </a:p>
-                    <a:p>
-                      <a:pPr marL="342900" marR="0" lvl="0" indent="-342900" algn="ctr" defTabSz="914400" rtl="0" eaLnBrk="1" fontAlgn="ctr" latinLnBrk="0" hangingPunct="1">
-                        <a:lnSpc>
-                          <a:spcPct val="100000"/>
-                        </a:lnSpc>
-                        <a:spcBef>
-                          <a:spcPct val="0"/>
-                        </a:spcBef>
-                        <a:spcAft>
-                          <a:spcPct val="0"/>
-                        </a:spcAft>
-                        <a:buClrTx/>
-                        <a:buSzTx/>
-                        <a:buFontTx/>
-                        <a:buNone/>
-                      </a:pPr>
-                      <a:r>
-                        <a:rPr kumimoji="0" lang="zh-CN" altLang="en-US" sz="2400" b="1" i="0" u="none" strike="noStrike" cap="none" normalizeH="0" baseline="0">
-                          <a:ln>
-                            <a:noFill/>
-                          </a:ln>
-                          <a:solidFill>
-                            <a:schemeClr val="tx1"/>
-                          </a:solidFill>
-                          <a:effectLst/>
-                          <a:latin typeface="Arial" panose="020B0604020202090204" pitchFamily="34" charset="0"/>
-                          <a:ea typeface="黑体" panose="02010609060101010101" pitchFamily="49" charset="-122"/>
-                          <a:cs typeface="Arial" panose="020B0604020202090204" pitchFamily="34" charset="0"/>
-                        </a:rPr>
-                        <a:t>基数</a:t>
-                      </a:r>
-                      <a:endParaRPr kumimoji="0" lang="zh-CN" altLang="en-US" sz="2400" b="1" i="0" u="none" strike="noStrike" cap="none" normalizeH="0" baseline="0">
-                        <a:ln>
-                          <a:noFill/>
-                        </a:ln>
-                        <a:solidFill>
-                          <a:schemeClr val="tx1"/>
-                        </a:solidFill>
-                        <a:effectLst/>
-                        <a:latin typeface="Arial" panose="020B0604020202090204" pitchFamily="34" charset="0"/>
-                        <a:ea typeface="宋体" pitchFamily="2" charset="-122"/>
-                        <a:cs typeface="Arial" panose="020B0604020202090204" pitchFamily="34" charset="0"/>
-                      </a:endParaRPr>
-                    </a:p>
-                  </a:txBody>
-                  <a:tcPr marL="0" marR="0" marT="0" marB="0" horzOverflow="overflow">
-                    <a:lnL w="12700" cap="flat" cmpd="sng" algn="ctr">
-                      <a:solidFill>
-                        <a:srgbClr val="000000"/>
-                      </a:solidFill>
-                      <a:prstDash val="solid"/>
-                      <a:round/>
-                      <a:headEnd type="none" w="med" len="med"/>
-                      <a:tailEnd type="none" w="med" len="med"/>
-                    </a:lnL>
-                    <a:lnR w="12700" cap="flat" cmpd="sng" algn="ctr">
-                      <a:solidFill>
-                        <a:srgbClr val="000000"/>
-                      </a:solidFill>
-                      <a:prstDash val="solid"/>
-                      <a:round/>
-                      <a:headEnd type="none" w="med" len="med"/>
-                      <a:tailEnd type="none" w="med" len="med"/>
-                    </a:lnR>
-                    <a:lnT w="12700" cap="flat" cmpd="sng" algn="ctr">
-                      <a:solidFill>
-                        <a:srgbClr val="000000"/>
-                      </a:solidFill>
-                      <a:prstDash val="solid"/>
-                      <a:round/>
-                      <a:headEnd type="none" w="med" len="med"/>
-                      <a:tailEnd type="none" w="med" len="med"/>
-                    </a:lnT>
-                    <a:lnB w="12700" cap="flat" cmpd="sng" algn="ctr">
-                      <a:solidFill>
-                        <a:srgbClr val="000000"/>
-                      </a:solidFill>
-                      <a:prstDash val="solid"/>
-                      <a:round/>
-                      <a:headEnd type="none" w="med" len="med"/>
-                      <a:tailEnd type="none" w="med" len="med"/>
-                    </a:lnB>
-                    <a:lnTlToBr>
-                      <a:noFill/>
-                    </a:lnTlToBr>
-                    <a:lnBlToTr>
-                      <a:noFill/>
-                    </a:lnBlToTr>
-                    <a:solidFill>
-                      <a:schemeClr val="accent5">
-                        <a:lumMod val="20000"/>
-                        <a:lumOff val="80000"/>
-                      </a:schemeClr>
-                    </a:solidFill>
-                  </a:tcPr>
-                </a:tc>
-                <a:tc>
-                  <a:txBody>
-                    <a:bodyPr/>
-                    <a:p>
-                      <a:pPr marL="342900" marR="0" lvl="0" indent="-342900" algn="ctr" defTabSz="914400" rtl="0" eaLnBrk="1" fontAlgn="ctr" latinLnBrk="0" hangingPunct="1">
-                        <a:lnSpc>
-                          <a:spcPct val="100000"/>
-                        </a:lnSpc>
-                        <a:spcBef>
-                          <a:spcPct val="0"/>
-                        </a:spcBef>
-                        <a:spcAft>
-                          <a:spcPct val="0"/>
-                        </a:spcAft>
-                        <a:buClrTx/>
-                        <a:buSzTx/>
-                        <a:buFontTx/>
-                        <a:buNone/>
-                      </a:pPr>
-                      <a:endParaRPr kumimoji="0" lang="en-US" altLang="zh-CN" sz="2400" b="1" i="0" u="none" strike="noStrike" cap="none" normalizeH="0" baseline="0">
-                        <a:ln>
-                          <a:noFill/>
-                        </a:ln>
-                        <a:solidFill>
-                          <a:schemeClr val="tx1"/>
-                        </a:solidFill>
-                        <a:effectLst/>
-                        <a:latin typeface="Arial" panose="020B0604020202090204" pitchFamily="34" charset="0"/>
-                        <a:ea typeface="黑体" panose="02010609060101010101" pitchFamily="49" charset="-122"/>
-                        <a:cs typeface="Arial" panose="020B0604020202090204" pitchFamily="34" charset="0"/>
-                      </a:endParaRPr>
-                    </a:p>
-                    <a:p>
-                      <a:pPr marL="342900" marR="0" lvl="0" indent="-342900" algn="ctr" defTabSz="914400" rtl="0" eaLnBrk="1" fontAlgn="ctr" latinLnBrk="0" hangingPunct="1">
-                        <a:lnSpc>
-                          <a:spcPct val="100000"/>
-                        </a:lnSpc>
-                        <a:spcBef>
-                          <a:spcPct val="0"/>
-                        </a:spcBef>
-                        <a:spcAft>
-                          <a:spcPct val="0"/>
-                        </a:spcAft>
-                        <a:buClrTx/>
-                        <a:buSzTx/>
-                        <a:buFontTx/>
-                        <a:buNone/>
-                      </a:pPr>
-                      <a:r>
-                        <a:rPr kumimoji="0" lang="zh-CN" altLang="en-US" sz="2400" b="1" i="0" u="none" strike="noStrike" cap="none" normalizeH="0" baseline="0">
-                          <a:ln>
-                            <a:noFill/>
-                          </a:ln>
-                          <a:solidFill>
-                            <a:schemeClr val="tx1"/>
-                          </a:solidFill>
-                          <a:effectLst/>
-                          <a:latin typeface="Arial" panose="020B0604020202090204" pitchFamily="34" charset="0"/>
-                          <a:ea typeface="黑体" panose="02010609060101010101" pitchFamily="49" charset="-122"/>
-                          <a:cs typeface="Arial" panose="020B0604020202090204" pitchFamily="34" charset="0"/>
-                        </a:rPr>
-                        <a:t>可用数符</a:t>
-                      </a:r>
-                      <a:endParaRPr kumimoji="0" lang="zh-CN" altLang="en-US" sz="2400" b="1" i="0" u="none" strike="noStrike" cap="none" normalizeH="0" baseline="0">
-                        <a:ln>
-                          <a:noFill/>
-                        </a:ln>
-                        <a:solidFill>
-                          <a:schemeClr val="tx1"/>
-                        </a:solidFill>
-                        <a:effectLst/>
-                        <a:latin typeface="Arial" panose="020B0604020202090204" pitchFamily="34" charset="0"/>
-                        <a:ea typeface="宋体" pitchFamily="2" charset="-122"/>
-                        <a:cs typeface="Arial" panose="020B0604020202090204" pitchFamily="34" charset="0"/>
-                      </a:endParaRPr>
-                    </a:p>
-                  </a:txBody>
-                  <a:tcPr marL="0" marR="0" marT="0" marB="0" horzOverflow="overflow">
-                    <a:lnL w="12700" cap="flat" cmpd="sng" algn="ctr">
-                      <a:solidFill>
-                        <a:srgbClr val="000000"/>
-                      </a:solidFill>
-                      <a:prstDash val="solid"/>
-                      <a:round/>
-                      <a:headEnd type="none" w="med" len="med"/>
-                      <a:tailEnd type="none" w="med" len="med"/>
-                    </a:lnL>
-                    <a:lnR w="12700" cap="flat" cmpd="sng" algn="ctr">
-                      <a:solidFill>
-                        <a:srgbClr val="000000"/>
-                      </a:solidFill>
-                      <a:prstDash val="solid"/>
-                      <a:round/>
-                      <a:headEnd type="none" w="med" len="med"/>
-                      <a:tailEnd type="none" w="med" len="med"/>
-                    </a:lnR>
-                    <a:lnT w="12700" cap="flat" cmpd="sng" algn="ctr">
-                      <a:solidFill>
-                        <a:srgbClr val="000000"/>
-                      </a:solidFill>
-                      <a:prstDash val="solid"/>
-                      <a:round/>
-                      <a:headEnd type="none" w="med" len="med"/>
-                      <a:tailEnd type="none" w="med" len="med"/>
-                    </a:lnT>
-                    <a:lnB w="12700" cap="flat" cmpd="sng" algn="ctr">
-                      <a:solidFill>
-                        <a:srgbClr val="000000"/>
-                      </a:solidFill>
-                      <a:prstDash val="solid"/>
-                      <a:round/>
-                      <a:headEnd type="none" w="med" len="med"/>
-                      <a:tailEnd type="none" w="med" len="med"/>
-                    </a:lnB>
-                    <a:lnTlToBr>
-                      <a:noFill/>
-                    </a:lnTlToBr>
-                    <a:lnBlToTr>
-                      <a:noFill/>
-                    </a:lnBlToTr>
-                    <a:solidFill>
-                      <a:schemeClr val="accent5">
-                        <a:lumMod val="20000"/>
-                        <a:lumOff val="80000"/>
-                      </a:schemeClr>
-                    </a:solidFill>
-                  </a:tcPr>
-                </a:tc>
-                <a:tc>
-                  <a:txBody>
-                    <a:bodyPr/>
-                    <a:p>
-                      <a:pPr marL="342900" marR="0" lvl="0" indent="-342900" algn="ctr" defTabSz="914400" rtl="0" eaLnBrk="1" fontAlgn="ctr" latinLnBrk="0" hangingPunct="1">
-                        <a:lnSpc>
-                          <a:spcPct val="100000"/>
-                        </a:lnSpc>
-                        <a:spcBef>
-                          <a:spcPct val="0"/>
-                        </a:spcBef>
-                        <a:spcAft>
-                          <a:spcPct val="0"/>
-                        </a:spcAft>
-                        <a:buClrTx/>
-                        <a:buSzTx/>
-                        <a:buFontTx/>
-                        <a:buNone/>
-                      </a:pPr>
-                      <a:endParaRPr kumimoji="0" lang="en-US" altLang="zh-CN" sz="2400" b="1" i="0" u="none" strike="noStrike" cap="none" normalizeH="0" baseline="0">
-                        <a:ln>
-                          <a:noFill/>
-                        </a:ln>
-                        <a:solidFill>
-                          <a:schemeClr val="tx1"/>
-                        </a:solidFill>
-                        <a:effectLst/>
-                        <a:latin typeface="Arial" panose="020B0604020202090204" pitchFamily="34" charset="0"/>
-                        <a:ea typeface="黑体" panose="02010609060101010101" pitchFamily="49" charset="-122"/>
-                        <a:cs typeface="Arial" panose="020B0604020202090204" pitchFamily="34" charset="0"/>
-                      </a:endParaRPr>
-                    </a:p>
-                    <a:p>
-                      <a:pPr marL="342900" marR="0" lvl="0" indent="-342900" algn="ctr" defTabSz="914400" rtl="0" eaLnBrk="1" fontAlgn="ctr" latinLnBrk="0" hangingPunct="1">
-                        <a:lnSpc>
-                          <a:spcPct val="100000"/>
-                        </a:lnSpc>
-                        <a:spcBef>
-                          <a:spcPct val="0"/>
-                        </a:spcBef>
-                        <a:spcAft>
-                          <a:spcPct val="0"/>
-                        </a:spcAft>
-                        <a:buClrTx/>
-                        <a:buSzTx/>
-                        <a:buFontTx/>
-                        <a:buNone/>
-                      </a:pPr>
-                      <a:r>
-                        <a:rPr kumimoji="0" lang="zh-CN" altLang="en-US" sz="2400" b="1" i="0" u="none" strike="noStrike" cap="none" normalizeH="0" baseline="0">
-                          <a:ln>
-                            <a:noFill/>
-                          </a:ln>
-                          <a:solidFill>
-                            <a:schemeClr val="tx1"/>
-                          </a:solidFill>
-                          <a:effectLst/>
-                          <a:latin typeface="Arial" panose="020B0604020202090204" pitchFamily="34" charset="0"/>
-                          <a:ea typeface="黑体" panose="02010609060101010101" pitchFamily="49" charset="-122"/>
-                          <a:cs typeface="Arial" panose="020B0604020202090204" pitchFamily="34" charset="0"/>
-                        </a:rPr>
-                        <a:t>后缀字符标识</a:t>
-                      </a:r>
-                      <a:endParaRPr kumimoji="0" lang="zh-CN" altLang="en-US" sz="2400" b="1" i="0" u="none" strike="noStrike" cap="none" normalizeH="0" baseline="0">
-                        <a:ln>
-                          <a:noFill/>
-                        </a:ln>
-                        <a:solidFill>
-                          <a:schemeClr val="tx1"/>
-                        </a:solidFill>
-                        <a:effectLst/>
-                        <a:latin typeface="Arial" panose="020B0604020202090204" pitchFamily="34" charset="0"/>
-                        <a:ea typeface="宋体" pitchFamily="2" charset="-122"/>
-                        <a:cs typeface="Arial" panose="020B0604020202090204" pitchFamily="34" charset="0"/>
-                      </a:endParaRPr>
-                    </a:p>
-                  </a:txBody>
-                  <a:tcPr marL="0" marR="0" marT="0" marB="0" horzOverflow="overflow">
-                    <a:lnL w="12700" cap="flat" cmpd="sng" algn="ctr">
-                      <a:solidFill>
-                        <a:srgbClr val="000000"/>
-                      </a:solidFill>
-                      <a:prstDash val="solid"/>
-                      <a:round/>
-                      <a:headEnd type="none" w="med" len="med"/>
-                      <a:tailEnd type="none" w="med" len="med"/>
-                    </a:lnL>
-                    <a:lnR w="12700" cap="flat" cmpd="sng" algn="ctr">
-                      <a:solidFill>
-                        <a:srgbClr val="000000"/>
-                      </a:solidFill>
-                      <a:prstDash val="solid"/>
-                      <a:round/>
-                      <a:headEnd type="none" w="med" len="med"/>
-                      <a:tailEnd type="none" w="med" len="med"/>
-                    </a:lnR>
-                    <a:lnT w="12700" cap="flat" cmpd="sng" algn="ctr">
-                      <a:solidFill>
-                        <a:srgbClr val="000000"/>
-                      </a:solidFill>
-                      <a:prstDash val="solid"/>
-                      <a:round/>
-                      <a:headEnd type="none" w="med" len="med"/>
-                      <a:tailEnd type="none" w="med" len="med"/>
-                    </a:lnT>
-                    <a:lnB w="12700" cap="flat" cmpd="sng" algn="ctr">
-                      <a:solidFill>
-                        <a:srgbClr val="000000"/>
-                      </a:solidFill>
-                      <a:prstDash val="solid"/>
-                      <a:round/>
-                      <a:headEnd type="none" w="med" len="med"/>
-                      <a:tailEnd type="none" w="med" len="med"/>
-                    </a:lnB>
-                    <a:lnTlToBr>
-                      <a:noFill/>
-                    </a:lnTlToBr>
-                    <a:lnBlToTr>
-                      <a:noFill/>
-                    </a:lnBlToTr>
-                    <a:solidFill>
-                      <a:schemeClr val="accent5">
-                        <a:lumMod val="20000"/>
-                        <a:lumOff val="80000"/>
-                      </a:schemeClr>
-                    </a:solidFill>
-                  </a:tcPr>
-                </a:tc>
-              </a:tr>
-              <a:tr h="2694940">
-                <a:tc>
-                  <a:txBody>
-                    <a:bodyPr/>
-                    <a:p>
-                      <a:pPr marL="342900" marR="0" lvl="0" indent="-76200" algn="l" defTabSz="914400" rtl="0" eaLnBrk="1" fontAlgn="base" latinLnBrk="0" hangingPunct="1">
-                        <a:lnSpc>
-                          <a:spcPct val="100000"/>
-                        </a:lnSpc>
-                        <a:spcBef>
-                          <a:spcPct val="0"/>
-                        </a:spcBef>
-                        <a:spcAft>
-                          <a:spcPct val="0"/>
-                        </a:spcAft>
-                        <a:buClrTx/>
-                        <a:buSzTx/>
-                        <a:buFontTx/>
-                        <a:buNone/>
-                      </a:pPr>
-                      <a:r>
-                        <a:rPr kumimoji="0" lang="zh-CN" altLang="en-US" sz="2700" b="1" i="0" u="none" strike="noStrike" cap="none" normalizeH="0" baseline="0">
-                          <a:ln>
-                            <a:noFill/>
-                          </a:ln>
-                          <a:solidFill>
-                            <a:schemeClr val="tx1"/>
-                          </a:solidFill>
-                          <a:effectLst/>
-                          <a:latin typeface="Times New Roman" panose="02020503050405090304" pitchFamily="18" charset="0"/>
-                          <a:ea typeface="宋体" pitchFamily="2" charset="-122"/>
-                        </a:rPr>
-                        <a:t>二进制</a:t>
-                      </a:r>
-                      <a:endParaRPr kumimoji="0" lang="zh-CN" altLang="en-US" sz="2700" b="1" i="0" u="none" strike="noStrike" cap="none" normalizeH="0" baseline="0">
-                        <a:ln>
-                          <a:noFill/>
-                        </a:ln>
-                        <a:solidFill>
-                          <a:schemeClr val="tx1"/>
-                        </a:solidFill>
-                        <a:effectLst/>
-                        <a:latin typeface="Times New Roman" panose="02020503050405090304" pitchFamily="18" charset="0"/>
-                        <a:ea typeface="华文行楷" panose="02010800040101010101" pitchFamily="2" charset="-122"/>
-                        <a:cs typeface="Times New Roman" panose="02020503050405090304" pitchFamily="18" charset="0"/>
-                      </a:endParaRPr>
-                    </a:p>
-                    <a:p>
-                      <a:pPr marL="342900" marR="0" lvl="0" indent="-76200" algn="l" defTabSz="914400" rtl="0" eaLnBrk="0" fontAlgn="base" latinLnBrk="0" hangingPunct="0">
-                        <a:lnSpc>
-                          <a:spcPct val="100000"/>
-                        </a:lnSpc>
-                        <a:spcBef>
-                          <a:spcPct val="0"/>
-                        </a:spcBef>
-                        <a:spcAft>
-                          <a:spcPct val="0"/>
-                        </a:spcAft>
-                        <a:buClrTx/>
-                        <a:buSzTx/>
-                        <a:buFontTx/>
-                        <a:buNone/>
-                      </a:pPr>
-                      <a:r>
-                        <a:rPr kumimoji="0" lang="zh-CN" altLang="en-US" sz="2700" b="1" i="0" u="none" strike="noStrike" cap="none" normalizeH="0" baseline="0">
-                          <a:ln>
-                            <a:noFill/>
-                          </a:ln>
-                          <a:solidFill>
-                            <a:schemeClr val="tx1"/>
-                          </a:solidFill>
-                          <a:effectLst/>
-                          <a:latin typeface="Times New Roman" panose="02020503050405090304" pitchFamily="18" charset="0"/>
-                          <a:ea typeface="宋体" pitchFamily="2" charset="-122"/>
-                        </a:rPr>
-                        <a:t>八进制</a:t>
-                      </a:r>
-                      <a:endParaRPr kumimoji="0" lang="zh-CN" altLang="en-US" sz="2700" b="1" i="0" u="none" strike="noStrike" cap="none" normalizeH="0" baseline="0">
-                        <a:ln>
-                          <a:noFill/>
-                        </a:ln>
-                        <a:solidFill>
-                          <a:schemeClr val="tx1"/>
-                        </a:solidFill>
-                        <a:effectLst/>
-                        <a:latin typeface="Times New Roman" panose="02020503050405090304" pitchFamily="18" charset="0"/>
-                        <a:ea typeface="华文行楷" panose="02010800040101010101" pitchFamily="2" charset="-122"/>
-                        <a:cs typeface="Times New Roman" panose="02020503050405090304" pitchFamily="18" charset="0"/>
-                      </a:endParaRPr>
-                    </a:p>
-                    <a:p>
-                      <a:pPr marL="342900" marR="0" lvl="0" indent="-76200" algn="l" defTabSz="914400" rtl="0" eaLnBrk="0" fontAlgn="base" latinLnBrk="0" hangingPunct="0">
-                        <a:lnSpc>
-                          <a:spcPct val="100000"/>
-                        </a:lnSpc>
-                        <a:spcBef>
-                          <a:spcPct val="0"/>
-                        </a:spcBef>
-                        <a:spcAft>
-                          <a:spcPct val="0"/>
-                        </a:spcAft>
-                        <a:buClrTx/>
-                        <a:buSzTx/>
-                        <a:buFontTx/>
-                        <a:buNone/>
-                      </a:pPr>
-                      <a:r>
-                        <a:rPr kumimoji="0" lang="zh-CN" altLang="en-US" sz="2700" b="1" i="0" u="none" strike="noStrike" cap="none" normalizeH="0" baseline="0">
-                          <a:ln>
-                            <a:noFill/>
-                          </a:ln>
-                          <a:solidFill>
-                            <a:schemeClr val="tx1"/>
-                          </a:solidFill>
-                          <a:effectLst/>
-                          <a:latin typeface="Times New Roman" panose="02020503050405090304" pitchFamily="18" charset="0"/>
-                          <a:ea typeface="宋体" pitchFamily="2" charset="-122"/>
-                        </a:rPr>
-                        <a:t>十进制</a:t>
-                      </a:r>
-                      <a:endParaRPr kumimoji="0" lang="zh-CN" altLang="en-US" sz="2700" b="1" i="0" u="none" strike="noStrike" cap="none" normalizeH="0" baseline="0">
-                        <a:ln>
-                          <a:noFill/>
-                        </a:ln>
-                        <a:solidFill>
-                          <a:schemeClr val="tx1"/>
-                        </a:solidFill>
-                        <a:effectLst/>
-                        <a:latin typeface="Times New Roman" panose="02020503050405090304" pitchFamily="18" charset="0"/>
-                        <a:ea typeface="华文行楷" panose="02010800040101010101" pitchFamily="2" charset="-122"/>
-                        <a:cs typeface="Times New Roman" panose="02020503050405090304" pitchFamily="18" charset="0"/>
-                      </a:endParaRPr>
-                    </a:p>
-                    <a:p>
-                      <a:pPr marL="342900" marR="0" lvl="0" indent="-76200" algn="l" defTabSz="914400" rtl="0" eaLnBrk="0" fontAlgn="base" latinLnBrk="0" hangingPunct="0">
-                        <a:lnSpc>
-                          <a:spcPct val="100000"/>
-                        </a:lnSpc>
-                        <a:spcBef>
-                          <a:spcPct val="0"/>
-                        </a:spcBef>
-                        <a:spcAft>
-                          <a:spcPct val="0"/>
-                        </a:spcAft>
-                        <a:buClrTx/>
-                        <a:buSzTx/>
-                        <a:buFontTx/>
-                        <a:buNone/>
-                      </a:pPr>
-                      <a:r>
-                        <a:rPr kumimoji="0" lang="zh-CN" altLang="en-US" sz="2700" b="1" i="0" u="none" strike="noStrike" cap="none" normalizeH="0" baseline="0">
-                          <a:ln>
-                            <a:noFill/>
-                          </a:ln>
-                          <a:solidFill>
-                            <a:schemeClr val="tx1"/>
-                          </a:solidFill>
-                          <a:effectLst/>
-                          <a:latin typeface="Times New Roman" panose="02020503050405090304" pitchFamily="18" charset="0"/>
-                          <a:ea typeface="宋体" pitchFamily="2" charset="-122"/>
-                        </a:rPr>
-                        <a:t>十六进制</a:t>
-                      </a:r>
-                      <a:endParaRPr kumimoji="0" lang="zh-CN" altLang="en-US" sz="2700" b="1" i="0" u="none" strike="noStrike" cap="none" normalizeH="0" baseline="0">
-                        <a:ln>
-                          <a:noFill/>
-                        </a:ln>
-                        <a:solidFill>
-                          <a:schemeClr val="tx1"/>
-                        </a:solidFill>
-                        <a:effectLst/>
-                        <a:latin typeface="Arial" panose="020B0604020202090204" pitchFamily="34" charset="0"/>
-                        <a:ea typeface="宋体" pitchFamily="2" charset="-122"/>
-                      </a:endParaRPr>
-                    </a:p>
-                  </a:txBody>
-                  <a:tcPr marL="0" marR="0" marT="0" marB="0" horzOverflow="overflow">
-                    <a:lnL w="12700" cap="flat" cmpd="sng" algn="ctr">
-                      <a:solidFill>
-                        <a:srgbClr val="000000"/>
-                      </a:solidFill>
-                      <a:prstDash val="solid"/>
-                      <a:round/>
-                      <a:headEnd type="none" w="med" len="med"/>
-                      <a:tailEnd type="none" w="med" len="med"/>
-                    </a:lnL>
-                    <a:lnR w="12700" cap="flat" cmpd="sng" algn="ctr">
-                      <a:solidFill>
-                        <a:srgbClr val="000000"/>
-                      </a:solidFill>
-                      <a:prstDash val="solid"/>
-                      <a:round/>
-                      <a:headEnd type="none" w="med" len="med"/>
-                      <a:tailEnd type="none" w="med" len="med"/>
-                    </a:lnR>
-                    <a:lnT w="12700" cap="flat" cmpd="sng" algn="ctr">
-                      <a:solidFill>
-                        <a:srgbClr val="000000"/>
-                      </a:solidFill>
-                      <a:prstDash val="solid"/>
-                      <a:round/>
-                      <a:headEnd type="none" w="med" len="med"/>
-                      <a:tailEnd type="none" w="med" len="med"/>
-                    </a:lnT>
-                    <a:lnB w="12700" cap="flat" cmpd="sng" algn="ctr">
-                      <a:solidFill>
-                        <a:srgbClr val="000000"/>
-                      </a:solidFill>
-                      <a:prstDash val="solid"/>
-                      <a:round/>
-                      <a:headEnd type="none" w="med" len="med"/>
-                      <a:tailEnd type="none" w="med" len="med"/>
-                    </a:lnB>
-                    <a:lnTlToBr>
-                      <a:noFill/>
-                    </a:lnTlToBr>
-                    <a:lnBlToTr>
-                      <a:noFill/>
-                    </a:lnBlToTr>
-                    <a:solidFill>
-                      <a:schemeClr val="accent5">
-                        <a:lumMod val="20000"/>
-                        <a:lumOff val="80000"/>
-                      </a:schemeClr>
-                    </a:solidFill>
-                  </a:tcPr>
-                </a:tc>
-                <a:tc>
-                  <a:txBody>
-                    <a:bodyPr/>
-                    <a:p>
-                      <a:pPr marL="342900" marR="0" lvl="0" indent="-76200" algn="l" defTabSz="914400" rtl="0" eaLnBrk="1" fontAlgn="base" latinLnBrk="0" hangingPunct="1">
-                        <a:lnSpc>
-                          <a:spcPct val="100000"/>
-                        </a:lnSpc>
-                        <a:spcBef>
-                          <a:spcPct val="0"/>
-                        </a:spcBef>
-                        <a:spcAft>
-                          <a:spcPct val="0"/>
-                        </a:spcAft>
-                        <a:buClrTx/>
-                        <a:buSzTx/>
-                        <a:buFontTx/>
-                        <a:buNone/>
-                      </a:pPr>
-                      <a:r>
-                        <a:rPr kumimoji="0" lang="zh-CN" altLang="en-US" sz="2700" b="1" i="0" u="none" strike="noStrike" cap="none" normalizeH="0" baseline="0">
-                          <a:ln>
-                            <a:noFill/>
-                          </a:ln>
-                          <a:solidFill>
-                            <a:schemeClr val="tx1"/>
-                          </a:solidFill>
-                          <a:effectLst/>
-                          <a:latin typeface="Times New Roman" panose="02020503050405090304" pitchFamily="18" charset="0"/>
-                          <a:ea typeface="宋体" pitchFamily="2" charset="-122"/>
-                        </a:rPr>
-                        <a:t>逢</a:t>
-                      </a:r>
-                      <a:r>
-                        <a:rPr kumimoji="0" lang="en-US" altLang="zh-CN" sz="2700" b="1" i="0" u="none" strike="noStrike" cap="none" normalizeH="0" baseline="0">
-                          <a:ln>
-                            <a:noFill/>
-                          </a:ln>
-                          <a:solidFill>
-                            <a:schemeClr val="tx1"/>
-                          </a:solidFill>
-                          <a:effectLst/>
-                          <a:latin typeface="Times New Roman" panose="02020503050405090304" pitchFamily="18" charset="0"/>
-                          <a:ea typeface="宋体" pitchFamily="2" charset="-122"/>
-                        </a:rPr>
-                        <a:t>2</a:t>
-                      </a:r>
-                      <a:r>
-                        <a:rPr kumimoji="0" lang="zh-CN" altLang="en-US" sz="2700" b="1" i="0" u="none" strike="noStrike" cap="none" normalizeH="0" baseline="0">
-                          <a:ln>
-                            <a:noFill/>
-                          </a:ln>
-                          <a:solidFill>
-                            <a:schemeClr val="tx1"/>
-                          </a:solidFill>
-                          <a:effectLst/>
-                          <a:latin typeface="Times New Roman" panose="02020503050405090304" pitchFamily="18" charset="0"/>
-                          <a:ea typeface="宋体" pitchFamily="2" charset="-122"/>
-                        </a:rPr>
-                        <a:t>进</a:t>
-                      </a:r>
-                      <a:r>
-                        <a:rPr kumimoji="0" lang="en-US" altLang="zh-CN" sz="2700" b="1" i="0" u="none" strike="noStrike" cap="none" normalizeH="0" baseline="0">
-                          <a:ln>
-                            <a:noFill/>
-                          </a:ln>
-                          <a:solidFill>
-                            <a:schemeClr val="tx1"/>
-                          </a:solidFill>
-                          <a:effectLst/>
-                          <a:latin typeface="Times New Roman" panose="02020503050405090304" pitchFamily="18" charset="0"/>
-                          <a:ea typeface="宋体" pitchFamily="2" charset="-122"/>
-                        </a:rPr>
-                        <a:t>1</a:t>
-                      </a:r>
-                      <a:endParaRPr kumimoji="0" lang="en-US" altLang="zh-CN" sz="2700" b="1" i="0" u="none" strike="noStrike" cap="none" normalizeH="0" baseline="0">
-                        <a:ln>
-                          <a:noFill/>
-                        </a:ln>
-                        <a:solidFill>
-                          <a:schemeClr val="tx1"/>
-                        </a:solidFill>
-                        <a:effectLst/>
-                        <a:latin typeface="Arial" panose="020B0604020202090204" pitchFamily="34" charset="0"/>
-                        <a:ea typeface="华文行楷" panose="02010800040101010101" pitchFamily="2" charset="-122"/>
-                        <a:cs typeface="Times New Roman" panose="02020503050405090304" pitchFamily="18" charset="0"/>
-                      </a:endParaRPr>
-                    </a:p>
-                    <a:p>
-                      <a:pPr marL="342900" marR="0" lvl="0" indent="-76200" algn="l" defTabSz="914400" rtl="0" eaLnBrk="0" fontAlgn="base" latinLnBrk="0" hangingPunct="0">
-                        <a:lnSpc>
-                          <a:spcPct val="100000"/>
-                        </a:lnSpc>
-                        <a:spcBef>
-                          <a:spcPct val="0"/>
-                        </a:spcBef>
-                        <a:spcAft>
-                          <a:spcPct val="0"/>
-                        </a:spcAft>
-                        <a:buClrTx/>
-                        <a:buSzTx/>
-                        <a:buFontTx/>
-                        <a:buNone/>
-                      </a:pPr>
-                      <a:r>
-                        <a:rPr kumimoji="0" lang="zh-CN" altLang="en-US" sz="2700" b="1" i="0" u="none" strike="noStrike" cap="none" normalizeH="0" baseline="0">
-                          <a:ln>
-                            <a:noFill/>
-                          </a:ln>
-                          <a:solidFill>
-                            <a:schemeClr val="tx1"/>
-                          </a:solidFill>
-                          <a:effectLst/>
-                          <a:latin typeface="Times New Roman" panose="02020503050405090304" pitchFamily="18" charset="0"/>
-                          <a:ea typeface="宋体" pitchFamily="2" charset="-122"/>
-                        </a:rPr>
-                        <a:t>逢</a:t>
-                      </a:r>
-                      <a:r>
-                        <a:rPr kumimoji="0" lang="en-US" altLang="zh-CN" sz="2700" b="1" i="0" u="none" strike="noStrike" cap="none" normalizeH="0" baseline="0">
-                          <a:ln>
-                            <a:noFill/>
-                          </a:ln>
-                          <a:solidFill>
-                            <a:schemeClr val="tx1"/>
-                          </a:solidFill>
-                          <a:effectLst/>
-                          <a:latin typeface="Times New Roman" panose="02020503050405090304" pitchFamily="18" charset="0"/>
-                          <a:ea typeface="宋体" pitchFamily="2" charset="-122"/>
-                        </a:rPr>
-                        <a:t>8</a:t>
-                      </a:r>
-                      <a:r>
-                        <a:rPr kumimoji="0" lang="zh-CN" altLang="en-US" sz="2700" b="1" i="0" u="none" strike="noStrike" cap="none" normalizeH="0" baseline="0">
-                          <a:ln>
-                            <a:noFill/>
-                          </a:ln>
-                          <a:solidFill>
-                            <a:schemeClr val="tx1"/>
-                          </a:solidFill>
-                          <a:effectLst/>
-                          <a:latin typeface="Times New Roman" panose="02020503050405090304" pitchFamily="18" charset="0"/>
-                          <a:ea typeface="宋体" pitchFamily="2" charset="-122"/>
-                        </a:rPr>
-                        <a:t>进</a:t>
-                      </a:r>
-                      <a:r>
-                        <a:rPr kumimoji="0" lang="en-US" altLang="zh-CN" sz="2700" b="1" i="0" u="none" strike="noStrike" cap="none" normalizeH="0" baseline="0">
-                          <a:ln>
-                            <a:noFill/>
-                          </a:ln>
-                          <a:solidFill>
-                            <a:schemeClr val="tx1"/>
-                          </a:solidFill>
-                          <a:effectLst/>
-                          <a:latin typeface="Times New Roman" panose="02020503050405090304" pitchFamily="18" charset="0"/>
-                          <a:ea typeface="宋体" pitchFamily="2" charset="-122"/>
-                        </a:rPr>
-                        <a:t>1</a:t>
-                      </a:r>
-                      <a:endParaRPr kumimoji="0" lang="en-US" altLang="zh-CN" sz="2700" b="1" i="0" u="none" strike="noStrike" cap="none" normalizeH="0" baseline="0">
-                        <a:ln>
-                          <a:noFill/>
-                        </a:ln>
-                        <a:solidFill>
-                          <a:schemeClr val="tx1"/>
-                        </a:solidFill>
-                        <a:effectLst/>
-                        <a:latin typeface="Arial" panose="020B0604020202090204" pitchFamily="34" charset="0"/>
-                        <a:ea typeface="华文行楷" panose="02010800040101010101" pitchFamily="2" charset="-122"/>
-                        <a:cs typeface="Times New Roman" panose="02020503050405090304" pitchFamily="18" charset="0"/>
-                      </a:endParaRPr>
-                    </a:p>
-                    <a:p>
-                      <a:pPr marL="342900" marR="0" lvl="0" indent="-76200" algn="l" defTabSz="914400" rtl="0" eaLnBrk="0" fontAlgn="base" latinLnBrk="0" hangingPunct="0">
-                        <a:lnSpc>
-                          <a:spcPct val="100000"/>
-                        </a:lnSpc>
-                        <a:spcBef>
-                          <a:spcPct val="0"/>
-                        </a:spcBef>
-                        <a:spcAft>
-                          <a:spcPct val="0"/>
-                        </a:spcAft>
-                        <a:buClrTx/>
-                        <a:buSzTx/>
-                        <a:buFontTx/>
-                        <a:buNone/>
-                      </a:pPr>
-                      <a:r>
-                        <a:rPr kumimoji="0" lang="zh-CN" altLang="en-US" sz="2700" b="1" i="0" u="none" strike="noStrike" cap="none" normalizeH="0" baseline="0">
-                          <a:ln>
-                            <a:noFill/>
-                          </a:ln>
-                          <a:solidFill>
-                            <a:schemeClr val="tx1"/>
-                          </a:solidFill>
-                          <a:effectLst/>
-                          <a:latin typeface="Times New Roman" panose="02020503050405090304" pitchFamily="18" charset="0"/>
-                          <a:ea typeface="宋体" pitchFamily="2" charset="-122"/>
-                        </a:rPr>
-                        <a:t>逢</a:t>
-                      </a:r>
-                      <a:r>
-                        <a:rPr kumimoji="0" lang="en-US" altLang="zh-CN" sz="2700" b="1" i="0" u="none" strike="noStrike" cap="none" normalizeH="0" baseline="0">
-                          <a:ln>
-                            <a:noFill/>
-                          </a:ln>
-                          <a:solidFill>
-                            <a:schemeClr val="tx1"/>
-                          </a:solidFill>
-                          <a:effectLst/>
-                          <a:latin typeface="Times New Roman" panose="02020503050405090304" pitchFamily="18" charset="0"/>
-                          <a:ea typeface="宋体" pitchFamily="2" charset="-122"/>
-                        </a:rPr>
-                        <a:t>10</a:t>
-                      </a:r>
-                      <a:r>
-                        <a:rPr kumimoji="0" lang="zh-CN" altLang="en-US" sz="2700" b="1" i="0" u="none" strike="noStrike" cap="none" normalizeH="0" baseline="0">
-                          <a:ln>
-                            <a:noFill/>
-                          </a:ln>
-                          <a:solidFill>
-                            <a:schemeClr val="tx1"/>
-                          </a:solidFill>
-                          <a:effectLst/>
-                          <a:latin typeface="Times New Roman" panose="02020503050405090304" pitchFamily="18" charset="0"/>
-                          <a:ea typeface="宋体" pitchFamily="2" charset="-122"/>
-                        </a:rPr>
-                        <a:t>进</a:t>
-                      </a:r>
-                      <a:r>
-                        <a:rPr kumimoji="0" lang="en-US" altLang="zh-CN" sz="2700" b="1" i="0" u="none" strike="noStrike" cap="none" normalizeH="0" baseline="0">
-                          <a:ln>
-                            <a:noFill/>
-                          </a:ln>
-                          <a:solidFill>
-                            <a:schemeClr val="tx1"/>
-                          </a:solidFill>
-                          <a:effectLst/>
-                          <a:latin typeface="Times New Roman" panose="02020503050405090304" pitchFamily="18" charset="0"/>
-                          <a:ea typeface="宋体" pitchFamily="2" charset="-122"/>
-                        </a:rPr>
-                        <a:t>1</a:t>
-                      </a:r>
-                      <a:endParaRPr kumimoji="0" lang="en-US" altLang="zh-CN" sz="2700" b="1" i="0" u="none" strike="noStrike" cap="none" normalizeH="0" baseline="0">
-                        <a:ln>
-                          <a:noFill/>
-                        </a:ln>
-                        <a:solidFill>
-                          <a:schemeClr val="tx1"/>
-                        </a:solidFill>
-                        <a:effectLst/>
-                        <a:latin typeface="Arial" panose="020B0604020202090204" pitchFamily="34" charset="0"/>
-                        <a:ea typeface="华文行楷" panose="02010800040101010101" pitchFamily="2" charset="-122"/>
-                        <a:cs typeface="Times New Roman" panose="02020503050405090304" pitchFamily="18" charset="0"/>
-                      </a:endParaRPr>
-                    </a:p>
-                    <a:p>
-                      <a:pPr marL="342900" marR="0" lvl="0" indent="-76200" algn="l" defTabSz="914400" rtl="0" eaLnBrk="0" fontAlgn="base" latinLnBrk="0" hangingPunct="0">
-                        <a:lnSpc>
-                          <a:spcPct val="100000"/>
-                        </a:lnSpc>
-                        <a:spcBef>
-                          <a:spcPct val="0"/>
-                        </a:spcBef>
-                        <a:spcAft>
-                          <a:spcPct val="0"/>
-                        </a:spcAft>
-                        <a:buClrTx/>
-                        <a:buSzTx/>
-                        <a:buFontTx/>
-                        <a:buNone/>
-                      </a:pPr>
-                      <a:r>
-                        <a:rPr kumimoji="0" lang="zh-CN" altLang="en-US" sz="2700" b="1" i="0" u="none" strike="noStrike" cap="none" normalizeH="0" baseline="0">
-                          <a:ln>
-                            <a:noFill/>
-                          </a:ln>
-                          <a:solidFill>
-                            <a:schemeClr val="tx1"/>
-                          </a:solidFill>
-                          <a:effectLst/>
-                          <a:latin typeface="Times New Roman" panose="02020503050405090304" pitchFamily="18" charset="0"/>
-                          <a:ea typeface="宋体" pitchFamily="2" charset="-122"/>
-                        </a:rPr>
-                        <a:t>逢</a:t>
-                      </a:r>
-                      <a:r>
-                        <a:rPr kumimoji="0" lang="en-US" altLang="zh-CN" sz="2700" b="1" i="0" u="none" strike="noStrike" cap="none" normalizeH="0" baseline="0">
-                          <a:ln>
-                            <a:noFill/>
-                          </a:ln>
-                          <a:solidFill>
-                            <a:schemeClr val="tx1"/>
-                          </a:solidFill>
-                          <a:effectLst/>
-                          <a:latin typeface="Times New Roman" panose="02020503050405090304" pitchFamily="18" charset="0"/>
-                          <a:ea typeface="宋体" pitchFamily="2" charset="-122"/>
-                        </a:rPr>
-                        <a:t>16</a:t>
-                      </a:r>
-                      <a:r>
-                        <a:rPr kumimoji="0" lang="zh-CN" altLang="en-US" sz="2700" b="1" i="0" u="none" strike="noStrike" cap="none" normalizeH="0" baseline="0">
-                          <a:ln>
-                            <a:noFill/>
-                          </a:ln>
-                          <a:solidFill>
-                            <a:schemeClr val="tx1"/>
-                          </a:solidFill>
-                          <a:effectLst/>
-                          <a:latin typeface="Times New Roman" panose="02020503050405090304" pitchFamily="18" charset="0"/>
-                          <a:ea typeface="宋体" pitchFamily="2" charset="-122"/>
-                        </a:rPr>
-                        <a:t>进</a:t>
-                      </a:r>
-                      <a:r>
-                        <a:rPr kumimoji="0" lang="en-US" altLang="zh-CN" sz="2700" b="1" i="0" u="none" strike="noStrike" cap="none" normalizeH="0" baseline="0">
-                          <a:ln>
-                            <a:noFill/>
-                          </a:ln>
-                          <a:solidFill>
-                            <a:schemeClr val="tx1"/>
-                          </a:solidFill>
-                          <a:effectLst/>
-                          <a:latin typeface="Times New Roman" panose="02020503050405090304" pitchFamily="18" charset="0"/>
-                          <a:ea typeface="宋体" pitchFamily="2" charset="-122"/>
-                        </a:rPr>
-                        <a:t>1</a:t>
-                      </a:r>
-                      <a:endParaRPr kumimoji="0" lang="en-US" altLang="zh-CN" sz="2700" b="1" i="0" u="none" strike="noStrike" cap="none" normalizeH="0" baseline="0">
-                        <a:ln>
-                          <a:noFill/>
-                        </a:ln>
-                        <a:solidFill>
-                          <a:schemeClr val="tx1"/>
-                        </a:solidFill>
-                        <a:effectLst/>
-                        <a:latin typeface="Arial" panose="020B0604020202090204" pitchFamily="34" charset="0"/>
-                        <a:ea typeface="宋体" pitchFamily="2" charset="-122"/>
-                      </a:endParaRPr>
-                    </a:p>
-                  </a:txBody>
-                  <a:tcPr marL="0" marR="0" marT="0" marB="0" horzOverflow="overflow">
-                    <a:lnL w="12700" cap="flat" cmpd="sng" algn="ctr">
-                      <a:solidFill>
-                        <a:srgbClr val="000000"/>
-                      </a:solidFill>
-                      <a:prstDash val="solid"/>
-                      <a:round/>
-                      <a:headEnd type="none" w="med" len="med"/>
-                      <a:tailEnd type="none" w="med" len="med"/>
-                    </a:lnL>
-                    <a:lnR w="12700" cap="flat" cmpd="sng" algn="ctr">
-                      <a:solidFill>
-                        <a:srgbClr val="000000"/>
-                      </a:solidFill>
-                      <a:prstDash val="solid"/>
-                      <a:round/>
-                      <a:headEnd type="none" w="med" len="med"/>
-                      <a:tailEnd type="none" w="med" len="med"/>
-                    </a:lnR>
-                    <a:lnT w="12700" cap="flat" cmpd="sng" algn="ctr">
-                      <a:solidFill>
-                        <a:srgbClr val="000000"/>
-                      </a:solidFill>
-                      <a:prstDash val="solid"/>
-                      <a:round/>
-                      <a:headEnd type="none" w="med" len="med"/>
-                      <a:tailEnd type="none" w="med" len="med"/>
-                    </a:lnT>
-                    <a:lnB w="12700" cap="flat" cmpd="sng" algn="ctr">
-                      <a:solidFill>
-                        <a:srgbClr val="000000"/>
-                      </a:solidFill>
-                      <a:prstDash val="solid"/>
-                      <a:round/>
-                      <a:headEnd type="none" w="med" len="med"/>
-                      <a:tailEnd type="none" w="med" len="med"/>
-                    </a:lnB>
-                    <a:lnTlToBr>
-                      <a:noFill/>
-                    </a:lnTlToBr>
-                    <a:lnBlToTr>
-                      <a:noFill/>
-                    </a:lnBlToTr>
-                    <a:solidFill>
-                      <a:schemeClr val="accent5">
-                        <a:lumMod val="20000"/>
-                        <a:lumOff val="80000"/>
-                      </a:schemeClr>
-                    </a:solidFill>
-                  </a:tcPr>
-                </a:tc>
-                <a:tc>
-                  <a:txBody>
-                    <a:bodyPr/>
-                    <a:p>
-                      <a:pPr marL="342900" marR="0" lvl="0" indent="-76200" algn="l" defTabSz="914400" rtl="0" eaLnBrk="1" fontAlgn="base" latinLnBrk="0" hangingPunct="1">
-                        <a:lnSpc>
-                          <a:spcPct val="100000"/>
-                        </a:lnSpc>
-                        <a:spcBef>
-                          <a:spcPct val="0"/>
-                        </a:spcBef>
-                        <a:spcAft>
-                          <a:spcPct val="0"/>
-                        </a:spcAft>
-                        <a:buClrTx/>
-                        <a:buSzTx/>
-                        <a:buFontTx/>
-                        <a:buNone/>
-                      </a:pPr>
-                      <a:r>
-                        <a:rPr kumimoji="0" lang="en-US" altLang="zh-CN" sz="2700" b="1" i="0" u="none" strike="noStrike" cap="none" normalizeH="0" baseline="0">
-                          <a:ln>
-                            <a:noFill/>
-                          </a:ln>
-                          <a:solidFill>
-                            <a:schemeClr val="tx1"/>
-                          </a:solidFill>
-                          <a:effectLst/>
-                          <a:latin typeface="Arial" panose="020B0604020202090204" pitchFamily="34" charset="0"/>
-                          <a:ea typeface="宋体" pitchFamily="2" charset="-122"/>
-                        </a:rPr>
-                        <a:t>2</a:t>
-                      </a:r>
-                      <a:endParaRPr kumimoji="0" lang="en-US" altLang="zh-CN" sz="2700" b="1" i="0" u="none" strike="noStrike" cap="none" normalizeH="0" baseline="0">
-                        <a:ln>
-                          <a:noFill/>
-                        </a:ln>
-                        <a:solidFill>
-                          <a:schemeClr val="tx1"/>
-                        </a:solidFill>
-                        <a:effectLst/>
-                        <a:latin typeface="Arial" panose="020B0604020202090204" pitchFamily="34" charset="0"/>
-                        <a:ea typeface="华文行楷" panose="02010800040101010101" pitchFamily="2" charset="-122"/>
-                        <a:cs typeface="Times New Roman" panose="02020503050405090304" pitchFamily="18" charset="0"/>
-                      </a:endParaRPr>
-                    </a:p>
-                    <a:p>
-                      <a:pPr marL="342900" marR="0" lvl="0" indent="-76200" algn="l" defTabSz="914400" rtl="0" eaLnBrk="0" fontAlgn="base" latinLnBrk="0" hangingPunct="0">
-                        <a:lnSpc>
-                          <a:spcPct val="100000"/>
-                        </a:lnSpc>
-                        <a:spcBef>
-                          <a:spcPct val="0"/>
-                        </a:spcBef>
-                        <a:spcAft>
-                          <a:spcPct val="0"/>
-                        </a:spcAft>
-                        <a:buClrTx/>
-                        <a:buSzTx/>
-                        <a:buFontTx/>
-                        <a:buNone/>
-                      </a:pPr>
-                      <a:r>
-                        <a:rPr kumimoji="0" lang="en-US" altLang="zh-CN" sz="2700" b="1" i="0" u="none" strike="noStrike" cap="none" normalizeH="0" baseline="0">
-                          <a:ln>
-                            <a:noFill/>
-                          </a:ln>
-                          <a:solidFill>
-                            <a:schemeClr val="tx1"/>
-                          </a:solidFill>
-                          <a:effectLst/>
-                          <a:latin typeface="Arial" panose="020B0604020202090204" pitchFamily="34" charset="0"/>
-                          <a:ea typeface="宋体" pitchFamily="2" charset="-122"/>
-                        </a:rPr>
-                        <a:t>8</a:t>
-                      </a:r>
-                      <a:endParaRPr kumimoji="0" lang="en-US" altLang="zh-CN" sz="2700" b="1" i="0" u="none" strike="noStrike" cap="none" normalizeH="0" baseline="0">
-                        <a:ln>
-                          <a:noFill/>
-                        </a:ln>
-                        <a:solidFill>
-                          <a:schemeClr val="tx1"/>
-                        </a:solidFill>
-                        <a:effectLst/>
-                        <a:latin typeface="Arial" panose="020B0604020202090204" pitchFamily="34" charset="0"/>
-                        <a:ea typeface="华文行楷" panose="02010800040101010101" pitchFamily="2" charset="-122"/>
-                        <a:cs typeface="Times New Roman" panose="02020503050405090304" pitchFamily="18" charset="0"/>
-                      </a:endParaRPr>
-                    </a:p>
-                    <a:p>
-                      <a:pPr marL="342900" marR="0" lvl="0" indent="-76200" algn="l" defTabSz="914400" rtl="0" eaLnBrk="0" fontAlgn="base" latinLnBrk="0" hangingPunct="0">
-                        <a:lnSpc>
-                          <a:spcPct val="100000"/>
-                        </a:lnSpc>
-                        <a:spcBef>
-                          <a:spcPct val="0"/>
-                        </a:spcBef>
-                        <a:spcAft>
-                          <a:spcPct val="0"/>
-                        </a:spcAft>
-                        <a:buClrTx/>
-                        <a:buSzTx/>
-                        <a:buFontTx/>
-                        <a:buNone/>
-                      </a:pPr>
-                      <a:r>
-                        <a:rPr kumimoji="0" lang="en-US" altLang="zh-CN" sz="2700" b="1" i="0" u="none" strike="noStrike" cap="none" normalizeH="0" baseline="0">
-                          <a:ln>
-                            <a:noFill/>
-                          </a:ln>
-                          <a:solidFill>
-                            <a:schemeClr val="tx1"/>
-                          </a:solidFill>
-                          <a:effectLst/>
-                          <a:latin typeface="Arial" panose="020B0604020202090204" pitchFamily="34" charset="0"/>
-                          <a:ea typeface="宋体" pitchFamily="2" charset="-122"/>
-                        </a:rPr>
-                        <a:t>10</a:t>
-                      </a:r>
-                      <a:endParaRPr kumimoji="0" lang="en-US" altLang="zh-CN" sz="2700" b="1" i="0" u="none" strike="noStrike" cap="none" normalizeH="0" baseline="0">
-                        <a:ln>
-                          <a:noFill/>
-                        </a:ln>
-                        <a:solidFill>
-                          <a:schemeClr val="tx1"/>
-                        </a:solidFill>
-                        <a:effectLst/>
-                        <a:latin typeface="Arial" panose="020B0604020202090204" pitchFamily="34" charset="0"/>
-                        <a:ea typeface="华文行楷" panose="02010800040101010101" pitchFamily="2" charset="-122"/>
-                        <a:cs typeface="Times New Roman" panose="02020503050405090304" pitchFamily="18" charset="0"/>
-                      </a:endParaRPr>
-                    </a:p>
-                    <a:p>
-                      <a:pPr marL="342900" marR="0" lvl="0" indent="-76200" algn="l" defTabSz="914400" rtl="0" eaLnBrk="0" fontAlgn="base" latinLnBrk="0" hangingPunct="0">
-                        <a:lnSpc>
-                          <a:spcPct val="100000"/>
-                        </a:lnSpc>
-                        <a:spcBef>
-                          <a:spcPct val="0"/>
-                        </a:spcBef>
-                        <a:spcAft>
-                          <a:spcPct val="0"/>
-                        </a:spcAft>
-                        <a:buClrTx/>
-                        <a:buSzTx/>
-                        <a:buFontTx/>
-                        <a:buNone/>
-                      </a:pPr>
-                      <a:r>
-                        <a:rPr kumimoji="0" lang="en-US" altLang="zh-CN" sz="2700" b="1" i="0" u="none" strike="noStrike" cap="none" normalizeH="0" baseline="0">
-                          <a:ln>
-                            <a:noFill/>
-                          </a:ln>
-                          <a:solidFill>
-                            <a:schemeClr val="tx1"/>
-                          </a:solidFill>
-                          <a:effectLst/>
-                          <a:latin typeface="Arial" panose="020B0604020202090204" pitchFamily="34" charset="0"/>
-                          <a:ea typeface="宋体" pitchFamily="2" charset="-122"/>
-                        </a:rPr>
-                        <a:t>16</a:t>
-                      </a:r>
-                      <a:endParaRPr kumimoji="0" lang="en-US" altLang="zh-CN" sz="2700" b="1" i="0" u="none" strike="noStrike" cap="none" normalizeH="0" baseline="0">
-                        <a:ln>
-                          <a:noFill/>
-                        </a:ln>
-                        <a:solidFill>
-                          <a:schemeClr val="tx1"/>
-                        </a:solidFill>
-                        <a:effectLst/>
-                        <a:latin typeface="Arial" panose="020B0604020202090204" pitchFamily="34" charset="0"/>
-                        <a:ea typeface="宋体" pitchFamily="2" charset="-122"/>
-                      </a:endParaRPr>
-                    </a:p>
-                  </a:txBody>
-                  <a:tcPr marL="0" marR="0" marT="0" marB="0" horzOverflow="overflow">
-                    <a:lnL w="12700" cap="flat" cmpd="sng" algn="ctr">
-                      <a:solidFill>
-                        <a:srgbClr val="000000"/>
-                      </a:solidFill>
-                      <a:prstDash val="solid"/>
-                      <a:round/>
-                      <a:headEnd type="none" w="med" len="med"/>
-                      <a:tailEnd type="none" w="med" len="med"/>
-                    </a:lnL>
-                    <a:lnR w="12700" cap="flat" cmpd="sng" algn="ctr">
-                      <a:solidFill>
-                        <a:srgbClr val="000000"/>
-                      </a:solidFill>
-                      <a:prstDash val="solid"/>
-                      <a:round/>
-                      <a:headEnd type="none" w="med" len="med"/>
-                      <a:tailEnd type="none" w="med" len="med"/>
-                    </a:lnR>
-                    <a:lnT w="12700" cap="flat" cmpd="sng" algn="ctr">
-                      <a:solidFill>
-                        <a:srgbClr val="000000"/>
-                      </a:solidFill>
-                      <a:prstDash val="solid"/>
-                      <a:round/>
-                      <a:headEnd type="none" w="med" len="med"/>
-                      <a:tailEnd type="none" w="med" len="med"/>
-                    </a:lnT>
-                    <a:lnB w="12700" cap="flat" cmpd="sng" algn="ctr">
-                      <a:solidFill>
-                        <a:srgbClr val="000000"/>
-                      </a:solidFill>
-                      <a:prstDash val="solid"/>
-                      <a:round/>
-                      <a:headEnd type="none" w="med" len="med"/>
-                      <a:tailEnd type="none" w="med" len="med"/>
-                    </a:lnB>
-                    <a:lnTlToBr>
-                      <a:noFill/>
-                    </a:lnTlToBr>
-                    <a:lnBlToTr>
-                      <a:noFill/>
-                    </a:lnBlToTr>
-                    <a:solidFill>
-                      <a:schemeClr val="accent5">
-                        <a:lumMod val="20000"/>
-                        <a:lumOff val="80000"/>
-                      </a:schemeClr>
-                    </a:solidFill>
-                  </a:tcPr>
-                </a:tc>
-                <a:tc>
-                  <a:txBody>
-                    <a:bodyPr/>
-                    <a:p>
-                      <a:pPr marL="342900" marR="0" lvl="0" indent="-76200" algn="l" defTabSz="914400" rtl="0" eaLnBrk="1" fontAlgn="base" latinLnBrk="0" hangingPunct="1">
-                        <a:lnSpc>
-                          <a:spcPct val="100000"/>
-                        </a:lnSpc>
-                        <a:spcBef>
-                          <a:spcPct val="0"/>
-                        </a:spcBef>
-                        <a:spcAft>
-                          <a:spcPct val="0"/>
-                        </a:spcAft>
-                        <a:buClrTx/>
-                        <a:buSzTx/>
-                        <a:buFontTx/>
-                        <a:buNone/>
-                      </a:pPr>
-                      <a:r>
-                        <a:rPr kumimoji="0" lang="en-US" altLang="zh-CN" sz="2700" b="1" i="0" u="none" strike="noStrike" cap="none" normalizeH="0" baseline="0">
-                          <a:ln>
-                            <a:noFill/>
-                          </a:ln>
-                          <a:solidFill>
-                            <a:schemeClr val="tx1"/>
-                          </a:solidFill>
-                          <a:effectLst/>
-                          <a:latin typeface="Arial" panose="020B0604020202090204" pitchFamily="34" charset="0"/>
-                          <a:ea typeface="宋体" pitchFamily="2" charset="-122"/>
-                        </a:rPr>
-                        <a:t>0,1</a:t>
-                      </a:r>
-                      <a:endParaRPr kumimoji="0" lang="en-US" altLang="zh-CN" sz="2700" b="1" i="0" u="none" strike="noStrike" cap="none" normalizeH="0" baseline="0">
-                        <a:ln>
-                          <a:noFill/>
-                        </a:ln>
-                        <a:solidFill>
-                          <a:schemeClr val="tx1"/>
-                        </a:solidFill>
-                        <a:effectLst/>
-                        <a:latin typeface="Arial" panose="020B0604020202090204" pitchFamily="34" charset="0"/>
-                        <a:ea typeface="华文行楷" panose="02010800040101010101" pitchFamily="2" charset="-122"/>
-                        <a:cs typeface="Times New Roman" panose="02020503050405090304" pitchFamily="18" charset="0"/>
-                      </a:endParaRPr>
-                    </a:p>
-                    <a:p>
-                      <a:pPr marL="342900" marR="0" lvl="0" indent="-76200" algn="l" defTabSz="914400" rtl="0" eaLnBrk="0" fontAlgn="base" latinLnBrk="0" hangingPunct="0">
-                        <a:lnSpc>
-                          <a:spcPct val="100000"/>
-                        </a:lnSpc>
-                        <a:spcBef>
-                          <a:spcPct val="0"/>
-                        </a:spcBef>
-                        <a:spcAft>
-                          <a:spcPct val="0"/>
-                        </a:spcAft>
-                        <a:buClrTx/>
-                        <a:buSzTx/>
-                        <a:buFontTx/>
-                        <a:buNone/>
-                      </a:pPr>
-                      <a:r>
-                        <a:rPr kumimoji="0" lang="en-US" altLang="zh-CN" sz="2700" b="1" i="0" u="none" strike="noStrike" cap="none" normalizeH="0" baseline="0">
-                          <a:ln>
-                            <a:noFill/>
-                          </a:ln>
-                          <a:solidFill>
-                            <a:schemeClr val="tx1"/>
-                          </a:solidFill>
-                          <a:effectLst/>
-                          <a:latin typeface="Arial" panose="020B0604020202090204" pitchFamily="34" charset="0"/>
-                          <a:ea typeface="宋体" pitchFamily="2" charset="-122"/>
-                        </a:rPr>
-                        <a:t>0,1,…,7</a:t>
-                      </a:r>
-                      <a:endParaRPr kumimoji="0" lang="en-US" altLang="zh-CN" sz="2700" b="1" i="0" u="none" strike="noStrike" cap="none" normalizeH="0" baseline="0">
-                        <a:ln>
-                          <a:noFill/>
-                        </a:ln>
-                        <a:solidFill>
-                          <a:schemeClr val="tx1"/>
-                        </a:solidFill>
-                        <a:effectLst/>
-                        <a:latin typeface="Arial" panose="020B0604020202090204" pitchFamily="34" charset="0"/>
-                        <a:ea typeface="华文行楷" panose="02010800040101010101" pitchFamily="2" charset="-122"/>
-                        <a:cs typeface="Times New Roman" panose="02020503050405090304" pitchFamily="18" charset="0"/>
-                      </a:endParaRPr>
-                    </a:p>
-                    <a:p>
-                      <a:pPr marL="342900" marR="0" lvl="0" indent="-76200" algn="l" defTabSz="914400" rtl="0" eaLnBrk="0" fontAlgn="base" latinLnBrk="0" hangingPunct="0">
-                        <a:lnSpc>
-                          <a:spcPct val="100000"/>
-                        </a:lnSpc>
-                        <a:spcBef>
-                          <a:spcPct val="0"/>
-                        </a:spcBef>
-                        <a:spcAft>
-                          <a:spcPct val="0"/>
-                        </a:spcAft>
-                        <a:buClrTx/>
-                        <a:buSzTx/>
-                        <a:buFontTx/>
-                        <a:buNone/>
-                      </a:pPr>
-                      <a:r>
-                        <a:rPr kumimoji="0" lang="en-US" altLang="zh-CN" sz="2700" b="1" i="0" u="none" strike="noStrike" cap="none" normalizeH="0" baseline="0">
-                          <a:ln>
-                            <a:noFill/>
-                          </a:ln>
-                          <a:solidFill>
-                            <a:schemeClr val="tx1"/>
-                          </a:solidFill>
-                          <a:effectLst/>
-                          <a:latin typeface="Arial" panose="020B0604020202090204" pitchFamily="34" charset="0"/>
-                          <a:ea typeface="宋体" pitchFamily="2" charset="-122"/>
-                        </a:rPr>
-                        <a:t>0,1,…,9</a:t>
-                      </a:r>
-                      <a:endParaRPr kumimoji="0" lang="en-US" altLang="zh-CN" sz="2700" b="1" i="0" u="none" strike="noStrike" cap="none" normalizeH="0" baseline="0">
-                        <a:ln>
-                          <a:noFill/>
-                        </a:ln>
-                        <a:solidFill>
-                          <a:schemeClr val="tx1"/>
-                        </a:solidFill>
-                        <a:effectLst/>
-                        <a:latin typeface="Arial" panose="020B0604020202090204" pitchFamily="34" charset="0"/>
-                        <a:ea typeface="华文行楷" panose="02010800040101010101" pitchFamily="2" charset="-122"/>
-                        <a:cs typeface="Times New Roman" panose="02020503050405090304" pitchFamily="18" charset="0"/>
-                      </a:endParaRPr>
-                    </a:p>
-                    <a:p>
-                      <a:pPr marL="342900" marR="0" lvl="0" indent="-76200" algn="l" defTabSz="914400" rtl="0" eaLnBrk="0" fontAlgn="base" latinLnBrk="0" hangingPunct="0">
-                        <a:lnSpc>
-                          <a:spcPct val="100000"/>
-                        </a:lnSpc>
-                        <a:spcBef>
-                          <a:spcPct val="0"/>
-                        </a:spcBef>
-                        <a:spcAft>
-                          <a:spcPct val="0"/>
-                        </a:spcAft>
-                        <a:buClrTx/>
-                        <a:buSzTx/>
-                        <a:buFontTx/>
-                        <a:buNone/>
-                      </a:pPr>
-                      <a:r>
-                        <a:rPr kumimoji="0" lang="en-US" altLang="zh-CN" sz="2700" b="1" i="0" u="none" strike="noStrike" cap="none" normalizeH="0" baseline="0">
-                          <a:ln>
-                            <a:noFill/>
-                          </a:ln>
-                          <a:solidFill>
-                            <a:schemeClr val="tx1"/>
-                          </a:solidFill>
-                          <a:effectLst/>
-                          <a:latin typeface="Arial" panose="020B0604020202090204" pitchFamily="34" charset="0"/>
-                          <a:ea typeface="宋体" pitchFamily="2" charset="-122"/>
-                        </a:rPr>
-                        <a:t>0,1,…,9,A,B,C,D,E,F</a:t>
-                      </a:r>
-                      <a:endParaRPr kumimoji="0" lang="en-US" altLang="zh-CN" sz="2700" b="1" i="0" u="none" strike="noStrike" cap="none" normalizeH="0" baseline="0">
-                        <a:ln>
-                          <a:noFill/>
-                        </a:ln>
-                        <a:solidFill>
-                          <a:schemeClr val="tx1"/>
-                        </a:solidFill>
-                        <a:effectLst/>
-                        <a:latin typeface="Arial" panose="020B0604020202090204" pitchFamily="34" charset="0"/>
-                        <a:ea typeface="宋体" pitchFamily="2" charset="-122"/>
-                      </a:endParaRPr>
-                    </a:p>
-                  </a:txBody>
-                  <a:tcPr marL="0" marR="0" marT="0" marB="0" horzOverflow="overflow">
-                    <a:lnL w="12700" cap="flat" cmpd="sng" algn="ctr">
-                      <a:solidFill>
-                        <a:srgbClr val="000000"/>
-                      </a:solidFill>
-                      <a:prstDash val="solid"/>
-                      <a:round/>
-                      <a:headEnd type="none" w="med" len="med"/>
-                      <a:tailEnd type="none" w="med" len="med"/>
-                    </a:lnL>
-                    <a:lnR w="12700" cap="flat" cmpd="sng" algn="ctr">
-                      <a:solidFill>
-                        <a:srgbClr val="000000"/>
-                      </a:solidFill>
-                      <a:prstDash val="solid"/>
-                      <a:round/>
-                      <a:headEnd type="none" w="med" len="med"/>
-                      <a:tailEnd type="none" w="med" len="med"/>
-                    </a:lnR>
-                    <a:lnT w="12700" cap="flat" cmpd="sng" algn="ctr">
-                      <a:solidFill>
-                        <a:srgbClr val="000000"/>
-                      </a:solidFill>
-                      <a:prstDash val="solid"/>
-                      <a:round/>
-                      <a:headEnd type="none" w="med" len="med"/>
-                      <a:tailEnd type="none" w="med" len="med"/>
-                    </a:lnT>
-                    <a:lnB w="12700" cap="flat" cmpd="sng" algn="ctr">
-                      <a:solidFill>
-                        <a:srgbClr val="000000"/>
-                      </a:solidFill>
-                      <a:prstDash val="solid"/>
-                      <a:round/>
-                      <a:headEnd type="none" w="med" len="med"/>
-                      <a:tailEnd type="none" w="med" len="med"/>
-                    </a:lnB>
-                    <a:lnTlToBr>
-                      <a:noFill/>
-                    </a:lnTlToBr>
-                    <a:lnBlToTr>
-                      <a:noFill/>
-                    </a:lnBlToTr>
-                    <a:solidFill>
-                      <a:schemeClr val="accent5">
-                        <a:lumMod val="20000"/>
-                        <a:lumOff val="80000"/>
-                      </a:schemeClr>
-                    </a:solidFill>
-                  </a:tcPr>
-                </a:tc>
-                <a:tc>
-                  <a:txBody>
-                    <a:bodyPr/>
-                    <a:p>
-                      <a:pPr marL="342900" marR="0" lvl="0" indent="-76200" algn="l" defTabSz="914400" rtl="0" eaLnBrk="1" fontAlgn="base" latinLnBrk="0" hangingPunct="1">
-                        <a:lnSpc>
-                          <a:spcPct val="100000"/>
-                        </a:lnSpc>
-                        <a:spcBef>
-                          <a:spcPct val="0"/>
-                        </a:spcBef>
-                        <a:spcAft>
-                          <a:spcPct val="0"/>
-                        </a:spcAft>
-                        <a:buClrTx/>
-                        <a:buSzTx/>
-                        <a:buFontTx/>
-                        <a:buNone/>
-                      </a:pPr>
-                      <a:r>
-                        <a:rPr kumimoji="0" lang="en-US" altLang="zh-CN" sz="2700" b="1" i="0" u="none" strike="noStrike" cap="none" normalizeH="0" baseline="0">
-                          <a:ln>
-                            <a:noFill/>
-                          </a:ln>
-                          <a:solidFill>
-                            <a:schemeClr val="tx1"/>
-                          </a:solidFill>
-                          <a:effectLst/>
-                          <a:latin typeface="Arial" panose="020B0604020202090204" pitchFamily="34" charset="0"/>
-                          <a:ea typeface="宋体" pitchFamily="2" charset="-122"/>
-                        </a:rPr>
-                        <a:t>B</a:t>
-                      </a:r>
-                      <a:endParaRPr kumimoji="0" lang="en-US" altLang="zh-CN" sz="2700" b="1" i="0" u="none" strike="noStrike" cap="none" normalizeH="0" baseline="0">
-                        <a:ln>
-                          <a:noFill/>
-                        </a:ln>
-                        <a:solidFill>
-                          <a:schemeClr val="tx1"/>
-                        </a:solidFill>
-                        <a:effectLst/>
-                        <a:latin typeface="Arial" panose="020B0604020202090204" pitchFamily="34" charset="0"/>
-                        <a:ea typeface="华文行楷" panose="02010800040101010101" pitchFamily="2" charset="-122"/>
-                        <a:cs typeface="Times New Roman" panose="02020503050405090304" pitchFamily="18" charset="0"/>
-                      </a:endParaRPr>
-                    </a:p>
-                    <a:p>
-                      <a:pPr marL="342900" marR="0" lvl="0" indent="-76200" algn="l" defTabSz="914400" rtl="0" eaLnBrk="0" fontAlgn="base" latinLnBrk="0" hangingPunct="0">
-                        <a:lnSpc>
-                          <a:spcPct val="100000"/>
-                        </a:lnSpc>
-                        <a:spcBef>
-                          <a:spcPct val="0"/>
-                        </a:spcBef>
-                        <a:spcAft>
-                          <a:spcPct val="0"/>
-                        </a:spcAft>
-                        <a:buClrTx/>
-                        <a:buSzTx/>
-                        <a:buFontTx/>
-                        <a:buNone/>
-                      </a:pPr>
-                      <a:r>
-                        <a:rPr kumimoji="0" lang="en-US" altLang="zh-CN" sz="2700" b="1" i="0" u="none" strike="noStrike" cap="none" normalizeH="0" baseline="0">
-                          <a:ln>
-                            <a:noFill/>
-                          </a:ln>
-                          <a:solidFill>
-                            <a:schemeClr val="tx1"/>
-                          </a:solidFill>
-                          <a:effectLst/>
-                          <a:latin typeface="Arial" panose="020B0604020202090204" pitchFamily="34" charset="0"/>
-                          <a:ea typeface="华文行楷" panose="02010800040101010101" pitchFamily="2" charset="-122"/>
-                          <a:cs typeface="Times New Roman" panose="02020503050405090304" pitchFamily="18" charset="0"/>
-                        </a:rPr>
-                        <a:t>O</a:t>
-                      </a:r>
-                      <a:endParaRPr kumimoji="0" lang="en-US" altLang="zh-CN" sz="2700" b="1" i="0" u="none" strike="noStrike" cap="none" normalizeH="0" baseline="0">
-                        <a:ln>
-                          <a:noFill/>
-                        </a:ln>
-                        <a:solidFill>
-                          <a:schemeClr val="tx1"/>
-                        </a:solidFill>
-                        <a:effectLst/>
-                        <a:latin typeface="Arial" panose="020B0604020202090204" pitchFamily="34" charset="0"/>
-                        <a:ea typeface="华文行楷" panose="02010800040101010101" pitchFamily="2" charset="-122"/>
-                        <a:cs typeface="Times New Roman" panose="02020503050405090304" pitchFamily="18" charset="0"/>
-                      </a:endParaRPr>
-                    </a:p>
-                    <a:p>
-                      <a:pPr marL="342900" marR="0" lvl="0" indent="-76200" algn="l" defTabSz="914400" rtl="0" eaLnBrk="0" fontAlgn="base" latinLnBrk="0" hangingPunct="0">
-                        <a:lnSpc>
-                          <a:spcPct val="100000"/>
-                        </a:lnSpc>
-                        <a:spcBef>
-                          <a:spcPct val="0"/>
-                        </a:spcBef>
-                        <a:spcAft>
-                          <a:spcPct val="0"/>
-                        </a:spcAft>
-                        <a:buClrTx/>
-                        <a:buSzTx/>
-                        <a:buFontTx/>
-                        <a:buNone/>
-                      </a:pPr>
-                      <a:r>
-                        <a:rPr kumimoji="0" lang="en-US" altLang="zh-CN" sz="2700" b="1" i="0" u="none" strike="noStrike" cap="none" normalizeH="0" baseline="0">
-                          <a:ln>
-                            <a:noFill/>
-                          </a:ln>
-                          <a:solidFill>
-                            <a:schemeClr val="tx1"/>
-                          </a:solidFill>
-                          <a:effectLst/>
-                          <a:latin typeface="Arial" panose="020B0604020202090204" pitchFamily="34" charset="0"/>
-                          <a:ea typeface="宋体" pitchFamily="2" charset="-122"/>
-                        </a:rPr>
-                        <a:t>D</a:t>
-                      </a:r>
-                      <a:endParaRPr kumimoji="0" lang="en-US" altLang="zh-CN" sz="2700" b="1" i="0" u="none" strike="noStrike" cap="none" normalizeH="0" baseline="0">
-                        <a:ln>
-                          <a:noFill/>
-                        </a:ln>
-                        <a:solidFill>
-                          <a:schemeClr val="tx1"/>
-                        </a:solidFill>
-                        <a:effectLst/>
-                        <a:latin typeface="Arial" panose="020B0604020202090204" pitchFamily="34" charset="0"/>
-                        <a:ea typeface="华文行楷" panose="02010800040101010101" pitchFamily="2" charset="-122"/>
-                        <a:cs typeface="Times New Roman" panose="02020503050405090304" pitchFamily="18" charset="0"/>
-                      </a:endParaRPr>
-                    </a:p>
-                    <a:p>
-                      <a:pPr marL="342900" marR="0" lvl="0" indent="-76200" algn="l" defTabSz="914400" rtl="0" eaLnBrk="0" fontAlgn="base" latinLnBrk="0" hangingPunct="0">
-                        <a:lnSpc>
-                          <a:spcPct val="100000"/>
-                        </a:lnSpc>
-                        <a:spcBef>
-                          <a:spcPct val="0"/>
-                        </a:spcBef>
-                        <a:spcAft>
-                          <a:spcPct val="0"/>
-                        </a:spcAft>
-                        <a:buClrTx/>
-                        <a:buSzTx/>
-                        <a:buFontTx/>
-                        <a:buNone/>
-                      </a:pPr>
-                      <a:r>
-                        <a:rPr kumimoji="0" lang="en-US" altLang="zh-CN" sz="2700" b="1" i="0" u="none" strike="noStrike" cap="none" normalizeH="0" baseline="0">
-                          <a:ln>
-                            <a:noFill/>
-                          </a:ln>
-                          <a:solidFill>
-                            <a:schemeClr val="tx1"/>
-                          </a:solidFill>
-                          <a:effectLst/>
-                          <a:latin typeface="Arial" panose="020B0604020202090204" pitchFamily="34" charset="0"/>
-                          <a:ea typeface="宋体" pitchFamily="2" charset="-122"/>
-                        </a:rPr>
-                        <a:t>H</a:t>
-                      </a:r>
-                      <a:endParaRPr kumimoji="0" lang="en-US" altLang="zh-CN" sz="2700" b="1" i="0" u="none" strike="noStrike" cap="none" normalizeH="0" baseline="0">
-                        <a:ln>
-                          <a:noFill/>
-                        </a:ln>
-                        <a:solidFill>
-                          <a:schemeClr val="tx1"/>
-                        </a:solidFill>
-                        <a:effectLst/>
-                        <a:latin typeface="Arial" panose="020B0604020202090204" pitchFamily="34" charset="0"/>
-                        <a:ea typeface="宋体" pitchFamily="2" charset="-122"/>
-                      </a:endParaRPr>
-                    </a:p>
-                  </a:txBody>
-                  <a:tcPr marL="0" marR="0" marT="0" marB="0" horzOverflow="overflow">
-                    <a:lnL w="12700" cap="flat" cmpd="sng" algn="ctr">
-                      <a:solidFill>
-                        <a:srgbClr val="000000"/>
-                      </a:solidFill>
-                      <a:prstDash val="solid"/>
-                      <a:round/>
-                      <a:headEnd type="none" w="med" len="med"/>
-                      <a:tailEnd type="none" w="med" len="med"/>
-                    </a:lnL>
-                    <a:lnR w="12700" cap="flat" cmpd="sng" algn="ctr">
-                      <a:solidFill>
-                        <a:srgbClr val="000000"/>
-                      </a:solidFill>
-                      <a:prstDash val="solid"/>
-                      <a:round/>
-                      <a:headEnd type="none" w="med" len="med"/>
-                      <a:tailEnd type="none" w="med" len="med"/>
-                    </a:lnR>
-                    <a:lnT w="12700" cap="flat" cmpd="sng" algn="ctr">
-                      <a:solidFill>
-                        <a:srgbClr val="000000"/>
-                      </a:solidFill>
-                      <a:prstDash val="solid"/>
-                      <a:round/>
-                      <a:headEnd type="none" w="med" len="med"/>
-                      <a:tailEnd type="none" w="med" len="med"/>
-                    </a:lnT>
-                    <a:lnB w="12700" cap="flat" cmpd="sng" algn="ctr">
-                      <a:solidFill>
-                        <a:srgbClr val="000000"/>
-                      </a:solidFill>
-                      <a:prstDash val="solid"/>
-                      <a:round/>
-                      <a:headEnd type="none" w="med" len="med"/>
-                      <a:tailEnd type="none" w="med" len="med"/>
-                    </a:lnB>
-                    <a:lnTlToBr>
-                      <a:noFill/>
-                    </a:lnTlToBr>
-                    <a:lnBlToTr>
-                      <a:noFill/>
-                    </a:lnBlToTr>
-                    <a:solidFill>
-                      <a:schemeClr val="accent5">
-                        <a:lumMod val="20000"/>
-                        <a:lumOff val="80000"/>
-                      </a:schemeClr>
-                    </a:solidFill>
-                  </a:tcPr>
-                </a:tc>
-              </a:tr>
-            </a:tbl>
-          </a:graphicData>
-        </a:graphic>
-      </p:graphicFrame>
-    </p:spTree>
-  </p:cSld>
-  <p:clrMapOvr>
-    <a:masterClrMapping/>
-  </p:clrMapOvr>
-  <p:timing>
-    <p:tnLst>
-      <p:par>
-        <p:cTn id="1" dur="indefinite" restart="never" nodeType="tmRoot"/>
-      </p:par>
-    </p:tnLst>
-  </p:timing>
-</p:sld>
-</file>
-
-<file path=ppt/slides/slide40.xml><?xml version="1.0" encoding="utf-8"?>
+<file path=ppt/slides/slide43.xml><?xml version="1.0" encoding="utf-8"?>
 <p:sld xmlns:a="http://schemas.openxmlformats.org/drawingml/2006/main" xmlns:r="http://schemas.openxmlformats.org/officeDocument/2006/relationships" xmlns:p="http://schemas.openxmlformats.org/presentationml/2006/main">
   <p:cSld>
     <p:spTree>
@@ -31429,7 +32217,7 @@
                   <a:srgbClr val="FF0000"/>
                 </a:solidFill>
               </a:rPr>
-              <a:t>3 </a:t>
+              <a:t>k </a:t>
             </a:r>
             <a:r>
               <a:rPr lang="zh-CN" altLang="en-US" sz="3200">
@@ -31914,7 +32702,7 @@
 </p:sld>
 </file>
 
-<file path=ppt/slides/slide41.xml><?xml version="1.0" encoding="utf-8"?>
+<file path=ppt/slides/slide44.xml><?xml version="1.0" encoding="utf-8"?>
 <p:sld xmlns:a="http://schemas.openxmlformats.org/drawingml/2006/main" xmlns:r="http://schemas.openxmlformats.org/officeDocument/2006/relationships" xmlns:p="http://schemas.openxmlformats.org/presentationml/2006/main">
   <p:cSld>
     <p:spTree>
@@ -32035,7 +32823,7 @@
 </p:sld>
 </file>
 
-<file path=ppt/slides/slide42.xml><?xml version="1.0" encoding="utf-8"?>
+<file path=ppt/slides/slide45.xml><?xml version="1.0" encoding="utf-8"?>
 <p:sld xmlns:a="http://schemas.openxmlformats.org/drawingml/2006/main" xmlns:r="http://schemas.openxmlformats.org/officeDocument/2006/relationships" xmlns:p="http://schemas.openxmlformats.org/presentationml/2006/main">
   <p:cSld>
     <p:spTree>
@@ -32117,6 +32905,717 @@
           </a:prstGeom>
         </p:spPr>
       </p:pic>
+    </p:spTree>
+  </p:cSld>
+  <p:clrMapOvr>
+    <a:masterClrMapping/>
+  </p:clrMapOvr>
+  <p:timing>
+    <p:tnLst>
+      <p:par>
+        <p:cTn id="1" dur="indefinite" restart="never" nodeType="tmRoot"/>
+      </p:par>
+    </p:tnLst>
+  </p:timing>
+</p:sld>
+</file>
+
+<file path=ppt/slides/slide46.xml><?xml version="1.0" encoding="utf-8"?>
+<p:sld xmlns:a="http://schemas.openxmlformats.org/drawingml/2006/main" xmlns:r="http://schemas.openxmlformats.org/officeDocument/2006/relationships" xmlns:p="http://schemas.openxmlformats.org/presentationml/2006/main">
+  <p:cSld>
+    <p:spTree>
+      <p:nvGrpSpPr>
+        <p:cNvPr id="1" name=""/>
+        <p:cNvGrpSpPr/>
+        <p:nvPr/>
+      </p:nvGrpSpPr>
+      <p:grpSpPr/>
+      <p:sp>
+        <p:nvSpPr>
+          <p:cNvPr id="2" name="标题 1"/>
+          <p:cNvSpPr>
+            <a:spLocks noGrp="1"/>
+          </p:cNvSpPr>
+          <p:nvPr>
+            <p:ph type="title"/>
+          </p:nvPr>
+        </p:nvSpPr>
+        <p:spPr>
+          <a:xfrm>
+            <a:off x="654685" y="0"/>
+            <a:ext cx="10523220" cy="1233805"/>
+          </a:xfrm>
+        </p:spPr>
+        <p:txBody>
+          <a:bodyPr>
+            <a:normAutofit/>
+          </a:bodyPr>
+          <a:p>
+            <a:pPr algn="l">
+              <a:buClrTx/>
+              <a:buSzTx/>
+              <a:buFontTx/>
+            </a:pPr>
+            <a:r>
+              <a:rPr>
+                <a:solidFill>
+                  <a:srgbClr val="00B0F0"/>
+                </a:solidFill>
+                <a:latin typeface="Calibri" charset="0"/>
+                <a:cs typeface="宋体" charset="0"/>
+                <a:sym typeface="+mn-ea"/>
+              </a:rPr>
+              <a:t>Y1597 滑动窗口</a:t>
+            </a:r>
+            <a:r>
+              <a:rPr lang="en-US">
+                <a:solidFill>
+                  <a:srgbClr val="00B0F0"/>
+                </a:solidFill>
+                <a:latin typeface="Calibri" charset="0"/>
+                <a:cs typeface="宋体" charset="0"/>
+                <a:sym typeface="+mn-ea"/>
+              </a:rPr>
+              <a:t>(</a:t>
+            </a:r>
+            <a:r>
+              <a:rPr lang="zh-CN" altLang="en-US">
+                <a:solidFill>
+                  <a:srgbClr val="00B0F0"/>
+                </a:solidFill>
+                <a:latin typeface="Calibri" charset="0"/>
+                <a:cs typeface="宋体" charset="0"/>
+                <a:sym typeface="+mn-ea"/>
+              </a:rPr>
+              <a:t>完整代码</a:t>
+            </a:r>
+            <a:r>
+              <a:rPr lang="en-US">
+                <a:solidFill>
+                  <a:srgbClr val="00B0F0"/>
+                </a:solidFill>
+                <a:latin typeface="Calibri" charset="0"/>
+                <a:cs typeface="宋体" charset="0"/>
+                <a:sym typeface="+mn-ea"/>
+              </a:rPr>
+              <a:t>)</a:t>
+            </a:r>
+            <a:endParaRPr lang="en-US">
+              <a:solidFill>
+                <a:srgbClr val="00B0F0"/>
+              </a:solidFill>
+              <a:latin typeface="Calibri" charset="0"/>
+              <a:cs typeface="宋体" charset="0"/>
+              <a:sym typeface="+mn-ea"/>
+            </a:endParaRPr>
+          </a:p>
+        </p:txBody>
+      </p:sp>
+      <p:sp>
+        <p:nvSpPr>
+          <p:cNvPr id="3" name="文本框 2"/>
+          <p:cNvSpPr txBox="1"/>
+          <p:nvPr/>
+        </p:nvSpPr>
+        <p:spPr>
+          <a:xfrm>
+            <a:off x="74930" y="831850"/>
+            <a:ext cx="5395595" cy="5908040"/>
+          </a:xfrm>
+          <a:prstGeom prst="rect">
+            <a:avLst/>
+          </a:prstGeom>
+          <a:noFill/>
+        </p:spPr>
+        <p:txBody>
+          <a:bodyPr wrap="square" rtlCol="0">
+            <a:spAutoFit/>
+          </a:bodyPr>
+          <a:p>
+            <a:r>
+              <a:rPr lang="zh-CN" altLang="en-US">
+                <a:latin typeface="Times New Roman Regular" panose="02020503050405090304" charset="0"/>
+                <a:cs typeface="Times New Roman Regular" panose="02020503050405090304" charset="0"/>
+              </a:rPr>
+              <a:t>#include &lt;iostream&gt;</a:t>
+            </a:r>
+            <a:endParaRPr lang="zh-CN" altLang="en-US">
+              <a:latin typeface="Times New Roman Regular" panose="02020503050405090304" charset="0"/>
+              <a:cs typeface="Times New Roman Regular" panose="02020503050405090304" charset="0"/>
+            </a:endParaRPr>
+          </a:p>
+          <a:p>
+            <a:r>
+              <a:rPr lang="zh-CN" altLang="en-US">
+                <a:latin typeface="Times New Roman Regular" panose="02020503050405090304" charset="0"/>
+                <a:cs typeface="Times New Roman Regular" panose="02020503050405090304" charset="0"/>
+              </a:rPr>
+              <a:t>using namespace std;</a:t>
+            </a:r>
+            <a:endParaRPr lang="zh-CN" altLang="en-US">
+              <a:latin typeface="Times New Roman Regular" panose="02020503050405090304" charset="0"/>
+              <a:cs typeface="Times New Roman Regular" panose="02020503050405090304" charset="0"/>
+            </a:endParaRPr>
+          </a:p>
+          <a:p>
+            <a:endParaRPr lang="zh-CN" altLang="en-US">
+              <a:latin typeface="Times New Roman Regular" panose="02020503050405090304" charset="0"/>
+              <a:cs typeface="Times New Roman Regular" panose="02020503050405090304" charset="0"/>
+            </a:endParaRPr>
+          </a:p>
+          <a:p>
+            <a:r>
+              <a:rPr lang="zh-CN" altLang="en-US">
+                <a:latin typeface="Times New Roman Regular" panose="02020503050405090304" charset="0"/>
+                <a:cs typeface="Times New Roman Regular" panose="02020503050405090304" charset="0"/>
+              </a:rPr>
+              <a:t>int main() {</a:t>
+            </a:r>
+            <a:endParaRPr lang="zh-CN" altLang="en-US">
+              <a:latin typeface="Times New Roman Regular" panose="02020503050405090304" charset="0"/>
+              <a:cs typeface="Times New Roman Regular" panose="02020503050405090304" charset="0"/>
+            </a:endParaRPr>
+          </a:p>
+          <a:p>
+            <a:r>
+              <a:rPr lang="zh-CN" altLang="en-US">
+                <a:latin typeface="Times New Roman Regular" panose="02020503050405090304" charset="0"/>
+                <a:cs typeface="Times New Roman Regular" panose="02020503050405090304" charset="0"/>
+              </a:rPr>
+              <a:t>    int n, k;</a:t>
+            </a:r>
+            <a:endParaRPr lang="zh-CN" altLang="en-US">
+              <a:latin typeface="Times New Roman Regular" panose="02020503050405090304" charset="0"/>
+              <a:cs typeface="Times New Roman Regular" panose="02020503050405090304" charset="0"/>
+            </a:endParaRPr>
+          </a:p>
+          <a:p>
+            <a:r>
+              <a:rPr lang="zh-CN" altLang="en-US">
+                <a:latin typeface="Times New Roman Regular" panose="02020503050405090304" charset="0"/>
+                <a:cs typeface="Times New Roman Regular" panose="02020503050405090304" charset="0"/>
+              </a:rPr>
+              <a:t>    cin &gt;&gt; n &gt;&gt; k;</a:t>
+            </a:r>
+            <a:endParaRPr lang="zh-CN" altLang="en-US">
+              <a:latin typeface="Times New Roman Regular" panose="02020503050405090304" charset="0"/>
+              <a:cs typeface="Times New Roman Regular" panose="02020503050405090304" charset="0"/>
+            </a:endParaRPr>
+          </a:p>
+          <a:p>
+            <a:r>
+              <a:rPr lang="zh-CN" altLang="en-US">
+                <a:latin typeface="Times New Roman Regular" panose="02020503050405090304" charset="0"/>
+                <a:cs typeface="Times New Roman Regular" panose="02020503050405090304" charset="0"/>
+              </a:rPr>
+              <a:t>    int nums[n];</a:t>
+            </a:r>
+            <a:endParaRPr lang="zh-CN" altLang="en-US">
+              <a:latin typeface="Times New Roman Regular" panose="02020503050405090304" charset="0"/>
+              <a:cs typeface="Times New Roman Regular" panose="02020503050405090304" charset="0"/>
+            </a:endParaRPr>
+          </a:p>
+          <a:p>
+            <a:endParaRPr lang="zh-CN" altLang="en-US">
+              <a:latin typeface="Times New Roman Regular" panose="02020503050405090304" charset="0"/>
+              <a:cs typeface="Times New Roman Regular" panose="02020503050405090304" charset="0"/>
+            </a:endParaRPr>
+          </a:p>
+          <a:p>
+            <a:r>
+              <a:rPr lang="zh-CN" altLang="en-US">
+                <a:latin typeface="Times New Roman Regular" panose="02020503050405090304" charset="0"/>
+                <a:cs typeface="Times New Roman Regular" panose="02020503050405090304" charset="0"/>
+              </a:rPr>
+              <a:t>    for (int i = 0; i &lt; n; ++i) {</a:t>
+            </a:r>
+            <a:endParaRPr lang="zh-CN" altLang="en-US">
+              <a:latin typeface="Times New Roman Regular" panose="02020503050405090304" charset="0"/>
+              <a:cs typeface="Times New Roman Regular" panose="02020503050405090304" charset="0"/>
+            </a:endParaRPr>
+          </a:p>
+          <a:p>
+            <a:r>
+              <a:rPr lang="zh-CN" altLang="en-US">
+                <a:latin typeface="Times New Roman Regular" panose="02020503050405090304" charset="0"/>
+                <a:cs typeface="Times New Roman Regular" panose="02020503050405090304" charset="0"/>
+              </a:rPr>
+              <a:t>        cin &gt;&gt; nums[i];</a:t>
+            </a:r>
+            <a:endParaRPr lang="zh-CN" altLang="en-US">
+              <a:latin typeface="Times New Roman Regular" panose="02020503050405090304" charset="0"/>
+              <a:cs typeface="Times New Roman Regular" panose="02020503050405090304" charset="0"/>
+            </a:endParaRPr>
+          </a:p>
+          <a:p>
+            <a:r>
+              <a:rPr lang="zh-CN" altLang="en-US">
+                <a:latin typeface="Times New Roman Regular" panose="02020503050405090304" charset="0"/>
+                <a:cs typeface="Times New Roman Regular" panose="02020503050405090304" charset="0"/>
+              </a:rPr>
+              <a:t>    }</a:t>
+            </a:r>
+            <a:endParaRPr lang="zh-CN" altLang="en-US">
+              <a:latin typeface="Times New Roman Regular" panose="02020503050405090304" charset="0"/>
+              <a:cs typeface="Times New Roman Regular" panose="02020503050405090304" charset="0"/>
+            </a:endParaRPr>
+          </a:p>
+          <a:p>
+            <a:r>
+              <a:rPr lang="zh-CN" altLang="en-US">
+                <a:latin typeface="Times New Roman Regular" panose="02020503050405090304" charset="0"/>
+                <a:cs typeface="Times New Roman Regular" panose="02020503050405090304" charset="0"/>
+              </a:rPr>
+              <a:t>    // 装载最大以及最小值</a:t>
+            </a:r>
+            <a:endParaRPr lang="zh-CN" altLang="en-US">
+              <a:latin typeface="Times New Roman Regular" panose="02020503050405090304" charset="0"/>
+              <a:cs typeface="Times New Roman Regular" panose="02020503050405090304" charset="0"/>
+            </a:endParaRPr>
+          </a:p>
+          <a:p>
+            <a:r>
+              <a:rPr lang="zh-CN" altLang="en-US">
+                <a:latin typeface="Times New Roman Regular" panose="02020503050405090304" charset="0"/>
+                <a:cs typeface="Times New Roman Regular" panose="02020503050405090304" charset="0"/>
+              </a:rPr>
+              <a:t>    int minValues[n - k + 1];</a:t>
+            </a:r>
+            <a:endParaRPr lang="zh-CN" altLang="en-US">
+              <a:latin typeface="Times New Roman Regular" panose="02020503050405090304" charset="0"/>
+              <a:cs typeface="Times New Roman Regular" panose="02020503050405090304" charset="0"/>
+            </a:endParaRPr>
+          </a:p>
+          <a:p>
+            <a:r>
+              <a:rPr lang="zh-CN" altLang="en-US">
+                <a:latin typeface="Times New Roman Regular" panose="02020503050405090304" charset="0"/>
+                <a:cs typeface="Times New Roman Regular" panose="02020503050405090304" charset="0"/>
+              </a:rPr>
+              <a:t>    int maxValues[n - k + 1];</a:t>
+            </a:r>
+            <a:endParaRPr lang="zh-CN" altLang="en-US">
+              <a:latin typeface="Times New Roman Regular" panose="02020503050405090304" charset="0"/>
+              <a:cs typeface="Times New Roman Regular" panose="02020503050405090304" charset="0"/>
+            </a:endParaRPr>
+          </a:p>
+          <a:p>
+            <a:endParaRPr lang="zh-CN" altLang="en-US">
+              <a:latin typeface="Times New Roman Regular" panose="02020503050405090304" charset="0"/>
+              <a:cs typeface="Times New Roman Regular" panose="02020503050405090304" charset="0"/>
+            </a:endParaRPr>
+          </a:p>
+          <a:p>
+            <a:r>
+              <a:rPr lang="zh-CN" altLang="en-US">
+                <a:latin typeface="Times New Roman Regular" panose="02020503050405090304" charset="0"/>
+                <a:cs typeface="Times New Roman Regular" panose="02020503050405090304" charset="0"/>
+              </a:rPr>
+              <a:t>    // 遍历每个窗口</a:t>
+            </a:r>
+            <a:endParaRPr lang="zh-CN" altLang="en-US">
+              <a:latin typeface="Times New Roman Regular" panose="02020503050405090304" charset="0"/>
+              <a:cs typeface="Times New Roman Regular" panose="02020503050405090304" charset="0"/>
+            </a:endParaRPr>
+          </a:p>
+          <a:p>
+            <a:r>
+              <a:rPr lang="zh-CN" altLang="en-US">
+                <a:latin typeface="Times New Roman Regular" panose="02020503050405090304" charset="0"/>
+                <a:cs typeface="Times New Roman Regular" panose="02020503050405090304" charset="0"/>
+              </a:rPr>
+              <a:t>    for (int i = 0; i &lt;= n - k; ++i) {</a:t>
+            </a:r>
+            <a:endParaRPr lang="zh-CN" altLang="en-US">
+              <a:latin typeface="Times New Roman Regular" panose="02020503050405090304" charset="0"/>
+              <a:cs typeface="Times New Roman Regular" panose="02020503050405090304" charset="0"/>
+            </a:endParaRPr>
+          </a:p>
+          <a:p>
+            <a:r>
+              <a:rPr lang="zh-CN" altLang="en-US">
+                <a:latin typeface="Times New Roman Regular" panose="02020503050405090304" charset="0"/>
+                <a:cs typeface="Times New Roman Regular" panose="02020503050405090304" charset="0"/>
+              </a:rPr>
+              <a:t>        int maxVal = INT_MIN;</a:t>
+            </a:r>
+            <a:endParaRPr lang="zh-CN" altLang="en-US">
+              <a:latin typeface="Times New Roman Regular" panose="02020503050405090304" charset="0"/>
+              <a:cs typeface="Times New Roman Regular" panose="02020503050405090304" charset="0"/>
+            </a:endParaRPr>
+          </a:p>
+          <a:p>
+            <a:r>
+              <a:rPr lang="zh-CN" altLang="en-US">
+                <a:latin typeface="Times New Roman Regular" panose="02020503050405090304" charset="0"/>
+                <a:cs typeface="Times New Roman Regular" panose="02020503050405090304" charset="0"/>
+              </a:rPr>
+              <a:t>        int minVal = INT_MAX;</a:t>
+            </a:r>
+            <a:endParaRPr lang="zh-CN" altLang="en-US">
+              <a:latin typeface="Times New Roman Regular" panose="02020503050405090304" charset="0"/>
+              <a:cs typeface="Times New Roman Regular" panose="02020503050405090304" charset="0"/>
+            </a:endParaRPr>
+          </a:p>
+          <a:p>
+            <a:endParaRPr lang="zh-CN" altLang="en-US">
+              <a:latin typeface="Times New Roman Regular" panose="02020503050405090304" charset="0"/>
+              <a:cs typeface="Times New Roman Regular" panose="02020503050405090304" charset="0"/>
+            </a:endParaRPr>
+          </a:p>
+          <a:p>
+            <a:r>
+              <a:rPr lang="zh-CN" altLang="en-US">
+                <a:latin typeface="Times New Roman Regular" panose="02020503050405090304" charset="0"/>
+                <a:cs typeface="Times New Roman Regular" panose="02020503050405090304" charset="0"/>
+              </a:rPr>
+              <a:t>      </a:t>
+            </a:r>
+            <a:endParaRPr lang="zh-CN" altLang="en-US">
+              <a:latin typeface="Times New Roman Regular" panose="02020503050405090304" charset="0"/>
+              <a:cs typeface="Times New Roman Regular" panose="02020503050405090304" charset="0"/>
+            </a:endParaRPr>
+          </a:p>
+        </p:txBody>
+      </p:sp>
+      <p:sp>
+        <p:nvSpPr>
+          <p:cNvPr id="4" name="文本框 3"/>
+          <p:cNvSpPr txBox="1"/>
+          <p:nvPr/>
+        </p:nvSpPr>
+        <p:spPr>
+          <a:xfrm>
+            <a:off x="7360285" y="139065"/>
+            <a:ext cx="8696325" cy="7293610"/>
+          </a:xfrm>
+          <a:prstGeom prst="rect">
+            <a:avLst/>
+          </a:prstGeom>
+          <a:noFill/>
+        </p:spPr>
+        <p:txBody>
+          <a:bodyPr wrap="square" rtlCol="0">
+            <a:spAutoFit/>
+          </a:bodyPr>
+          <a:p>
+            <a:r>
+              <a:rPr lang="zh-CN" altLang="en-US">
+                <a:latin typeface="Times New Roman Regular" panose="02020503050405090304" charset="0"/>
+                <a:cs typeface="Times New Roman Regular" panose="02020503050405090304" charset="0"/>
+                <a:sym typeface="+mn-ea"/>
+              </a:rPr>
+              <a:t>  // 在当前窗口找最大值和最小值</a:t>
+            </a:r>
+            <a:endParaRPr lang="zh-CN" altLang="en-US">
+              <a:latin typeface="Times New Roman Regular" panose="02020503050405090304" charset="0"/>
+              <a:cs typeface="Times New Roman Regular" panose="02020503050405090304" charset="0"/>
+            </a:endParaRPr>
+          </a:p>
+          <a:p>
+            <a:r>
+              <a:rPr lang="zh-CN" altLang="en-US">
+                <a:latin typeface="Times New Roman Regular" panose="02020503050405090304" charset="0"/>
+                <a:cs typeface="Times New Roman Regular" panose="02020503050405090304" charset="0"/>
+                <a:sym typeface="+mn-ea"/>
+              </a:rPr>
+              <a:t>        for (int j = i; j &lt; i + k; ++j) {</a:t>
+            </a:r>
+            <a:endParaRPr lang="zh-CN" altLang="en-US">
+              <a:latin typeface="Times New Roman Regular" panose="02020503050405090304" charset="0"/>
+              <a:cs typeface="Times New Roman Regular" panose="02020503050405090304" charset="0"/>
+            </a:endParaRPr>
+          </a:p>
+          <a:p>
+            <a:r>
+              <a:rPr lang="zh-CN" altLang="en-US">
+                <a:latin typeface="Times New Roman Regular" panose="02020503050405090304" charset="0"/>
+                <a:cs typeface="Times New Roman Regular" panose="02020503050405090304" charset="0"/>
+                <a:sym typeface="+mn-ea"/>
+              </a:rPr>
+              <a:t>            maxVal = max(maxVal, nums[j]);</a:t>
+            </a:r>
+            <a:endParaRPr lang="zh-CN" altLang="en-US">
+              <a:latin typeface="Times New Roman Regular" panose="02020503050405090304" charset="0"/>
+              <a:cs typeface="Times New Roman Regular" panose="02020503050405090304" charset="0"/>
+            </a:endParaRPr>
+          </a:p>
+          <a:p>
+            <a:r>
+              <a:rPr lang="zh-CN" altLang="en-US">
+                <a:latin typeface="Times New Roman Regular" panose="02020503050405090304" charset="0"/>
+                <a:cs typeface="Times New Roman Regular" panose="02020503050405090304" charset="0"/>
+                <a:sym typeface="+mn-ea"/>
+              </a:rPr>
+              <a:t>            minVal = min(minVal, nums[j]);</a:t>
+            </a:r>
+            <a:endParaRPr lang="zh-CN" altLang="en-US">
+              <a:latin typeface="Times New Roman Regular" panose="02020503050405090304" charset="0"/>
+              <a:cs typeface="Times New Roman Regular" panose="02020503050405090304" charset="0"/>
+            </a:endParaRPr>
+          </a:p>
+          <a:p>
+            <a:r>
+              <a:rPr lang="zh-CN" altLang="en-US">
+                <a:latin typeface="Times New Roman Regular" panose="02020503050405090304" charset="0"/>
+                <a:cs typeface="Times New Roman Regular" panose="02020503050405090304" charset="0"/>
+                <a:sym typeface="+mn-ea"/>
+              </a:rPr>
+              <a:t>        }</a:t>
+            </a:r>
+            <a:endParaRPr lang="zh-CN" altLang="en-US">
+              <a:latin typeface="Times New Roman Regular" panose="02020503050405090304" charset="0"/>
+              <a:cs typeface="Times New Roman Regular" panose="02020503050405090304" charset="0"/>
+            </a:endParaRPr>
+          </a:p>
+          <a:p>
+            <a:endParaRPr lang="zh-CN" altLang="en-US">
+              <a:latin typeface="Times New Roman Regular" panose="02020503050405090304" charset="0"/>
+              <a:cs typeface="Times New Roman Regular" panose="02020503050405090304" charset="0"/>
+            </a:endParaRPr>
+          </a:p>
+          <a:p>
+            <a:r>
+              <a:rPr lang="zh-CN" altLang="en-US">
+                <a:latin typeface="Times New Roman Regular" panose="02020503050405090304" charset="0"/>
+                <a:cs typeface="Times New Roman Regular" panose="02020503050405090304" charset="0"/>
+                <a:sym typeface="+mn-ea"/>
+              </a:rPr>
+              <a:t>        minValues[i] = minVal;</a:t>
+            </a:r>
+            <a:endParaRPr lang="zh-CN" altLang="en-US">
+              <a:latin typeface="Times New Roman Regular" panose="02020503050405090304" charset="0"/>
+              <a:cs typeface="Times New Roman Regular" panose="02020503050405090304" charset="0"/>
+            </a:endParaRPr>
+          </a:p>
+          <a:p>
+            <a:r>
+              <a:rPr lang="zh-CN" altLang="en-US">
+                <a:latin typeface="Times New Roman Regular" panose="02020503050405090304" charset="0"/>
+                <a:cs typeface="Times New Roman Regular" panose="02020503050405090304" charset="0"/>
+                <a:sym typeface="+mn-ea"/>
+              </a:rPr>
+              <a:t>        maxValues[i] = maxVal;</a:t>
+            </a:r>
+            <a:endParaRPr lang="zh-CN" altLang="en-US">
+              <a:latin typeface="Times New Roman Regular" panose="02020503050405090304" charset="0"/>
+              <a:cs typeface="Times New Roman Regular" panose="02020503050405090304" charset="0"/>
+            </a:endParaRPr>
+          </a:p>
+          <a:p>
+            <a:r>
+              <a:rPr lang="zh-CN" altLang="en-US">
+                <a:latin typeface="Times New Roman Regular" panose="02020503050405090304" charset="0"/>
+                <a:cs typeface="Times New Roman Regular" panose="02020503050405090304" charset="0"/>
+                <a:sym typeface="+mn-ea"/>
+              </a:rPr>
+              <a:t>    }</a:t>
+            </a:r>
+            <a:endParaRPr lang="zh-CN" altLang="en-US">
+              <a:latin typeface="Times New Roman Regular" panose="02020503050405090304" charset="0"/>
+              <a:cs typeface="Times New Roman Regular" panose="02020503050405090304" charset="0"/>
+            </a:endParaRPr>
+          </a:p>
+          <a:p>
+            <a:endParaRPr lang="zh-CN" altLang="en-US">
+              <a:latin typeface="Times New Roman Regular" panose="02020503050405090304" charset="0"/>
+              <a:cs typeface="Times New Roman Regular" panose="02020503050405090304" charset="0"/>
+            </a:endParaRPr>
+          </a:p>
+          <a:p>
+            <a:r>
+              <a:rPr lang="zh-CN" altLang="en-US">
+                <a:latin typeface="Times New Roman Regular" panose="02020503050405090304" charset="0"/>
+                <a:cs typeface="Times New Roman Regular" panose="02020503050405090304" charset="0"/>
+                <a:sym typeface="+mn-ea"/>
+              </a:rPr>
+              <a:t>    // 输出所有窗口的最小值</a:t>
+            </a:r>
+            <a:endParaRPr lang="zh-CN" altLang="en-US">
+              <a:latin typeface="Times New Roman Regular" panose="02020503050405090304" charset="0"/>
+              <a:cs typeface="Times New Roman Regular" panose="02020503050405090304" charset="0"/>
+            </a:endParaRPr>
+          </a:p>
+          <a:p>
+            <a:r>
+              <a:rPr lang="zh-CN" altLang="en-US">
+                <a:latin typeface="Times New Roman Regular" panose="02020503050405090304" charset="0"/>
+                <a:cs typeface="Times New Roman Regular" panose="02020503050405090304" charset="0"/>
+                <a:sym typeface="+mn-ea"/>
+              </a:rPr>
+              <a:t>    for (int i = 0; i &lt; n - k + 1; ++i) {</a:t>
+            </a:r>
+            <a:endParaRPr lang="zh-CN" altLang="en-US">
+              <a:latin typeface="Times New Roman Regular" panose="02020503050405090304" charset="0"/>
+              <a:cs typeface="Times New Roman Regular" panose="02020503050405090304" charset="0"/>
+            </a:endParaRPr>
+          </a:p>
+          <a:p>
+            <a:r>
+              <a:rPr lang="zh-CN" altLang="en-US">
+                <a:latin typeface="Times New Roman Regular" panose="02020503050405090304" charset="0"/>
+                <a:cs typeface="Times New Roman Regular" panose="02020503050405090304" charset="0"/>
+                <a:sym typeface="+mn-ea"/>
+              </a:rPr>
+              <a:t>        cout &lt;&lt; minValues[i] &lt;&lt; " ";</a:t>
+            </a:r>
+            <a:endParaRPr lang="zh-CN" altLang="en-US">
+              <a:latin typeface="Times New Roman Regular" panose="02020503050405090304" charset="0"/>
+              <a:cs typeface="Times New Roman Regular" panose="02020503050405090304" charset="0"/>
+            </a:endParaRPr>
+          </a:p>
+          <a:p>
+            <a:r>
+              <a:rPr lang="zh-CN" altLang="en-US">
+                <a:latin typeface="Times New Roman Regular" panose="02020503050405090304" charset="0"/>
+                <a:cs typeface="Times New Roman Regular" panose="02020503050405090304" charset="0"/>
+                <a:sym typeface="+mn-ea"/>
+              </a:rPr>
+              <a:t>    }</a:t>
+            </a:r>
+            <a:endParaRPr lang="zh-CN" altLang="en-US">
+              <a:latin typeface="Times New Roman Regular" panose="02020503050405090304" charset="0"/>
+              <a:cs typeface="Times New Roman Regular" panose="02020503050405090304" charset="0"/>
+            </a:endParaRPr>
+          </a:p>
+          <a:p>
+            <a:r>
+              <a:rPr lang="zh-CN" altLang="en-US">
+                <a:latin typeface="Times New Roman Regular" panose="02020503050405090304" charset="0"/>
+                <a:cs typeface="Times New Roman Regular" panose="02020503050405090304" charset="0"/>
+                <a:sym typeface="+mn-ea"/>
+              </a:rPr>
+              <a:t>    cout &lt;&lt; endl;</a:t>
+            </a:r>
+            <a:endParaRPr lang="zh-CN" altLang="en-US">
+              <a:latin typeface="Times New Roman Regular" panose="02020503050405090304" charset="0"/>
+              <a:cs typeface="Times New Roman Regular" panose="02020503050405090304" charset="0"/>
+            </a:endParaRPr>
+          </a:p>
+          <a:p>
+            <a:endParaRPr lang="zh-CN" altLang="en-US">
+              <a:latin typeface="Times New Roman Regular" panose="02020503050405090304" charset="0"/>
+              <a:cs typeface="Times New Roman Regular" panose="02020503050405090304" charset="0"/>
+            </a:endParaRPr>
+          </a:p>
+          <a:p>
+            <a:r>
+              <a:rPr lang="zh-CN" altLang="en-US">
+                <a:latin typeface="Times New Roman Regular" panose="02020503050405090304" charset="0"/>
+                <a:cs typeface="Times New Roman Regular" panose="02020503050405090304" charset="0"/>
+                <a:sym typeface="+mn-ea"/>
+              </a:rPr>
+              <a:t>    // 输出所有窗口的最大值</a:t>
+            </a:r>
+            <a:endParaRPr lang="zh-CN" altLang="en-US">
+              <a:latin typeface="Times New Roman Regular" panose="02020503050405090304" charset="0"/>
+              <a:cs typeface="Times New Roman Regular" panose="02020503050405090304" charset="0"/>
+            </a:endParaRPr>
+          </a:p>
+          <a:p>
+            <a:r>
+              <a:rPr lang="zh-CN" altLang="en-US">
+                <a:latin typeface="Times New Roman Regular" panose="02020503050405090304" charset="0"/>
+                <a:cs typeface="Times New Roman Regular" panose="02020503050405090304" charset="0"/>
+                <a:sym typeface="+mn-ea"/>
+              </a:rPr>
+              <a:t>    for (int i = 0; i &lt; n - k + 1; ++i) {</a:t>
+            </a:r>
+            <a:endParaRPr lang="zh-CN" altLang="en-US">
+              <a:latin typeface="Times New Roman Regular" panose="02020503050405090304" charset="0"/>
+              <a:cs typeface="Times New Roman Regular" panose="02020503050405090304" charset="0"/>
+            </a:endParaRPr>
+          </a:p>
+          <a:p>
+            <a:r>
+              <a:rPr lang="zh-CN" altLang="en-US">
+                <a:latin typeface="Times New Roman Regular" panose="02020503050405090304" charset="0"/>
+                <a:cs typeface="Times New Roman Regular" panose="02020503050405090304" charset="0"/>
+                <a:sym typeface="+mn-ea"/>
+              </a:rPr>
+              <a:t>        cout &lt;&lt; maxValues[i] &lt;&lt; " ";</a:t>
+            </a:r>
+            <a:endParaRPr lang="zh-CN" altLang="en-US">
+              <a:latin typeface="Times New Roman Regular" panose="02020503050405090304" charset="0"/>
+              <a:cs typeface="Times New Roman Regular" panose="02020503050405090304" charset="0"/>
+            </a:endParaRPr>
+          </a:p>
+          <a:p>
+            <a:r>
+              <a:rPr lang="zh-CN" altLang="en-US">
+                <a:latin typeface="Times New Roman Regular" panose="02020503050405090304" charset="0"/>
+                <a:cs typeface="Times New Roman Regular" panose="02020503050405090304" charset="0"/>
+                <a:sym typeface="+mn-ea"/>
+              </a:rPr>
+              <a:t>    }</a:t>
+            </a:r>
+            <a:endParaRPr lang="zh-CN" altLang="en-US">
+              <a:latin typeface="Times New Roman Regular" panose="02020503050405090304" charset="0"/>
+              <a:cs typeface="Times New Roman Regular" panose="02020503050405090304" charset="0"/>
+            </a:endParaRPr>
+          </a:p>
+          <a:p>
+            <a:r>
+              <a:rPr lang="zh-CN" altLang="en-US">
+                <a:latin typeface="Times New Roman Regular" panose="02020503050405090304" charset="0"/>
+                <a:cs typeface="Times New Roman Regular" panose="02020503050405090304" charset="0"/>
+                <a:sym typeface="+mn-ea"/>
+              </a:rPr>
+              <a:t>    cout &lt;&lt; endl;</a:t>
+            </a:r>
+            <a:endParaRPr lang="zh-CN" altLang="en-US">
+              <a:latin typeface="Times New Roman Regular" panose="02020503050405090304" charset="0"/>
+              <a:cs typeface="Times New Roman Regular" panose="02020503050405090304" charset="0"/>
+            </a:endParaRPr>
+          </a:p>
+          <a:p>
+            <a:endParaRPr lang="zh-CN" altLang="en-US">
+              <a:latin typeface="Times New Roman Regular" panose="02020503050405090304" charset="0"/>
+              <a:cs typeface="Times New Roman Regular" panose="02020503050405090304" charset="0"/>
+            </a:endParaRPr>
+          </a:p>
+          <a:p>
+            <a:r>
+              <a:rPr lang="zh-CN" altLang="en-US">
+                <a:latin typeface="Times New Roman Regular" panose="02020503050405090304" charset="0"/>
+                <a:cs typeface="Times New Roman Regular" panose="02020503050405090304" charset="0"/>
+                <a:sym typeface="+mn-ea"/>
+              </a:rPr>
+              <a:t>    return 0;</a:t>
+            </a:r>
+            <a:endParaRPr lang="zh-CN" altLang="en-US">
+              <a:latin typeface="Times New Roman Regular" panose="02020503050405090304" charset="0"/>
+              <a:cs typeface="Times New Roman Regular" panose="02020503050405090304" charset="0"/>
+            </a:endParaRPr>
+          </a:p>
+          <a:p>
+            <a:r>
+              <a:rPr lang="zh-CN" altLang="en-US">
+                <a:latin typeface="Times New Roman Regular" panose="02020503050405090304" charset="0"/>
+                <a:cs typeface="Times New Roman Regular" panose="02020503050405090304" charset="0"/>
+                <a:sym typeface="+mn-ea"/>
+              </a:rPr>
+              <a:t>}</a:t>
+            </a:r>
+            <a:endParaRPr lang="zh-CN" altLang="en-US">
+              <a:latin typeface="Times New Roman Regular" panose="02020503050405090304" charset="0"/>
+              <a:cs typeface="Times New Roman Regular" panose="02020503050405090304" charset="0"/>
+            </a:endParaRPr>
+          </a:p>
+          <a:p>
+            <a:endParaRPr lang="zh-CN" altLang="en-US">
+              <a:latin typeface="Times New Roman Regular" panose="02020503050405090304" charset="0"/>
+              <a:cs typeface="Times New Roman Regular" panose="02020503050405090304" charset="0"/>
+            </a:endParaRPr>
+          </a:p>
+          <a:p>
+            <a:endParaRPr lang="zh-CN" altLang="en-US">
+              <a:latin typeface="Times New Roman Regular" panose="02020503050405090304" charset="0"/>
+              <a:cs typeface="Times New Roman Regular" panose="02020503050405090304" charset="0"/>
+            </a:endParaRPr>
+          </a:p>
+        </p:txBody>
+      </p:sp>
     </p:spTree>
   </p:cSld>
   <p:clrMapOvr>
@@ -43789,8 +45288,7 @@
 
 <file path=ppt/tags/tag131.xml><?xml version="1.0" encoding="utf-8"?>
 <p:tagLst xmlns:p="http://schemas.openxmlformats.org/presentationml/2006/main">
-  <p:tag name="TABLE_ENDDRAG_ORIGIN_RECT" val="710*87"/>
-  <p:tag name="TABLE_ENDDRAG_RECT" val="144*255*710*87"/>
+  <p:tag name="KSO_WM_BEAUTIFY_FLAG" val=""/>
 </p:tagLst>
 </file>
 
@@ -43802,7 +45300,8 @@
 
 <file path=ppt/tags/tag133.xml><?xml version="1.0" encoding="utf-8"?>
 <p:tagLst xmlns:p="http://schemas.openxmlformats.org/presentationml/2006/main">
-  <p:tag name="KSO_WM_BEAUTIFY_FLAG" val=""/>
+  <p:tag name="TABLE_ENDDRAG_ORIGIN_RECT" val="710*87"/>
+  <p:tag name="TABLE_ENDDRAG_RECT" val="144*255*710*87"/>
 </p:tagLst>
 </file>
 
@@ -43850,8 +45349,7 @@
 
 <file path=ppt/tags/tag140.xml><?xml version="1.0" encoding="utf-8"?>
 <p:tagLst xmlns:p="http://schemas.openxmlformats.org/presentationml/2006/main">
-  <p:tag name="TABLE_ENDDRAG_ORIGIN_RECT" val="710*87"/>
-  <p:tag name="TABLE_ENDDRAG_RECT" val="144*255*710*87"/>
+  <p:tag name="KSO_WM_BEAUTIFY_FLAG" val=""/>
 </p:tagLst>
 </file>
 
@@ -43863,11 +45361,24 @@
 
 <file path=ppt/tags/tag142.xml><?xml version="1.0" encoding="utf-8"?>
 <p:tagLst xmlns:p="http://schemas.openxmlformats.org/presentationml/2006/main">
+  <p:tag name="TABLE_ENDDRAG_ORIGIN_RECT" val="710*87"/>
+  <p:tag name="TABLE_ENDDRAG_RECT" val="144*255*710*87"/>
+</p:tagLst>
+</file>
+
+<file path=ppt/tags/tag143.xml><?xml version="1.0" encoding="utf-8"?>
+<p:tagLst xmlns:p="http://schemas.openxmlformats.org/presentationml/2006/main">
   <p:tag name="KSO_WM_BEAUTIFY_FLAG" val=""/>
 </p:tagLst>
 </file>
 
-<file path=ppt/tags/tag143.xml><?xml version="1.0" encoding="utf-8"?>
+<file path=ppt/tags/tag144.xml><?xml version="1.0" encoding="utf-8"?>
+<p:tagLst xmlns:p="http://schemas.openxmlformats.org/presentationml/2006/main">
+  <p:tag name="KSO_WM_BEAUTIFY_FLAG" val=""/>
+</p:tagLst>
+</file>
+
+<file path=ppt/tags/tag145.xml><?xml version="1.0" encoding="utf-8"?>
 <p:tagLst xmlns:p="http://schemas.openxmlformats.org/presentationml/2006/main">
   <p:tag name="KSO_WM_BEAUTIFY_FLAG" val=""/>
 </p:tagLst>
